--- a/Presentation/Axisymmetric project (2).pptx
+++ b/Presentation/Axisymmetric project (2).pptx
@@ -13,13 +13,15 @@
     <p:sldId id="261" r:id="rId7"/>
     <p:sldId id="262" r:id="rId8"/>
     <p:sldId id="265" r:id="rId9"/>
-    <p:sldId id="267" r:id="rId10"/>
-    <p:sldId id="268" r:id="rId11"/>
-    <p:sldId id="269" r:id="rId12"/>
-    <p:sldId id="270" r:id="rId13"/>
-    <p:sldId id="259" r:id="rId14"/>
-    <p:sldId id="263" r:id="rId15"/>
-    <p:sldId id="264" r:id="rId16"/>
+    <p:sldId id="271" r:id="rId10"/>
+    <p:sldId id="267" r:id="rId11"/>
+    <p:sldId id="268" r:id="rId12"/>
+    <p:sldId id="269" r:id="rId13"/>
+    <p:sldId id="270" r:id="rId14"/>
+    <p:sldId id="259" r:id="rId15"/>
+    <p:sldId id="272" r:id="rId16"/>
+    <p:sldId id="263" r:id="rId17"/>
+    <p:sldId id="264" r:id="rId18"/>
   </p:sldIdLst>
   <p:sldSz cx="9144000" cy="6858000" type="screen4x3"/>
   <p:notesSz cx="6858000" cy="9144000"/>
@@ -120,7 +122,7 @@
   </p:defaultTextStyle>
   <p:extLst>
     <p:ext uri="{EFAFB233-063F-42B5-8137-9DF3F51BA10A}">
-      <p15:sldGuideLst xmlns:p15="http://schemas.microsoft.com/office/powerpoint/2012/main"/>
+      <p15:sldGuideLst xmlns:p15="http://schemas.microsoft.com/office/powerpoint/2012/main" xmlns=""/>
     </p:ext>
   </p:extLst>
 </p:presentation>
@@ -1055,10 +1057,24 @@
     <dgm:pt modelId="{5A1AAC12-FB18-4DA1-B7E7-9B486B263E24}" type="pres">
       <dgm:prSet presAssocID="{30CDC0B8-1838-4EFA-826C-BE17A7EF16F2}" presName="sibTrans" presStyleLbl="sibTrans2D1" presStyleIdx="0" presStyleCnt="3" custScaleX="174307"/>
       <dgm:spPr/>
+      <dgm:t>
+        <a:bodyPr/>
+        <a:lstStyle/>
+        <a:p>
+          <a:endParaRPr lang="en-US"/>
+        </a:p>
+      </dgm:t>
     </dgm:pt>
     <dgm:pt modelId="{35B50378-38C6-475F-8379-8957E1FE0918}" type="pres">
       <dgm:prSet presAssocID="{30CDC0B8-1838-4EFA-826C-BE17A7EF16F2}" presName="connectorText" presStyleLbl="sibTrans2D1" presStyleIdx="0" presStyleCnt="3"/>
       <dgm:spPr/>
+      <dgm:t>
+        <a:bodyPr/>
+        <a:lstStyle/>
+        <a:p>
+          <a:endParaRPr lang="en-US"/>
+        </a:p>
+      </dgm:t>
     </dgm:pt>
     <dgm:pt modelId="{C5C11C04-06AF-40F8-BF8F-6717FD89CD72}" type="pres">
       <dgm:prSet presAssocID="{FD8E41BD-BA81-4D76-A0F0-72E6D1F7E523}" presName="node" presStyleLbl="node1" presStyleIdx="1" presStyleCnt="4" custLinFactNeighborX="1397" custLinFactNeighborY="-93400">
@@ -1078,10 +1094,24 @@
     <dgm:pt modelId="{D258F92C-2962-470F-BE15-93D27CF2A33F}" type="pres">
       <dgm:prSet presAssocID="{E40F0DB7-9F04-48D0-ADE0-6CA8F938769C}" presName="sibTrans" presStyleLbl="sibTrans2D1" presStyleIdx="1" presStyleCnt="3" custAng="16865935" custScaleX="208762" custLinFactX="-183056" custLinFactY="63955" custLinFactNeighborX="-200000" custLinFactNeighborY="100000"/>
       <dgm:spPr/>
+      <dgm:t>
+        <a:bodyPr/>
+        <a:lstStyle/>
+        <a:p>
+          <a:endParaRPr lang="en-US"/>
+        </a:p>
+      </dgm:t>
     </dgm:pt>
     <dgm:pt modelId="{D6CAA199-B5D9-4E3E-BA23-9EFBFA6FBF19}" type="pres">
       <dgm:prSet presAssocID="{E40F0DB7-9F04-48D0-ADE0-6CA8F938769C}" presName="connectorText" presStyleLbl="sibTrans2D1" presStyleIdx="1" presStyleCnt="3"/>
       <dgm:spPr/>
+      <dgm:t>
+        <a:bodyPr/>
+        <a:lstStyle/>
+        <a:p>
+          <a:endParaRPr lang="en-US"/>
+        </a:p>
+      </dgm:t>
     </dgm:pt>
     <dgm:pt modelId="{2E1B3E18-9606-4D5E-A2B0-D2BAA7B551C1}" type="pres">
       <dgm:prSet presAssocID="{08D9E8C5-6FBA-4E46-80B5-BE09731B0E6B}" presName="node" presStyleLbl="node1" presStyleIdx="2" presStyleCnt="4" custLinFactX="-95213" custLinFactNeighborX="-100000" custLinFactNeighborY="56929">
@@ -1101,10 +1131,24 @@
     <dgm:pt modelId="{40E65179-7998-432A-B04D-E34E64040714}" type="pres">
       <dgm:prSet presAssocID="{FB8E36C7-DC00-45D4-9F08-AF0496422597}" presName="sibTrans" presStyleLbl="sibTrans2D1" presStyleIdx="2" presStyleCnt="3" custAng="683499" custLinFactNeighborX="-19689" custLinFactNeighborY="-76600"/>
       <dgm:spPr/>
+      <dgm:t>
+        <a:bodyPr/>
+        <a:lstStyle/>
+        <a:p>
+          <a:endParaRPr lang="en-US"/>
+        </a:p>
+      </dgm:t>
     </dgm:pt>
     <dgm:pt modelId="{21288CE1-1F4B-4481-B350-4DEDE62393AD}" type="pres">
       <dgm:prSet presAssocID="{FB8E36C7-DC00-45D4-9F08-AF0496422597}" presName="connectorText" presStyleLbl="sibTrans2D1" presStyleIdx="2" presStyleCnt="3"/>
       <dgm:spPr/>
+      <dgm:t>
+        <a:bodyPr/>
+        <a:lstStyle/>
+        <a:p>
+          <a:endParaRPr lang="en-US"/>
+        </a:p>
+      </dgm:t>
     </dgm:pt>
     <dgm:pt modelId="{ED717EA7-37F3-482B-8385-6BE4C5087A72}" type="pres">
       <dgm:prSet presAssocID="{28596C74-B7B3-4E31-ACE6-0B61FD8510AE}" presName="node" presStyleLbl="node1" presStyleIdx="3" presStyleCnt="4" custLinFactX="-52191" custLinFactNeighborX="-100000" custLinFactNeighborY="-1779">
@@ -1113,13 +1157,20 @@
         </dgm:presLayoutVars>
       </dgm:prSet>
       <dgm:spPr/>
+      <dgm:t>
+        <a:bodyPr/>
+        <a:lstStyle/>
+        <a:p>
+          <a:endParaRPr lang="en-US"/>
+        </a:p>
+      </dgm:t>
     </dgm:pt>
   </dgm:ptLst>
   <dgm:cxnLst>
     <dgm:cxn modelId="{F3483020-3E59-416C-81EC-612FE7A2B519}" srcId="{39B1ACE4-BA06-4FB5-92F8-C2B5739194AD}" destId="{08D9E8C5-6FBA-4E46-80B5-BE09731B0E6B}" srcOrd="2" destOrd="0" parTransId="{0144FA90-3C21-45DF-9CE7-03C8AF055AA8}" sibTransId="{FB8E36C7-DC00-45D4-9F08-AF0496422597}"/>
     <dgm:cxn modelId="{28B23E7A-09EE-4CE6-ABDF-924CBEFA6D28}" type="presOf" srcId="{39B1ACE4-BA06-4FB5-92F8-C2B5739194AD}" destId="{BFEBFC65-BD7E-4195-89F9-880B385CAB0E}" srcOrd="0" destOrd="0" presId="urn:microsoft.com/office/officeart/2005/8/layout/process1"/>
+    <dgm:cxn modelId="{FDFAE8C9-D90B-4440-8010-1E9CE9EA0E44}" srcId="{39B1ACE4-BA06-4FB5-92F8-C2B5739194AD}" destId="{28596C74-B7B3-4E31-ACE6-0B61FD8510AE}" srcOrd="3" destOrd="0" parTransId="{D502242D-9D35-4024-80D7-04999AAC7405}" sibTransId="{2F7A919D-E349-41FF-AC1A-62D288263C46}"/>
     <dgm:cxn modelId="{ADBA022D-6AE2-46B2-8B9E-E8EA27FAA766}" type="presOf" srcId="{28596C74-B7B3-4E31-ACE6-0B61FD8510AE}" destId="{ED717EA7-37F3-482B-8385-6BE4C5087A72}" srcOrd="0" destOrd="0" presId="urn:microsoft.com/office/officeart/2005/8/layout/process1"/>
-    <dgm:cxn modelId="{FDFAE8C9-D90B-4440-8010-1E9CE9EA0E44}" srcId="{39B1ACE4-BA06-4FB5-92F8-C2B5739194AD}" destId="{28596C74-B7B3-4E31-ACE6-0B61FD8510AE}" srcOrd="3" destOrd="0" parTransId="{D502242D-9D35-4024-80D7-04999AAC7405}" sibTransId="{2F7A919D-E349-41FF-AC1A-62D288263C46}"/>
     <dgm:cxn modelId="{9655C6B9-F66C-4DA7-87D7-C78B0C3AFED0}" type="presOf" srcId="{FB8E36C7-DC00-45D4-9F08-AF0496422597}" destId="{40E65179-7998-432A-B04D-E34E64040714}" srcOrd="0" destOrd="0" presId="urn:microsoft.com/office/officeart/2005/8/layout/process1"/>
     <dgm:cxn modelId="{3AB3E3A4-6ACC-4A68-9FF0-0791922F3169}" type="presOf" srcId="{A4697218-540A-421E-88BC-160FA39BEBB3}" destId="{AE3325EC-9F0D-4FCA-A855-CD4A148E0F59}" srcOrd="0" destOrd="0" presId="urn:microsoft.com/office/officeart/2005/8/layout/process1"/>
     <dgm:cxn modelId="{5472E09C-2C38-44FF-9951-871BBF19D5A3}" type="presOf" srcId="{FB8E36C7-DC00-45D4-9F08-AF0496422597}" destId="{21288CE1-1F4B-4481-B350-4DEDE62393AD}" srcOrd="1" destOrd="0" presId="urn:microsoft.com/office/officeart/2005/8/layout/process1"/>
@@ -3002,7 +3053,7 @@
           <a:p>
             <a:fld id="{565BE92A-F8E4-4EA7-9402-B1B803F7CC1B}" type="datetimeFigureOut">
               <a:rPr lang="en-US" smtClean="0"/>
-              <a:t>4/27/2016</a:t>
+              <a:t>4/27/16</a:t>
             </a:fld>
             <a:endParaRPr lang="en-US"/>
           </a:p>
@@ -3172,7 +3223,7 @@
           <a:p>
             <a:fld id="{565BE92A-F8E4-4EA7-9402-B1B803F7CC1B}" type="datetimeFigureOut">
               <a:rPr lang="en-US" smtClean="0"/>
-              <a:t>4/27/2016</a:t>
+              <a:t>4/27/16</a:t>
             </a:fld>
             <a:endParaRPr lang="en-US"/>
           </a:p>
@@ -3352,7 +3403,7 @@
           <a:p>
             <a:fld id="{565BE92A-F8E4-4EA7-9402-B1B803F7CC1B}" type="datetimeFigureOut">
               <a:rPr lang="en-US" smtClean="0"/>
-              <a:t>4/27/2016</a:t>
+              <a:t>4/27/16</a:t>
             </a:fld>
             <a:endParaRPr lang="en-US"/>
           </a:p>
@@ -3522,7 +3573,7 @@
           <a:p>
             <a:fld id="{565BE92A-F8E4-4EA7-9402-B1B803F7CC1B}" type="datetimeFigureOut">
               <a:rPr lang="en-US" smtClean="0"/>
-              <a:t>4/27/2016</a:t>
+              <a:t>4/27/16</a:t>
             </a:fld>
             <a:endParaRPr lang="en-US"/>
           </a:p>
@@ -3766,7 +3817,7 @@
           <a:p>
             <a:fld id="{565BE92A-F8E4-4EA7-9402-B1B803F7CC1B}" type="datetimeFigureOut">
               <a:rPr lang="en-US" smtClean="0"/>
-              <a:t>4/27/2016</a:t>
+              <a:t>4/27/16</a:t>
             </a:fld>
             <a:endParaRPr lang="en-US"/>
           </a:p>
@@ -3998,7 +4049,7 @@
           <a:p>
             <a:fld id="{565BE92A-F8E4-4EA7-9402-B1B803F7CC1B}" type="datetimeFigureOut">
               <a:rPr lang="en-US" smtClean="0"/>
-              <a:t>4/27/2016</a:t>
+              <a:t>4/27/16</a:t>
             </a:fld>
             <a:endParaRPr lang="en-US"/>
           </a:p>
@@ -4365,7 +4416,7 @@
           <a:p>
             <a:fld id="{565BE92A-F8E4-4EA7-9402-B1B803F7CC1B}" type="datetimeFigureOut">
               <a:rPr lang="en-US" smtClean="0"/>
-              <a:t>4/27/2016</a:t>
+              <a:t>4/27/16</a:t>
             </a:fld>
             <a:endParaRPr lang="en-US"/>
           </a:p>
@@ -4483,7 +4534,7 @@
           <a:p>
             <a:fld id="{565BE92A-F8E4-4EA7-9402-B1B803F7CC1B}" type="datetimeFigureOut">
               <a:rPr lang="en-US" smtClean="0"/>
-              <a:t>4/27/2016</a:t>
+              <a:t>4/27/16</a:t>
             </a:fld>
             <a:endParaRPr lang="en-US"/>
           </a:p>
@@ -4578,7 +4629,7 @@
           <a:p>
             <a:fld id="{565BE92A-F8E4-4EA7-9402-B1B803F7CC1B}" type="datetimeFigureOut">
               <a:rPr lang="en-US" smtClean="0"/>
-              <a:t>4/27/2016</a:t>
+              <a:t>4/27/16</a:t>
             </a:fld>
             <a:endParaRPr lang="en-US"/>
           </a:p>
@@ -4855,7 +4906,7 @@
           <a:p>
             <a:fld id="{565BE92A-F8E4-4EA7-9402-B1B803F7CC1B}" type="datetimeFigureOut">
               <a:rPr lang="en-US" smtClean="0"/>
-              <a:t>4/27/2016</a:t>
+              <a:t>4/27/16</a:t>
             </a:fld>
             <a:endParaRPr lang="en-US"/>
           </a:p>
@@ -5112,7 +5163,7 @@
           <a:p>
             <a:fld id="{565BE92A-F8E4-4EA7-9402-B1B803F7CC1B}" type="datetimeFigureOut">
               <a:rPr lang="en-US" smtClean="0"/>
-              <a:t>4/27/2016</a:t>
+              <a:t>4/27/16</a:t>
             </a:fld>
             <a:endParaRPr lang="en-US"/>
           </a:p>
@@ -5325,7 +5376,7 @@
           <a:p>
             <a:fld id="{565BE92A-F8E4-4EA7-9402-B1B803F7CC1B}" type="datetimeFigureOut">
               <a:rPr lang="en-US" smtClean="0"/>
-              <a:t>4/27/2016</a:t>
+              <a:t>4/27/16</a:t>
             </a:fld>
             <a:endParaRPr lang="en-US"/>
           </a:p>
@@ -5903,6 +5954,162 @@
       </p:sp>
       <p:pic>
         <p:nvPicPr>
+          <p:cNvPr id="5" name="Picture 4"/>
+          <p:cNvPicPr>
+            <a:picLocks noChangeAspect="1"/>
+          </p:cNvPicPr>
+          <p:nvPr/>
+        </p:nvPicPr>
+        <p:blipFill>
+          <a:blip r:embed="rId2"/>
+          <a:stretch>
+            <a:fillRect/>
+          </a:stretch>
+        </p:blipFill>
+        <p:spPr>
+          <a:xfrm>
+            <a:off x="1003301" y="1539724"/>
+            <a:ext cx="3568700" cy="2608549"/>
+          </a:xfrm>
+          <a:prstGeom prst="rect">
+            <a:avLst/>
+          </a:prstGeom>
+        </p:spPr>
+      </p:pic>
+      <p:pic>
+        <p:nvPicPr>
+          <p:cNvPr id="7" name="Picture 6"/>
+          <p:cNvPicPr>
+            <a:picLocks noChangeAspect="1"/>
+          </p:cNvPicPr>
+          <p:nvPr/>
+        </p:nvPicPr>
+        <p:blipFill>
+          <a:blip r:embed="rId3"/>
+          <a:stretch>
+            <a:fillRect/>
+          </a:stretch>
+        </p:blipFill>
+        <p:spPr>
+          <a:xfrm>
+            <a:off x="1003301" y="4166023"/>
+            <a:ext cx="3568698" cy="2576922"/>
+          </a:xfrm>
+          <a:prstGeom prst="rect">
+            <a:avLst/>
+          </a:prstGeom>
+        </p:spPr>
+      </p:pic>
+      <p:pic>
+        <p:nvPicPr>
+          <p:cNvPr id="10" name="Picture 9"/>
+          <p:cNvPicPr>
+            <a:picLocks noChangeAspect="1"/>
+          </p:cNvPicPr>
+          <p:nvPr/>
+        </p:nvPicPr>
+        <p:blipFill>
+          <a:blip r:embed="rId4"/>
+          <a:stretch>
+            <a:fillRect/>
+          </a:stretch>
+        </p:blipFill>
+        <p:spPr>
+          <a:xfrm>
+            <a:off x="4572000" y="1535537"/>
+            <a:ext cx="3803650" cy="2814521"/>
+          </a:xfrm>
+          <a:prstGeom prst="rect">
+            <a:avLst/>
+          </a:prstGeom>
+        </p:spPr>
+      </p:pic>
+      <p:pic>
+        <p:nvPicPr>
+          <p:cNvPr id="12" name="Picture 11"/>
+          <p:cNvPicPr>
+            <a:picLocks noChangeAspect="1"/>
+          </p:cNvPicPr>
+          <p:nvPr/>
+        </p:nvPicPr>
+        <p:blipFill>
+          <a:blip r:embed="rId5"/>
+          <a:stretch>
+            <a:fillRect/>
+          </a:stretch>
+        </p:blipFill>
+        <p:spPr>
+          <a:xfrm>
+            <a:off x="4660899" y="4093522"/>
+            <a:ext cx="3623359" cy="2708892"/>
+          </a:xfrm>
+          <a:prstGeom prst="rect">
+            <a:avLst/>
+          </a:prstGeom>
+        </p:spPr>
+      </p:pic>
+    </p:spTree>
+    <p:extLst>
+      <p:ext uri="{BB962C8B-B14F-4D97-AF65-F5344CB8AC3E}">
+        <p14:creationId xmlns:p14="http://schemas.microsoft.com/office/powerpoint/2010/main" val="2403032361"/>
+      </p:ext>
+    </p:extLst>
+  </p:cSld>
+  <p:clrMapOvr>
+    <a:masterClrMapping/>
+  </p:clrMapOvr>
+  <p:timing>
+    <p:tnLst>
+      <p:par>
+        <p:cTn xmlns:p14="http://schemas.microsoft.com/office/powerpoint/2010/main" id="1" dur="indefinite" restart="never" nodeType="tmRoot"/>
+      </p:par>
+    </p:tnLst>
+  </p:timing>
+</p:sld>
+</file>
+
+<file path=ppt/slides/slide11.xml><?xml version="1.0" encoding="utf-8"?>
+<p:sld xmlns:a="http://schemas.openxmlformats.org/drawingml/2006/main" xmlns:r="http://schemas.openxmlformats.org/officeDocument/2006/relationships" xmlns:p="http://schemas.openxmlformats.org/presentationml/2006/main">
+  <p:cSld>
+    <p:spTree>
+      <p:nvGrpSpPr>
+        <p:cNvPr id="1" name=""/>
+        <p:cNvGrpSpPr/>
+        <p:nvPr/>
+      </p:nvGrpSpPr>
+      <p:grpSpPr>
+        <a:xfrm>
+          <a:off x="0" y="0"/>
+          <a:ext cx="0" cy="0"/>
+          <a:chOff x="0" y="0"/>
+          <a:chExt cx="0" cy="0"/>
+        </a:xfrm>
+      </p:grpSpPr>
+      <p:sp>
+        <p:nvSpPr>
+          <p:cNvPr id="2" name="Title 1"/>
+          <p:cNvSpPr>
+            <a:spLocks noGrp="1"/>
+          </p:cNvSpPr>
+          <p:nvPr>
+            <p:ph type="title"/>
+          </p:nvPr>
+        </p:nvSpPr>
+        <p:spPr/>
+        <p:txBody>
+          <a:bodyPr/>
+          <a:lstStyle/>
+          <a:p>
+            <a:r>
+              <a:rPr lang="en-US" dirty="0" smtClean="0"/>
+              <a:t>Problems with Analytical Solution:</a:t>
+            </a:r>
+            <a:endParaRPr lang="en-US" dirty="0"/>
+          </a:p>
+        </p:txBody>
+      </p:sp>
+      <p:pic>
+        <p:nvPicPr>
           <p:cNvPr id="7" name="Picture 6"/>
           <p:cNvPicPr>
             <a:picLocks noChangeAspect="1"/>
@@ -6007,10 +6214,17 @@
   <p:clrMapOvr>
     <a:masterClrMapping/>
   </p:clrMapOvr>
+  <p:timing>
+    <p:tnLst>
+      <p:par>
+        <p:cTn xmlns:p14="http://schemas.microsoft.com/office/powerpoint/2010/main" id="1" dur="indefinite" restart="never" nodeType="tmRoot"/>
+      </p:par>
+    </p:tnLst>
+  </p:timing>
 </p:sld>
 </file>
 
-<file path=ppt/slides/slide11.xml><?xml version="1.0" encoding="utf-8"?>
+<file path=ppt/slides/slide12.xml><?xml version="1.0" encoding="utf-8"?>
 <p:sld xmlns:a="http://schemas.openxmlformats.org/drawingml/2006/main" xmlns:r="http://schemas.openxmlformats.org/officeDocument/2006/relationships" xmlns:p="http://schemas.openxmlformats.org/presentationml/2006/main">
   <p:cSld>
     <p:spTree>
@@ -6083,7 +6297,7 @@
           </a:prstGeom>
           <a:noFill/>
           <a:extLst>
-            <a:ext uri="{909E8E84-426E-40DD-AFC4-6F175D3DCCD1}">
+            <a:ext uri="{909E8E84-426E-40dd-AFC4-6F175D3DCCD1}">
               <a14:hiddenFill xmlns:a14="http://schemas.microsoft.com/office/drawing/2010/main">
                 <a:solidFill>
                   <a:srgbClr val="FFFFFF"/>
@@ -6103,10 +6317,17 @@
   <p:clrMapOvr>
     <a:masterClrMapping/>
   </p:clrMapOvr>
+  <p:timing>
+    <p:tnLst>
+      <p:par>
+        <p:cTn xmlns:p14="http://schemas.microsoft.com/office/powerpoint/2010/main" id="1" dur="indefinite" restart="never" nodeType="tmRoot"/>
+      </p:par>
+    </p:tnLst>
+  </p:timing>
 </p:sld>
 </file>
 
-<file path=ppt/slides/slide12.xml><?xml version="1.0" encoding="utf-8"?>
+<file path=ppt/slides/slide13.xml><?xml version="1.0" encoding="utf-8"?>
 <p:sld xmlns:a="http://schemas.openxmlformats.org/drawingml/2006/main" xmlns:r="http://schemas.openxmlformats.org/officeDocument/2006/relationships" xmlns:p="http://schemas.openxmlformats.org/presentationml/2006/main">
   <p:cSld>
     <p:spTree>
@@ -6229,10 +6450,17 @@
   <p:clrMapOvr>
     <a:masterClrMapping/>
   </p:clrMapOvr>
+  <p:timing>
+    <p:tnLst>
+      <p:par>
+        <p:cTn xmlns:p14="http://schemas.microsoft.com/office/powerpoint/2010/main" id="1" dur="indefinite" restart="never" nodeType="tmRoot"/>
+      </p:par>
+    </p:tnLst>
+  </p:timing>
 </p:sld>
 </file>
 
-<file path=ppt/slides/slide13.xml><?xml version="1.0" encoding="utf-8"?>
+<file path=ppt/slides/slide14.xml><?xml version="1.0" encoding="utf-8"?>
 <p:sld xmlns:a="http://schemas.openxmlformats.org/drawingml/2006/main" xmlns:r="http://schemas.openxmlformats.org/officeDocument/2006/relationships" xmlns:p="http://schemas.openxmlformats.org/presentationml/2006/main">
   <p:cSld>
     <p:spTree>
@@ -6430,10 +6658,325 @@
   <p:clrMapOvr>
     <a:masterClrMapping/>
   </p:clrMapOvr>
+  <p:timing>
+    <p:tnLst>
+      <p:par>
+        <p:cTn xmlns:p14="http://schemas.microsoft.com/office/powerpoint/2010/main" id="1" dur="indefinite" restart="never" nodeType="tmRoot"/>
+      </p:par>
+    </p:tnLst>
+  </p:timing>
 </p:sld>
 </file>
 
-<file path=ppt/slides/slide14.xml><?xml version="1.0" encoding="utf-8"?>
+<file path=ppt/slides/slide15.xml><?xml version="1.0" encoding="utf-8"?>
+<p:sld xmlns:a="http://schemas.openxmlformats.org/drawingml/2006/main" xmlns:r="http://schemas.openxmlformats.org/officeDocument/2006/relationships" xmlns:p="http://schemas.openxmlformats.org/presentationml/2006/main">
+  <p:cSld>
+    <p:spTree>
+      <p:nvGrpSpPr>
+        <p:cNvPr id="1" name=""/>
+        <p:cNvGrpSpPr/>
+        <p:nvPr/>
+      </p:nvGrpSpPr>
+      <p:grpSpPr>
+        <a:xfrm>
+          <a:off x="0" y="0"/>
+          <a:ext cx="0" cy="0"/>
+          <a:chOff x="0" y="0"/>
+          <a:chExt cx="0" cy="0"/>
+        </a:xfrm>
+      </p:grpSpPr>
+      <p:sp>
+        <p:nvSpPr>
+          <p:cNvPr id="2" name="Title 1"/>
+          <p:cNvSpPr>
+            <a:spLocks noGrp="1"/>
+          </p:cNvSpPr>
+          <p:nvPr>
+            <p:ph type="title"/>
+          </p:nvPr>
+        </p:nvSpPr>
+        <p:spPr/>
+        <p:txBody>
+          <a:bodyPr/>
+          <a:lstStyle/>
+          <a:p>
+            <a:r>
+              <a:rPr lang="en-US" dirty="0" smtClean="0"/>
+              <a:t>Mesh Deformations</a:t>
+            </a:r>
+            <a:endParaRPr lang="en-US" dirty="0"/>
+          </a:p>
+        </p:txBody>
+      </p:sp>
+      <p:pic>
+        <p:nvPicPr>
+          <p:cNvPr id="5" name="Picture 4" descr="Hourglassing.png"/>
+          <p:cNvPicPr>
+            <a:picLocks noChangeAspect="1"/>
+          </p:cNvPicPr>
+          <p:nvPr/>
+        </p:nvPicPr>
+        <p:blipFill>
+          <a:blip r:embed="rId2">
+            <a:extLst>
+              <a:ext uri="{28A0092B-C50C-407E-A947-70E740481C1C}">
+                <a14:useLocalDpi xmlns:a14="http://schemas.microsoft.com/office/drawing/2010/main" val="0"/>
+              </a:ext>
+            </a:extLst>
+          </a:blip>
+          <a:stretch>
+            <a:fillRect/>
+          </a:stretch>
+        </p:blipFill>
+        <p:spPr>
+          <a:xfrm>
+            <a:off x="161744" y="1434492"/>
+            <a:ext cx="8982256" cy="1476065"/>
+          </a:xfrm>
+          <a:prstGeom prst="rect">
+            <a:avLst/>
+          </a:prstGeom>
+        </p:spPr>
+      </p:pic>
+      <p:pic>
+        <p:nvPicPr>
+          <p:cNvPr id="6" name="Picture 5" descr="Hourglassing2.png"/>
+          <p:cNvPicPr>
+            <a:picLocks noChangeAspect="1"/>
+          </p:cNvPicPr>
+          <p:nvPr/>
+        </p:nvPicPr>
+        <p:blipFill>
+          <a:blip r:embed="rId3">
+            <a:extLst>
+              <a:ext uri="{28A0092B-C50C-407E-A947-70E740481C1C}">
+                <a14:useLocalDpi xmlns:a14="http://schemas.microsoft.com/office/drawing/2010/main" val="0"/>
+              </a:ext>
+            </a:extLst>
+          </a:blip>
+          <a:stretch>
+            <a:fillRect/>
+          </a:stretch>
+        </p:blipFill>
+        <p:spPr>
+          <a:xfrm>
+            <a:off x="158984" y="2889773"/>
+            <a:ext cx="8985016" cy="1455481"/>
+          </a:xfrm>
+          <a:prstGeom prst="rect">
+            <a:avLst/>
+          </a:prstGeom>
+        </p:spPr>
+      </p:pic>
+      <p:pic>
+        <p:nvPicPr>
+          <p:cNvPr id="7" name="Picture 6" descr="Hourglassing_Fixed.png"/>
+          <p:cNvPicPr>
+            <a:picLocks noChangeAspect="1"/>
+          </p:cNvPicPr>
+          <p:nvPr/>
+        </p:nvPicPr>
+        <p:blipFill>
+          <a:blip r:embed="rId4">
+            <a:extLst>
+              <a:ext uri="{28A0092B-C50C-407E-A947-70E740481C1C}">
+                <a14:useLocalDpi xmlns:a14="http://schemas.microsoft.com/office/drawing/2010/main" val="0"/>
+              </a:ext>
+            </a:extLst>
+          </a:blip>
+          <a:stretch>
+            <a:fillRect/>
+          </a:stretch>
+        </p:blipFill>
+        <p:spPr>
+          <a:xfrm>
+            <a:off x="136063" y="4241861"/>
+            <a:ext cx="9007937" cy="1673230"/>
+          </a:xfrm>
+          <a:prstGeom prst="rect">
+            <a:avLst/>
+          </a:prstGeom>
+        </p:spPr>
+      </p:pic>
+    </p:spTree>
+    <p:extLst>
+      <p:ext uri="{BB962C8B-B14F-4D97-AF65-F5344CB8AC3E}">
+        <p14:creationId xmlns:p14="http://schemas.microsoft.com/office/powerpoint/2010/main" val="183786219"/>
+      </p:ext>
+    </p:extLst>
+  </p:cSld>
+  <p:clrMapOvr>
+    <a:masterClrMapping/>
+  </p:clrMapOvr>
+  <p:timing>
+    <p:tnLst>
+      <p:par>
+        <p:cTn xmlns:p14="http://schemas.microsoft.com/office/powerpoint/2010/main" id="1" dur="indefinite" restart="never" nodeType="tmRoot">
+          <p:childTnLst>
+            <p:seq concurrent="1" nextAc="seek">
+              <p:cTn id="2" dur="indefinite" nodeType="mainSeq">
+                <p:childTnLst>
+                  <p:par>
+                    <p:cTn id="3" fill="hold">
+                      <p:stCondLst>
+                        <p:cond delay="indefinite"/>
+                      </p:stCondLst>
+                      <p:childTnLst>
+                        <p:par>
+                          <p:cTn id="4" fill="hold">
+                            <p:stCondLst>
+                              <p:cond delay="0"/>
+                            </p:stCondLst>
+                            <p:childTnLst>
+                              <p:par>
+                                <p:cTn id="5" presetID="1" presetClass="entr" presetSubtype="0" fill="hold" nodeType="clickEffect">
+                                  <p:stCondLst>
+                                    <p:cond delay="0"/>
+                                  </p:stCondLst>
+                                  <p:childTnLst>
+                                    <p:set>
+                                      <p:cBhvr>
+                                        <p:cTn id="6" dur="1" fill="hold">
+                                          <p:stCondLst>
+                                            <p:cond delay="0"/>
+                                          </p:stCondLst>
+                                        </p:cTn>
+                                        <p:tgtEl>
+                                          <p:spTgt spid="5"/>
+                                        </p:tgtEl>
+                                        <p:attrNameLst>
+                                          <p:attrName>style.visibility</p:attrName>
+                                        </p:attrNameLst>
+                                      </p:cBhvr>
+                                      <p:to>
+                                        <p:strVal val="visible"/>
+                                      </p:to>
+                                    </p:set>
+                                  </p:childTnLst>
+                                </p:cTn>
+                              </p:par>
+                            </p:childTnLst>
+                          </p:cTn>
+                        </p:par>
+                      </p:childTnLst>
+                    </p:cTn>
+                  </p:par>
+                  <p:par>
+                    <p:cTn id="7" fill="hold">
+                      <p:stCondLst>
+                        <p:cond delay="indefinite"/>
+                      </p:stCondLst>
+                      <p:childTnLst>
+                        <p:par>
+                          <p:cTn id="8" fill="hold">
+                            <p:stCondLst>
+                              <p:cond delay="0"/>
+                            </p:stCondLst>
+                            <p:childTnLst>
+                              <p:par>
+                                <p:cTn id="9" presetID="1" presetClass="entr" presetSubtype="0" fill="hold" nodeType="clickEffect">
+                                  <p:stCondLst>
+                                    <p:cond delay="0"/>
+                                  </p:stCondLst>
+                                  <p:childTnLst>
+                                    <p:set>
+                                      <p:cBhvr>
+                                        <p:cTn id="10" dur="1" fill="hold">
+                                          <p:stCondLst>
+                                            <p:cond delay="0"/>
+                                          </p:stCondLst>
+                                        </p:cTn>
+                                        <p:tgtEl>
+                                          <p:spTgt spid="6"/>
+                                        </p:tgtEl>
+                                        <p:attrNameLst>
+                                          <p:attrName>style.visibility</p:attrName>
+                                        </p:attrNameLst>
+                                      </p:cBhvr>
+                                      <p:to>
+                                        <p:strVal val="visible"/>
+                                      </p:to>
+                                    </p:set>
+                                  </p:childTnLst>
+                                </p:cTn>
+                              </p:par>
+                            </p:childTnLst>
+                          </p:cTn>
+                        </p:par>
+                      </p:childTnLst>
+                    </p:cTn>
+                  </p:par>
+                  <p:par>
+                    <p:cTn id="11" fill="hold">
+                      <p:stCondLst>
+                        <p:cond delay="indefinite"/>
+                      </p:stCondLst>
+                      <p:childTnLst>
+                        <p:par>
+                          <p:cTn id="12" fill="hold">
+                            <p:stCondLst>
+                              <p:cond delay="0"/>
+                            </p:stCondLst>
+                            <p:childTnLst>
+                              <p:par>
+                                <p:cTn id="13" presetID="1" presetClass="entr" presetSubtype="0" fill="hold" nodeType="clickEffect">
+                                  <p:stCondLst>
+                                    <p:cond delay="0"/>
+                                  </p:stCondLst>
+                                  <p:childTnLst>
+                                    <p:set>
+                                      <p:cBhvr>
+                                        <p:cTn id="14" dur="1" fill="hold">
+                                          <p:stCondLst>
+                                            <p:cond delay="0"/>
+                                          </p:stCondLst>
+                                        </p:cTn>
+                                        <p:tgtEl>
+                                          <p:spTgt spid="7"/>
+                                        </p:tgtEl>
+                                        <p:attrNameLst>
+                                          <p:attrName>style.visibility</p:attrName>
+                                        </p:attrNameLst>
+                                      </p:cBhvr>
+                                      <p:to>
+                                        <p:strVal val="visible"/>
+                                      </p:to>
+                                    </p:set>
+                                  </p:childTnLst>
+                                </p:cTn>
+                              </p:par>
+                            </p:childTnLst>
+                          </p:cTn>
+                        </p:par>
+                      </p:childTnLst>
+                    </p:cTn>
+                  </p:par>
+                </p:childTnLst>
+              </p:cTn>
+              <p:prevCondLst>
+                <p:cond evt="onPrev" delay="0">
+                  <p:tgtEl>
+                    <p:sldTgt/>
+                  </p:tgtEl>
+                </p:cond>
+              </p:prevCondLst>
+              <p:nextCondLst>
+                <p:cond evt="onNext" delay="0">
+                  <p:tgtEl>
+                    <p:sldTgt/>
+                  </p:tgtEl>
+                </p:cond>
+              </p:nextCondLst>
+            </p:seq>
+          </p:childTnLst>
+        </p:cTn>
+      </p:par>
+    </p:tnLst>
+  </p:timing>
+</p:sld>
+</file>
+
+<file path=ppt/slides/slide16.xml><?xml version="1.0" encoding="utf-8"?>
 <p:sld xmlns:a="http://schemas.openxmlformats.org/drawingml/2006/main" xmlns:r="http://schemas.openxmlformats.org/officeDocument/2006/relationships" xmlns:p="http://schemas.openxmlformats.org/presentationml/2006/main">
   <p:cSld>
     <p:spTree>
@@ -6631,10 +7174,17 @@
   <p:clrMapOvr>
     <a:masterClrMapping/>
   </p:clrMapOvr>
+  <p:timing>
+    <p:tnLst>
+      <p:par>
+        <p:cTn xmlns:p14="http://schemas.microsoft.com/office/powerpoint/2010/main" id="1" dur="indefinite" restart="never" nodeType="tmRoot"/>
+      </p:par>
+    </p:tnLst>
+  </p:timing>
 </p:sld>
 </file>
 
-<file path=ppt/slides/slide15.xml><?xml version="1.0" encoding="utf-8"?>
+<file path=ppt/slides/slide17.xml><?xml version="1.0" encoding="utf-8"?>
 <p:sld xmlns:a="http://schemas.openxmlformats.org/drawingml/2006/main" xmlns:r="http://schemas.openxmlformats.org/officeDocument/2006/relationships" xmlns:p="http://schemas.openxmlformats.org/presentationml/2006/main">
   <p:cSld>
     <p:spTree>
@@ -6864,6 +7414,13 @@
   <p:clrMapOvr>
     <a:masterClrMapping/>
   </p:clrMapOvr>
+  <p:timing>
+    <p:tnLst>
+      <p:par>
+        <p:cTn xmlns:p14="http://schemas.microsoft.com/office/powerpoint/2010/main" id="1" dur="indefinite" restart="never" nodeType="tmRoot"/>
+      </p:par>
+    </p:tnLst>
+  </p:timing>
 </p:sld>
 </file>
 
@@ -6924,24 +7481,15 @@
           <a:p>
             <a:r>
               <a:rPr lang="en-US" smtClean="0"/>
-              <a:t>Analytical </a:t>
-            </a:r>
-            <a:r>
-              <a:rPr lang="en-US" smtClean="0"/>
-              <a:t>Formulation</a:t>
+              <a:t>Analytical Formulation</a:t>
             </a:r>
             <a:endParaRPr lang="en-US" dirty="0" smtClean="0"/>
           </a:p>
           <a:p>
             <a:r>
               <a:rPr lang="en-US" dirty="0" smtClean="0"/>
-              <a:t>Computational </a:t>
-            </a:r>
-            <a:r>
-              <a:rPr lang="en-US" dirty="0" smtClean="0"/>
-              <a:t>Implementation</a:t>
-            </a:r>
-            <a:endParaRPr lang="en-US" dirty="0" smtClean="0"/>
+              <a:t>Computational Implementation</a:t>
+            </a:r>
           </a:p>
           <a:p>
             <a:r>
@@ -6960,25 +7508,15 @@
             <a:pPr lvl="1"/>
             <a:r>
               <a:rPr lang="en-US" dirty="0" smtClean="0"/>
-              <a:t>FEM </a:t>
-            </a:r>
+              <a:t>FEM Solutions </a:t>
+            </a:r>
+          </a:p>
+          <a:p>
+            <a:pPr lvl="1"/>
             <a:r>
               <a:rPr lang="en-US" dirty="0" smtClean="0"/>
-              <a:t>Solutions </a:t>
-            </a:r>
-            <a:endParaRPr lang="en-US" dirty="0" smtClean="0"/>
-          </a:p>
-          <a:p>
-            <a:pPr lvl="1"/>
-            <a:r>
-              <a:rPr lang="en-US" dirty="0" smtClean="0"/>
-              <a:t>Error </a:t>
-            </a:r>
-            <a:r>
-              <a:rPr lang="en-US" dirty="0" smtClean="0"/>
-              <a:t>Analysis</a:t>
-            </a:r>
-            <a:endParaRPr lang="en-US" dirty="0" smtClean="0"/>
+              <a:t>Error Analysis</a:t>
+            </a:r>
           </a:p>
           <a:p>
             <a:pPr lvl="1"/>
@@ -7422,6 +7960,13 @@
   <p:clrMapOvr>
     <a:masterClrMapping/>
   </p:clrMapOvr>
+  <p:timing>
+    <p:tnLst>
+      <p:par>
+        <p:cTn xmlns:p14="http://schemas.microsoft.com/office/powerpoint/2010/main" id="1" dur="indefinite" restart="never" nodeType="tmRoot"/>
+      </p:par>
+    </p:tnLst>
+  </p:timing>
 </p:sld>
 </file>
 
@@ -7510,6 +8055,13 @@
   <p:clrMapOvr>
     <a:masterClrMapping/>
   </p:clrMapOvr>
+  <p:timing>
+    <p:tnLst>
+      <p:par>
+        <p:cTn xmlns:p14="http://schemas.microsoft.com/office/powerpoint/2010/main" id="1" dur="indefinite" restart="never" nodeType="tmRoot"/>
+      </p:par>
+    </p:tnLst>
+  </p:timing>
 </p:sld>
 </file>
 
@@ -7701,6 +8253,13 @@
   <p:clrMapOvr>
     <a:masterClrMapping/>
   </p:clrMapOvr>
+  <p:timing>
+    <p:tnLst>
+      <p:par>
+        <p:cTn xmlns:p14="http://schemas.microsoft.com/office/powerpoint/2010/main" id="1" dur="indefinite" restart="never" nodeType="tmRoot"/>
+      </p:par>
+    </p:tnLst>
+  </p:timing>
 </p:sld>
 </file>
 
@@ -7779,6 +8338,13 @@
   <p:clrMapOvr>
     <a:masterClrMapping/>
   </p:clrMapOvr>
+  <p:timing>
+    <p:tnLst>
+      <p:par>
+        <p:cTn xmlns:p14="http://schemas.microsoft.com/office/powerpoint/2010/main" id="1" dur="indefinite" restart="never" nodeType="tmRoot"/>
+      </p:par>
+    </p:tnLst>
+  </p:timing>
 </p:sld>
 </file>
 
@@ -7816,118 +8382,1041 @@
           <a:p>
             <a:r>
               <a:rPr lang="en-US" dirty="0" smtClean="0"/>
-              <a:t>Problems with Analytical Solution:</a:t>
+              <a:t>Verification Testing Process</a:t>
             </a:r>
             <a:endParaRPr lang="en-US" dirty="0"/>
           </a:p>
         </p:txBody>
       </p:sp>
-      <p:pic>
-        <p:nvPicPr>
-          <p:cNvPr id="5" name="Picture 4"/>
-          <p:cNvPicPr>
-            <a:picLocks noChangeAspect="1"/>
-          </p:cNvPicPr>
+      <p:sp>
+        <p:nvSpPr>
+          <p:cNvPr id="4" name="Process 3"/>
+          <p:cNvSpPr/>
           <p:nvPr/>
-        </p:nvPicPr>
-        <p:blipFill>
-          <a:blip r:embed="rId2"/>
-          <a:stretch>
-            <a:fillRect/>
-          </a:stretch>
-        </p:blipFill>
+        </p:nvSpPr>
         <p:spPr>
           <a:xfrm>
-            <a:off x="1003301" y="1539724"/>
-            <a:ext cx="3568700" cy="2608549"/>
-          </a:xfrm>
-          <a:prstGeom prst="rect">
+            <a:off x="330706" y="1680185"/>
+            <a:ext cx="1481560" cy="1640495"/>
+          </a:xfrm>
+          <a:prstGeom prst="flowChartProcess">
             <a:avLst/>
           </a:prstGeom>
         </p:spPr>
-      </p:pic>
-      <p:pic>
-        <p:nvPicPr>
-          <p:cNvPr id="7" name="Picture 6"/>
-          <p:cNvPicPr>
-            <a:picLocks noChangeAspect="1"/>
-          </p:cNvPicPr>
+        <p:style>
+          <a:lnRef idx="1">
+            <a:schemeClr val="accent1"/>
+          </a:lnRef>
+          <a:fillRef idx="3">
+            <a:schemeClr val="accent1"/>
+          </a:fillRef>
+          <a:effectRef idx="2">
+            <a:schemeClr val="accent1"/>
+          </a:effectRef>
+          <a:fontRef idx="minor">
+            <a:schemeClr val="lt1"/>
+          </a:fontRef>
+        </p:style>
+        <p:txBody>
+          <a:bodyPr rtlCol="0" anchor="ctr"/>
+          <a:lstStyle/>
+          <a:p>
+            <a:pPr algn="ctr"/>
+            <a:r>
+              <a:rPr lang="en-US" dirty="0" smtClean="0"/>
+              <a:t>Find Specific Value From a Given Stress Displacement Problem </a:t>
+            </a:r>
+            <a:endParaRPr lang="en-US" dirty="0"/>
+          </a:p>
+        </p:txBody>
+      </p:sp>
+      <p:sp>
+        <p:nvSpPr>
+          <p:cNvPr id="6" name="Decision 5"/>
+          <p:cNvSpPr/>
           <p:nvPr/>
-        </p:nvPicPr>
-        <p:blipFill>
-          <a:blip r:embed="rId3"/>
-          <a:stretch>
-            <a:fillRect/>
-          </a:stretch>
-        </p:blipFill>
+        </p:nvSpPr>
         <p:spPr>
           <a:xfrm>
-            <a:off x="1003301" y="4166023"/>
-            <a:ext cx="3568698" cy="2576922"/>
-          </a:xfrm>
-          <a:prstGeom prst="rect">
+            <a:off x="2367849" y="1666953"/>
+            <a:ext cx="2037146" cy="555651"/>
+          </a:xfrm>
+          <a:prstGeom prst="flowChartDecision">
             <a:avLst/>
           </a:prstGeom>
         </p:spPr>
-      </p:pic>
-      <p:pic>
-        <p:nvPicPr>
-          <p:cNvPr id="10" name="Picture 9"/>
-          <p:cNvPicPr>
-            <a:picLocks noChangeAspect="1"/>
-          </p:cNvPicPr>
+        <p:style>
+          <a:lnRef idx="1">
+            <a:schemeClr val="accent1"/>
+          </a:lnRef>
+          <a:fillRef idx="3">
+            <a:schemeClr val="accent1"/>
+          </a:fillRef>
+          <a:effectRef idx="2">
+            <a:schemeClr val="accent1"/>
+          </a:effectRef>
+          <a:fontRef idx="minor">
+            <a:schemeClr val="lt1"/>
+          </a:fontRef>
+        </p:style>
+        <p:txBody>
+          <a:bodyPr rtlCol="0" anchor="ctr"/>
+          <a:lstStyle/>
+          <a:p>
+            <a:pPr algn="ctr"/>
+            <a:r>
+              <a:rPr lang="en-US" dirty="0" smtClean="0"/>
+              <a:t>Method</a:t>
+            </a:r>
+            <a:endParaRPr lang="en-US" dirty="0"/>
+          </a:p>
+        </p:txBody>
+      </p:sp>
+      <p:cxnSp>
+        <p:nvCxnSpPr>
+          <p:cNvPr id="8" name="Straight Arrow Connector 7"/>
+          <p:cNvCxnSpPr>
+            <a:stCxn id="4" idx="3"/>
+            <a:endCxn id="6" idx="1"/>
+          </p:cNvCxnSpPr>
           <p:nvPr/>
-        </p:nvPicPr>
-        <p:blipFill>
-          <a:blip r:embed="rId4"/>
-          <a:stretch>
-            <a:fillRect/>
-          </a:stretch>
-        </p:blipFill>
+        </p:nvCxnSpPr>
+        <p:spPr>
+          <a:xfrm flipV="1">
+            <a:off x="1812266" y="1944779"/>
+            <a:ext cx="555583" cy="555654"/>
+          </a:xfrm>
+          <a:prstGeom prst="straightConnector1">
+            <a:avLst/>
+          </a:prstGeom>
+          <a:ln>
+            <a:tailEnd type="arrow"/>
+          </a:ln>
+        </p:spPr>
+        <p:style>
+          <a:lnRef idx="2">
+            <a:schemeClr val="accent1"/>
+          </a:lnRef>
+          <a:fillRef idx="0">
+            <a:schemeClr val="accent1"/>
+          </a:fillRef>
+          <a:effectRef idx="1">
+            <a:schemeClr val="accent1"/>
+          </a:effectRef>
+          <a:fontRef idx="minor">
+            <a:schemeClr val="tx1"/>
+          </a:fontRef>
+        </p:style>
+      </p:cxnSp>
+      <p:sp>
+        <p:nvSpPr>
+          <p:cNvPr id="16" name="Alternate Process 15"/>
+          <p:cNvSpPr/>
+          <p:nvPr/>
+        </p:nvSpPr>
         <p:spPr>
           <a:xfrm>
-            <a:off x="4572000" y="1535537"/>
-            <a:ext cx="3803650" cy="2814521"/>
-          </a:xfrm>
-          <a:prstGeom prst="rect">
+            <a:off x="3082170" y="2659191"/>
+            <a:ext cx="1084713" cy="612648"/>
+          </a:xfrm>
+          <a:prstGeom prst="flowChartAlternateProcess">
             <a:avLst/>
           </a:prstGeom>
         </p:spPr>
-      </p:pic>
-      <p:pic>
-        <p:nvPicPr>
-          <p:cNvPr id="12" name="Picture 11"/>
-          <p:cNvPicPr>
-            <a:picLocks noChangeAspect="1"/>
-          </p:cNvPicPr>
+        <p:style>
+          <a:lnRef idx="1">
+            <a:schemeClr val="accent1"/>
+          </a:lnRef>
+          <a:fillRef idx="3">
+            <a:schemeClr val="accent1"/>
+          </a:fillRef>
+          <a:effectRef idx="2">
+            <a:schemeClr val="accent1"/>
+          </a:effectRef>
+          <a:fontRef idx="minor">
+            <a:schemeClr val="lt1"/>
+          </a:fontRef>
+        </p:style>
+        <p:txBody>
+          <a:bodyPr rtlCol="0" anchor="ctr"/>
+          <a:lstStyle/>
+          <a:p>
+            <a:pPr algn="ctr"/>
+            <a:r>
+              <a:rPr lang="en-US" dirty="0" smtClean="0"/>
+              <a:t>Analytic Solution</a:t>
+            </a:r>
+          </a:p>
+        </p:txBody>
+      </p:sp>
+      <p:sp>
+        <p:nvSpPr>
+          <p:cNvPr id="17" name="Alternate Process 16"/>
+          <p:cNvSpPr/>
           <p:nvPr/>
-        </p:nvPicPr>
-        <p:blipFill>
-          <a:blip r:embed="rId5"/>
-          <a:stretch>
-            <a:fillRect/>
-          </a:stretch>
-        </p:blipFill>
+        </p:nvSpPr>
         <p:spPr>
           <a:xfrm>
-            <a:off x="4660899" y="4093522"/>
-            <a:ext cx="3623359" cy="2708892"/>
-          </a:xfrm>
-          <a:prstGeom prst="rect">
+            <a:off x="5357424" y="1799253"/>
+            <a:ext cx="1084713" cy="833479"/>
+          </a:xfrm>
+          <a:prstGeom prst="flowChartAlternateProcess">
             <a:avLst/>
           </a:prstGeom>
         </p:spPr>
-      </p:pic>
+        <p:style>
+          <a:lnRef idx="1">
+            <a:schemeClr val="accent1"/>
+          </a:lnRef>
+          <a:fillRef idx="3">
+            <a:schemeClr val="accent1"/>
+          </a:fillRef>
+          <a:effectRef idx="2">
+            <a:schemeClr val="accent1"/>
+          </a:effectRef>
+          <a:fontRef idx="minor">
+            <a:schemeClr val="lt1"/>
+          </a:fontRef>
+        </p:style>
+        <p:txBody>
+          <a:bodyPr rtlCol="0" anchor="ctr"/>
+          <a:lstStyle/>
+          <a:p>
+            <a:pPr algn="ctr"/>
+            <a:r>
+              <a:rPr lang="en-US" dirty="0" smtClean="0"/>
+              <a:t>Finite Element Solution</a:t>
+            </a:r>
+          </a:p>
+        </p:txBody>
+      </p:sp>
+      <p:cxnSp>
+        <p:nvCxnSpPr>
+          <p:cNvPr id="19" name="Elbow Connector 18"/>
+          <p:cNvCxnSpPr>
+            <a:stCxn id="6" idx="2"/>
+            <a:endCxn id="16" idx="1"/>
+          </p:cNvCxnSpPr>
+          <p:nvPr/>
+        </p:nvCxnSpPr>
+        <p:spPr>
+          <a:xfrm rot="5400000">
+            <a:off x="2862841" y="2441933"/>
+            <a:ext cx="742911" cy="304252"/>
+          </a:xfrm>
+          <a:prstGeom prst="bentConnector4">
+            <a:avLst>
+              <a:gd name="adj1" fmla="val 29383"/>
+              <a:gd name="adj2" fmla="val 175135"/>
+            </a:avLst>
+          </a:prstGeom>
+          <a:ln>
+            <a:tailEnd type="arrow"/>
+          </a:ln>
+        </p:spPr>
+        <p:style>
+          <a:lnRef idx="2">
+            <a:schemeClr val="accent1"/>
+          </a:lnRef>
+          <a:fillRef idx="0">
+            <a:schemeClr val="accent1"/>
+          </a:fillRef>
+          <a:effectRef idx="1">
+            <a:schemeClr val="accent1"/>
+          </a:effectRef>
+          <a:fontRef idx="minor">
+            <a:schemeClr val="tx1"/>
+          </a:fontRef>
+        </p:style>
+      </p:cxnSp>
+      <p:cxnSp>
+        <p:nvCxnSpPr>
+          <p:cNvPr id="25" name="Elbow Connector 24"/>
+          <p:cNvCxnSpPr>
+            <a:stCxn id="6" idx="3"/>
+            <a:endCxn id="17" idx="1"/>
+          </p:cNvCxnSpPr>
+          <p:nvPr/>
+        </p:nvCxnSpPr>
+        <p:spPr>
+          <a:xfrm>
+            <a:off x="4404995" y="1944779"/>
+            <a:ext cx="952429" cy="271214"/>
+          </a:xfrm>
+          <a:prstGeom prst="bentConnector3">
+            <a:avLst>
+              <a:gd name="adj1" fmla="val 50000"/>
+            </a:avLst>
+          </a:prstGeom>
+          <a:ln>
+            <a:tailEnd type="arrow"/>
+          </a:ln>
+        </p:spPr>
+        <p:style>
+          <a:lnRef idx="2">
+            <a:schemeClr val="accent1"/>
+          </a:lnRef>
+          <a:fillRef idx="0">
+            <a:schemeClr val="accent1"/>
+          </a:fillRef>
+          <a:effectRef idx="1">
+            <a:schemeClr val="accent1"/>
+          </a:effectRef>
+          <a:fontRef idx="minor">
+            <a:schemeClr val="tx1"/>
+          </a:fontRef>
+        </p:style>
+      </p:cxnSp>
+      <p:sp>
+        <p:nvSpPr>
+          <p:cNvPr id="30" name="Extract 29"/>
+          <p:cNvSpPr/>
+          <p:nvPr/>
+        </p:nvSpPr>
+        <p:spPr>
+          <a:xfrm>
+            <a:off x="2566272" y="3532359"/>
+            <a:ext cx="2037143" cy="1375899"/>
+          </a:xfrm>
+          <a:prstGeom prst="flowChartExtract">
+            <a:avLst/>
+          </a:prstGeom>
+        </p:spPr>
+        <p:style>
+          <a:lnRef idx="1">
+            <a:schemeClr val="accent1"/>
+          </a:lnRef>
+          <a:fillRef idx="3">
+            <a:schemeClr val="accent1"/>
+          </a:fillRef>
+          <a:effectRef idx="2">
+            <a:schemeClr val="accent1"/>
+          </a:effectRef>
+          <a:fontRef idx="minor">
+            <a:schemeClr val="lt1"/>
+          </a:fontRef>
+        </p:style>
+        <p:txBody>
+          <a:bodyPr rtlCol="0" anchor="ctr"/>
+          <a:lstStyle/>
+          <a:p>
+            <a:pPr algn="ctr"/>
+            <a:r>
+              <a:rPr lang="en-US" dirty="0" smtClean="0"/>
+              <a:t>Analytic Answer</a:t>
+            </a:r>
+            <a:endParaRPr lang="en-US" dirty="0"/>
+          </a:p>
+        </p:txBody>
+      </p:sp>
+      <p:cxnSp>
+        <p:nvCxnSpPr>
+          <p:cNvPr id="32" name="Elbow Connector 31"/>
+          <p:cNvCxnSpPr>
+            <a:stCxn id="16" idx="2"/>
+            <a:endCxn id="30" idx="1"/>
+          </p:cNvCxnSpPr>
+          <p:nvPr/>
+        </p:nvCxnSpPr>
+        <p:spPr>
+          <a:xfrm rot="5400000">
+            <a:off x="2875808" y="3471590"/>
+            <a:ext cx="948470" cy="548969"/>
+          </a:xfrm>
+          <a:prstGeom prst="bentConnector4">
+            <a:avLst>
+              <a:gd name="adj1" fmla="val 13734"/>
+              <a:gd name="adj2" fmla="val 141642"/>
+            </a:avLst>
+          </a:prstGeom>
+          <a:ln>
+            <a:tailEnd type="arrow"/>
+          </a:ln>
+        </p:spPr>
+        <p:style>
+          <a:lnRef idx="2">
+            <a:schemeClr val="accent1"/>
+          </a:lnRef>
+          <a:fillRef idx="0">
+            <a:schemeClr val="accent1"/>
+          </a:fillRef>
+          <a:effectRef idx="1">
+            <a:schemeClr val="accent1"/>
+          </a:effectRef>
+          <a:fontRef idx="minor">
+            <a:schemeClr val="tx1"/>
+          </a:fontRef>
+        </p:style>
+      </p:cxnSp>
+      <p:sp>
+        <p:nvSpPr>
+          <p:cNvPr id="36" name="Extract 35"/>
+          <p:cNvSpPr/>
+          <p:nvPr/>
+        </p:nvSpPr>
+        <p:spPr>
+          <a:xfrm>
+            <a:off x="5039949" y="3082546"/>
+            <a:ext cx="2037143" cy="1375899"/>
+          </a:xfrm>
+          <a:prstGeom prst="flowChartExtract">
+            <a:avLst/>
+          </a:prstGeom>
+        </p:spPr>
+        <p:style>
+          <a:lnRef idx="1">
+            <a:schemeClr val="accent1"/>
+          </a:lnRef>
+          <a:fillRef idx="3">
+            <a:schemeClr val="accent1"/>
+          </a:fillRef>
+          <a:effectRef idx="2">
+            <a:schemeClr val="accent1"/>
+          </a:effectRef>
+          <a:fontRef idx="minor">
+            <a:schemeClr val="lt1"/>
+          </a:fontRef>
+        </p:style>
+        <p:txBody>
+          <a:bodyPr rtlCol="0" anchor="ctr"/>
+          <a:lstStyle/>
+          <a:p>
+            <a:pPr algn="ctr"/>
+            <a:r>
+              <a:rPr lang="en-US" dirty="0" smtClean="0"/>
+              <a:t>FEA Answer</a:t>
+            </a:r>
+            <a:endParaRPr lang="en-US" dirty="0"/>
+          </a:p>
+        </p:txBody>
+      </p:sp>
+      <p:cxnSp>
+        <p:nvCxnSpPr>
+          <p:cNvPr id="38" name="Elbow Connector 37"/>
+          <p:cNvCxnSpPr>
+            <a:stCxn id="17" idx="2"/>
+            <a:endCxn id="36" idx="1"/>
+          </p:cNvCxnSpPr>
+          <p:nvPr/>
+        </p:nvCxnSpPr>
+        <p:spPr>
+          <a:xfrm rot="5400000">
+            <a:off x="5155626" y="3026341"/>
+            <a:ext cx="1137764" cy="350546"/>
+          </a:xfrm>
+          <a:prstGeom prst="bentConnector4">
+            <a:avLst>
+              <a:gd name="adj1" fmla="val 19767"/>
+              <a:gd name="adj2" fmla="val 165213"/>
+            </a:avLst>
+          </a:prstGeom>
+          <a:ln>
+            <a:tailEnd type="arrow"/>
+          </a:ln>
+        </p:spPr>
+        <p:style>
+          <a:lnRef idx="2">
+            <a:schemeClr val="accent1"/>
+          </a:lnRef>
+          <a:fillRef idx="0">
+            <a:schemeClr val="accent1"/>
+          </a:fillRef>
+          <a:effectRef idx="1">
+            <a:schemeClr val="accent1"/>
+          </a:effectRef>
+          <a:fontRef idx="minor">
+            <a:schemeClr val="tx1"/>
+          </a:fontRef>
+        </p:style>
+      </p:cxnSp>
+      <p:sp>
+        <p:nvSpPr>
+          <p:cNvPr id="59" name="Data 58"/>
+          <p:cNvSpPr/>
+          <p:nvPr/>
+        </p:nvSpPr>
+        <p:spPr>
+          <a:xfrm>
+            <a:off x="3836180" y="5318381"/>
+            <a:ext cx="1693211" cy="612648"/>
+          </a:xfrm>
+          <a:prstGeom prst="flowChartInputOutput">
+            <a:avLst/>
+          </a:prstGeom>
+        </p:spPr>
+        <p:style>
+          <a:lnRef idx="1">
+            <a:schemeClr val="accent1"/>
+          </a:lnRef>
+          <a:fillRef idx="3">
+            <a:schemeClr val="accent1"/>
+          </a:fillRef>
+          <a:effectRef idx="2">
+            <a:schemeClr val="accent1"/>
+          </a:effectRef>
+          <a:fontRef idx="minor">
+            <a:schemeClr val="lt1"/>
+          </a:fontRef>
+        </p:style>
+        <p:txBody>
+          <a:bodyPr rtlCol="0" anchor="ctr"/>
+          <a:lstStyle/>
+          <a:p>
+            <a:pPr algn="ctr"/>
+            <a:r>
+              <a:rPr lang="en-US" dirty="0" smtClean="0"/>
+              <a:t>Obtain Error</a:t>
+            </a:r>
+            <a:endParaRPr lang="en-US" dirty="0"/>
+          </a:p>
+        </p:txBody>
+      </p:sp>
+      <p:cxnSp>
+        <p:nvCxnSpPr>
+          <p:cNvPr id="61" name="Straight Arrow Connector 60"/>
+          <p:cNvCxnSpPr>
+            <a:stCxn id="30" idx="2"/>
+            <a:endCxn id="59" idx="1"/>
+          </p:cNvCxnSpPr>
+          <p:nvPr/>
+        </p:nvCxnSpPr>
+        <p:spPr>
+          <a:xfrm>
+            <a:off x="3584844" y="4908258"/>
+            <a:ext cx="1097942" cy="410123"/>
+          </a:xfrm>
+          <a:prstGeom prst="straightConnector1">
+            <a:avLst/>
+          </a:prstGeom>
+          <a:ln>
+            <a:tailEnd type="arrow"/>
+          </a:ln>
+        </p:spPr>
+        <p:style>
+          <a:lnRef idx="2">
+            <a:schemeClr val="accent1"/>
+          </a:lnRef>
+          <a:fillRef idx="0">
+            <a:schemeClr val="accent1"/>
+          </a:fillRef>
+          <a:effectRef idx="1">
+            <a:schemeClr val="accent1"/>
+          </a:effectRef>
+          <a:fontRef idx="minor">
+            <a:schemeClr val="tx1"/>
+          </a:fontRef>
+        </p:style>
+      </p:cxnSp>
+      <p:cxnSp>
+        <p:nvCxnSpPr>
+          <p:cNvPr id="64" name="Straight Arrow Connector 63"/>
+          <p:cNvCxnSpPr>
+            <a:stCxn id="36" idx="2"/>
+            <a:endCxn id="59" idx="0"/>
+          </p:cNvCxnSpPr>
+          <p:nvPr/>
+        </p:nvCxnSpPr>
+        <p:spPr>
+          <a:xfrm flipH="1">
+            <a:off x="4852107" y="4458445"/>
+            <a:ext cx="1206414" cy="859936"/>
+          </a:xfrm>
+          <a:prstGeom prst="straightConnector1">
+            <a:avLst/>
+          </a:prstGeom>
+          <a:ln>
+            <a:tailEnd type="arrow"/>
+          </a:ln>
+        </p:spPr>
+        <p:style>
+          <a:lnRef idx="2">
+            <a:schemeClr val="accent1"/>
+          </a:lnRef>
+          <a:fillRef idx="0">
+            <a:schemeClr val="accent1"/>
+          </a:fillRef>
+          <a:effectRef idx="1">
+            <a:schemeClr val="accent1"/>
+          </a:effectRef>
+          <a:fontRef idx="minor">
+            <a:schemeClr val="tx1"/>
+          </a:fontRef>
+        </p:style>
+      </p:cxnSp>
+      <p:sp>
+        <p:nvSpPr>
+          <p:cNvPr id="70" name="Alternate Process 69"/>
+          <p:cNvSpPr/>
+          <p:nvPr/>
+        </p:nvSpPr>
+        <p:spPr>
+          <a:xfrm>
+            <a:off x="7884013" y="3175153"/>
+            <a:ext cx="914400" cy="612648"/>
+          </a:xfrm>
+          <a:prstGeom prst="flowChartAlternateProcess">
+            <a:avLst/>
+          </a:prstGeom>
+        </p:spPr>
+        <p:style>
+          <a:lnRef idx="1">
+            <a:schemeClr val="accent1"/>
+          </a:lnRef>
+          <a:fillRef idx="3">
+            <a:schemeClr val="accent1"/>
+          </a:fillRef>
+          <a:effectRef idx="2">
+            <a:schemeClr val="accent1"/>
+          </a:effectRef>
+          <a:fontRef idx="minor">
+            <a:schemeClr val="lt1"/>
+          </a:fontRef>
+        </p:style>
+        <p:txBody>
+          <a:bodyPr rtlCol="0" anchor="ctr"/>
+          <a:lstStyle/>
+          <a:p>
+            <a:pPr algn="ctr"/>
+            <a:r>
+              <a:rPr lang="en-US" dirty="0" smtClean="0"/>
+              <a:t>Refine Mesh</a:t>
+            </a:r>
+            <a:endParaRPr lang="en-US" dirty="0"/>
+          </a:p>
+        </p:txBody>
+      </p:sp>
+      <p:sp>
+        <p:nvSpPr>
+          <p:cNvPr id="71" name="Snip Diagonal Corner Rectangle 70"/>
+          <p:cNvSpPr/>
+          <p:nvPr/>
+        </p:nvSpPr>
+        <p:spPr>
+          <a:xfrm>
+            <a:off x="3889094" y="6115588"/>
+            <a:ext cx="1602267" cy="353786"/>
+          </a:xfrm>
+          <a:prstGeom prst="snip2DiagRect">
+            <a:avLst/>
+          </a:prstGeom>
+        </p:spPr>
+        <p:style>
+          <a:lnRef idx="1">
+            <a:schemeClr val="accent1"/>
+          </a:lnRef>
+          <a:fillRef idx="3">
+            <a:schemeClr val="accent1"/>
+          </a:fillRef>
+          <a:effectRef idx="2">
+            <a:schemeClr val="accent1"/>
+          </a:effectRef>
+          <a:fontRef idx="minor">
+            <a:schemeClr val="lt1"/>
+          </a:fontRef>
+        </p:style>
+        <p:txBody>
+          <a:bodyPr rtlCol="0" anchor="ctr"/>
+          <a:lstStyle/>
+          <a:p>
+            <a:pPr algn="ctr"/>
+            <a:r>
+              <a:rPr lang="en-US" dirty="0" smtClean="0"/>
+              <a:t>Appropriate?</a:t>
+            </a:r>
+            <a:endParaRPr lang="en-US" dirty="0"/>
+          </a:p>
+        </p:txBody>
+      </p:sp>
+      <p:cxnSp>
+        <p:nvCxnSpPr>
+          <p:cNvPr id="73" name="Straight Arrow Connector 72"/>
+          <p:cNvCxnSpPr>
+            <a:stCxn id="59" idx="4"/>
+            <a:endCxn id="71" idx="3"/>
+          </p:cNvCxnSpPr>
+          <p:nvPr/>
+        </p:nvCxnSpPr>
+        <p:spPr>
+          <a:xfrm>
+            <a:off x="4682786" y="5931029"/>
+            <a:ext cx="7442" cy="184559"/>
+          </a:xfrm>
+          <a:prstGeom prst="straightConnector1">
+            <a:avLst/>
+          </a:prstGeom>
+          <a:ln>
+            <a:tailEnd type="arrow"/>
+          </a:ln>
+        </p:spPr>
+        <p:style>
+          <a:lnRef idx="2">
+            <a:schemeClr val="accent1"/>
+          </a:lnRef>
+          <a:fillRef idx="0">
+            <a:schemeClr val="accent1"/>
+          </a:fillRef>
+          <a:effectRef idx="1">
+            <a:schemeClr val="accent1"/>
+          </a:effectRef>
+          <a:fontRef idx="minor">
+            <a:schemeClr val="tx1"/>
+          </a:fontRef>
+        </p:style>
+      </p:cxnSp>
+      <p:sp>
+        <p:nvSpPr>
+          <p:cNvPr id="75" name="Decision 74"/>
+          <p:cNvSpPr/>
+          <p:nvPr/>
+        </p:nvSpPr>
+        <p:spPr>
+          <a:xfrm>
+            <a:off x="2156198" y="6098940"/>
+            <a:ext cx="1139280" cy="612648"/>
+          </a:xfrm>
+          <a:prstGeom prst="flowChartDecision">
+            <a:avLst/>
+          </a:prstGeom>
+        </p:spPr>
+        <p:style>
+          <a:lnRef idx="1">
+            <a:schemeClr val="accent1"/>
+          </a:lnRef>
+          <a:fillRef idx="3">
+            <a:schemeClr val="accent1"/>
+          </a:fillRef>
+          <a:effectRef idx="2">
+            <a:schemeClr val="accent1"/>
+          </a:effectRef>
+          <a:fontRef idx="minor">
+            <a:schemeClr val="lt1"/>
+          </a:fontRef>
+        </p:style>
+        <p:txBody>
+          <a:bodyPr rtlCol="0" anchor="ctr"/>
+          <a:lstStyle/>
+          <a:p>
+            <a:pPr algn="ctr"/>
+            <a:r>
+              <a:rPr lang="en-US" dirty="0" smtClean="0"/>
+              <a:t>Yes</a:t>
+            </a:r>
+            <a:endParaRPr lang="en-US" dirty="0"/>
+          </a:p>
+        </p:txBody>
+      </p:sp>
+      <p:cxnSp>
+        <p:nvCxnSpPr>
+          <p:cNvPr id="77" name="Straight Arrow Connector 76"/>
+          <p:cNvCxnSpPr>
+            <a:stCxn id="71" idx="2"/>
+            <a:endCxn id="75" idx="3"/>
+          </p:cNvCxnSpPr>
+          <p:nvPr/>
+        </p:nvCxnSpPr>
+        <p:spPr>
+          <a:xfrm flipH="1">
+            <a:off x="3295478" y="6292481"/>
+            <a:ext cx="593616" cy="112783"/>
+          </a:xfrm>
+          <a:prstGeom prst="straightConnector1">
+            <a:avLst/>
+          </a:prstGeom>
+          <a:ln>
+            <a:tailEnd type="arrow"/>
+          </a:ln>
+        </p:spPr>
+        <p:style>
+          <a:lnRef idx="2">
+            <a:schemeClr val="accent1"/>
+          </a:lnRef>
+          <a:fillRef idx="0">
+            <a:schemeClr val="accent1"/>
+          </a:fillRef>
+          <a:effectRef idx="1">
+            <a:schemeClr val="accent1"/>
+          </a:effectRef>
+          <a:fontRef idx="minor">
+            <a:schemeClr val="tx1"/>
+          </a:fontRef>
+        </p:style>
+      </p:cxnSp>
+      <p:sp>
+        <p:nvSpPr>
+          <p:cNvPr id="80" name="Terminator 79"/>
+          <p:cNvSpPr/>
+          <p:nvPr/>
+        </p:nvSpPr>
+        <p:spPr>
+          <a:xfrm>
+            <a:off x="489444" y="5119935"/>
+            <a:ext cx="1377387" cy="447279"/>
+          </a:xfrm>
+          <a:prstGeom prst="flowChartTerminator">
+            <a:avLst/>
+          </a:prstGeom>
+        </p:spPr>
+        <p:style>
+          <a:lnRef idx="1">
+            <a:schemeClr val="accent1"/>
+          </a:lnRef>
+          <a:fillRef idx="3">
+            <a:schemeClr val="accent1"/>
+          </a:fillRef>
+          <a:effectRef idx="2">
+            <a:schemeClr val="accent1"/>
+          </a:effectRef>
+          <a:fontRef idx="minor">
+            <a:schemeClr val="lt1"/>
+          </a:fontRef>
+        </p:style>
+        <p:txBody>
+          <a:bodyPr rtlCol="0" anchor="ctr"/>
+          <a:lstStyle/>
+          <a:p>
+            <a:pPr algn="ctr"/>
+            <a:r>
+              <a:rPr lang="en-US" dirty="0" smtClean="0"/>
+              <a:t>Converged</a:t>
+            </a:r>
+            <a:endParaRPr lang="en-US" dirty="0"/>
+          </a:p>
+        </p:txBody>
+      </p:sp>
+      <p:cxnSp>
+        <p:nvCxnSpPr>
+          <p:cNvPr id="82" name="Elbow Connector 81"/>
+          <p:cNvCxnSpPr>
+            <a:stCxn id="75" idx="1"/>
+            <a:endCxn id="80" idx="2"/>
+          </p:cNvCxnSpPr>
+          <p:nvPr/>
+        </p:nvCxnSpPr>
+        <p:spPr>
+          <a:xfrm rot="10800000">
+            <a:off x="1178138" y="5567214"/>
+            <a:ext cx="978060" cy="838050"/>
+          </a:xfrm>
+          <a:prstGeom prst="bentConnector2">
+            <a:avLst/>
+          </a:prstGeom>
+          <a:ln>
+            <a:tailEnd type="arrow"/>
+          </a:ln>
+        </p:spPr>
+        <p:style>
+          <a:lnRef idx="2">
+            <a:schemeClr val="accent1"/>
+          </a:lnRef>
+          <a:fillRef idx="0">
+            <a:schemeClr val="accent1"/>
+          </a:fillRef>
+          <a:effectRef idx="1">
+            <a:schemeClr val="accent1"/>
+          </a:effectRef>
+          <a:fontRef idx="minor">
+            <a:schemeClr val="tx1"/>
+          </a:fontRef>
+        </p:style>
+      </p:cxnSp>
+      <p:sp>
+        <p:nvSpPr>
+          <p:cNvPr id="86" name="Decision 85"/>
+          <p:cNvSpPr/>
+          <p:nvPr/>
+        </p:nvSpPr>
+        <p:spPr>
+          <a:xfrm>
+            <a:off x="5965922" y="6098939"/>
+            <a:ext cx="1139280" cy="612648"/>
+          </a:xfrm>
+          <a:prstGeom prst="flowChartDecision">
+            <a:avLst/>
+          </a:prstGeom>
+        </p:spPr>
+        <p:style>
+          <a:lnRef idx="1">
+            <a:schemeClr val="accent1"/>
+          </a:lnRef>
+          <a:fillRef idx="3">
+            <a:schemeClr val="accent1"/>
+          </a:fillRef>
+          <a:effectRef idx="2">
+            <a:schemeClr val="accent1"/>
+          </a:effectRef>
+          <a:fontRef idx="minor">
+            <a:schemeClr val="lt1"/>
+          </a:fontRef>
+        </p:style>
+        <p:txBody>
+          <a:bodyPr rtlCol="0" anchor="ctr"/>
+          <a:lstStyle/>
+          <a:p>
+            <a:pPr algn="ctr"/>
+            <a:r>
+              <a:rPr lang="en-US" dirty="0" smtClean="0"/>
+              <a:t>No</a:t>
+            </a:r>
+            <a:endParaRPr lang="en-US" dirty="0"/>
+          </a:p>
+        </p:txBody>
+      </p:sp>
+      <p:cxnSp>
+        <p:nvCxnSpPr>
+          <p:cNvPr id="88" name="Straight Arrow Connector 87"/>
+          <p:cNvCxnSpPr>
+            <a:stCxn id="71" idx="0"/>
+            <a:endCxn id="86" idx="1"/>
+          </p:cNvCxnSpPr>
+          <p:nvPr/>
+        </p:nvCxnSpPr>
+        <p:spPr>
+          <a:xfrm>
+            <a:off x="5491361" y="6292481"/>
+            <a:ext cx="474561" cy="112782"/>
+          </a:xfrm>
+          <a:prstGeom prst="straightConnector1">
+            <a:avLst/>
+          </a:prstGeom>
+          <a:ln>
+            <a:tailEnd type="arrow"/>
+          </a:ln>
+        </p:spPr>
+        <p:style>
+          <a:lnRef idx="2">
+            <a:schemeClr val="accent1"/>
+          </a:lnRef>
+          <a:fillRef idx="0">
+            <a:schemeClr val="accent1"/>
+          </a:fillRef>
+          <a:effectRef idx="1">
+            <a:schemeClr val="accent1"/>
+          </a:effectRef>
+          <a:fontRef idx="minor">
+            <a:schemeClr val="tx1"/>
+          </a:fontRef>
+        </p:style>
+      </p:cxnSp>
+      <p:cxnSp>
+        <p:nvCxnSpPr>
+          <p:cNvPr id="92" name="Elbow Connector 91"/>
+          <p:cNvCxnSpPr>
+            <a:stCxn id="86" idx="3"/>
+            <a:endCxn id="70" idx="2"/>
+          </p:cNvCxnSpPr>
+          <p:nvPr/>
+        </p:nvCxnSpPr>
+        <p:spPr>
+          <a:xfrm flipV="1">
+            <a:off x="7105202" y="3787801"/>
+            <a:ext cx="1236011" cy="2617462"/>
+          </a:xfrm>
+          <a:prstGeom prst="bentConnector2">
+            <a:avLst/>
+          </a:prstGeom>
+          <a:ln>
+            <a:tailEnd type="arrow"/>
+          </a:ln>
+        </p:spPr>
+        <p:style>
+          <a:lnRef idx="2">
+            <a:schemeClr val="accent1"/>
+          </a:lnRef>
+          <a:fillRef idx="0">
+            <a:schemeClr val="accent1"/>
+          </a:fillRef>
+          <a:effectRef idx="1">
+            <a:schemeClr val="accent1"/>
+          </a:effectRef>
+          <a:fontRef idx="minor">
+            <a:schemeClr val="tx1"/>
+          </a:fontRef>
+        </p:style>
+      </p:cxnSp>
+      <p:cxnSp>
+        <p:nvCxnSpPr>
+          <p:cNvPr id="95" name="Straight Connector 94"/>
+          <p:cNvCxnSpPr>
+            <a:stCxn id="70" idx="0"/>
+          </p:cNvCxnSpPr>
+          <p:nvPr/>
+        </p:nvCxnSpPr>
+        <p:spPr>
+          <a:xfrm flipH="1" flipV="1">
+            <a:off x="8333772" y="1468508"/>
+            <a:ext cx="7441" cy="1706645"/>
+          </a:xfrm>
+          <a:prstGeom prst="line">
+            <a:avLst/>
+          </a:prstGeom>
+        </p:spPr>
+        <p:style>
+          <a:lnRef idx="2">
+            <a:schemeClr val="accent1"/>
+          </a:lnRef>
+          <a:fillRef idx="0">
+            <a:schemeClr val="accent1"/>
+          </a:fillRef>
+          <a:effectRef idx="1">
+            <a:schemeClr val="accent1"/>
+          </a:effectRef>
+          <a:fontRef idx="minor">
+            <a:schemeClr val="tx1"/>
+          </a:fontRef>
+        </p:style>
+      </p:cxnSp>
+      <p:cxnSp>
+        <p:nvCxnSpPr>
+          <p:cNvPr id="97" name="Elbow Connector 96"/>
+          <p:cNvCxnSpPr>
+            <a:endCxn id="17" idx="0"/>
+          </p:cNvCxnSpPr>
+          <p:nvPr/>
+        </p:nvCxnSpPr>
+        <p:spPr>
+          <a:xfrm rot="10800000" flipV="1">
+            <a:off x="5899782" y="1468507"/>
+            <a:ext cx="2433991" cy="330745"/>
+          </a:xfrm>
+          <a:prstGeom prst="bentConnector2">
+            <a:avLst/>
+          </a:prstGeom>
+          <a:ln>
+            <a:tailEnd type="arrow"/>
+          </a:ln>
+        </p:spPr>
+        <p:style>
+          <a:lnRef idx="2">
+            <a:schemeClr val="accent1"/>
+          </a:lnRef>
+          <a:fillRef idx="0">
+            <a:schemeClr val="accent1"/>
+          </a:fillRef>
+          <a:effectRef idx="1">
+            <a:schemeClr val="accent1"/>
+          </a:effectRef>
+          <a:fontRef idx="minor">
+            <a:schemeClr val="tx1"/>
+          </a:fontRef>
+        </p:style>
+      </p:cxnSp>
     </p:spTree>
     <p:extLst>
       <p:ext uri="{BB962C8B-B14F-4D97-AF65-F5344CB8AC3E}">
-        <p14:creationId xmlns:p14="http://schemas.microsoft.com/office/powerpoint/2010/main" val="2403032361"/>
+        <p14:creationId xmlns:p14="http://schemas.microsoft.com/office/powerpoint/2010/main" val="1801579212"/>
       </p:ext>
     </p:extLst>
   </p:cSld>
   <p:clrMapOvr>
     <a:masterClrMapping/>
   </p:clrMapOvr>
+  <p:timing>
+    <p:tnLst>
+      <p:par>
+        <p:cTn xmlns:p14="http://schemas.microsoft.com/office/powerpoint/2010/main" id="1" dur="indefinite" restart="never" nodeType="tmRoot"/>
+      </p:par>
+    </p:tnLst>
+  </p:timing>
 </p:sld>
 </file>
 
@@ -7974,7 +9463,7 @@
     </a:clrScheme>
     <a:fontScheme name="Office Theme">
       <a:majorFont>
-        <a:latin typeface="Calibri Light" panose="020F0302020204030204"/>
+        <a:latin typeface="Calibri Light"/>
         <a:ea typeface=""/>
         <a:cs typeface=""/>
         <a:font script="Jpan" typeface="ＭＳ Ｐゴシック"/>
@@ -8009,7 +9498,7 @@
         <a:font script="Geor" typeface="Sylfaen"/>
       </a:majorFont>
       <a:minorFont>
-        <a:latin typeface="Calibri" panose="020F0502020204030204"/>
+        <a:latin typeface="Calibri"/>
         <a:ea typeface=""/>
         <a:cs typeface=""/>
         <a:font script="Jpan" typeface="ＭＳ Ｐゴシック"/>
@@ -8186,7 +9675,7 @@
   <a:extraClrSchemeLst/>
   <a:extLst>
     <a:ext uri="{05A4C25C-085E-4340-85A3-A5531E510DB2}">
-      <thm15:themeFamily xmlns:thm15="http://schemas.microsoft.com/office/thememl/2012/main" name="Office Theme" id="{62F939B6-93AF-4DB8-9C6B-D6C7DFDC589F}" vid="{4A3C46E8-61CC-4603-A589-7422A47A8E4A}"/>
+      <thm15:themeFamily xmlns:thm15="http://schemas.microsoft.com/office/thememl/2012/main" xmlns="" name="Office Theme" id="{62F939B6-93AF-4DB8-9C6B-D6C7DFDC589F}" vid="{4A3C46E8-61CC-4603-A589-7422A47A8E4A}"/>
     </a:ext>
   </a:extLst>
 </a:theme>

--- a/Presentation/Axisymmetric project (2).pptx
+++ b/Presentation/Axisymmetric project (2).pptx
@@ -12,16 +12,15 @@
     <p:sldId id="260" r:id="rId6"/>
     <p:sldId id="261" r:id="rId7"/>
     <p:sldId id="262" r:id="rId8"/>
-    <p:sldId id="265" r:id="rId9"/>
-    <p:sldId id="271" r:id="rId10"/>
-    <p:sldId id="267" r:id="rId11"/>
-    <p:sldId id="268" r:id="rId12"/>
-    <p:sldId id="269" r:id="rId13"/>
-    <p:sldId id="270" r:id="rId14"/>
-    <p:sldId id="259" r:id="rId15"/>
-    <p:sldId id="272" r:id="rId16"/>
-    <p:sldId id="263" r:id="rId17"/>
-    <p:sldId id="264" r:id="rId18"/>
+    <p:sldId id="271" r:id="rId9"/>
+    <p:sldId id="267" r:id="rId10"/>
+    <p:sldId id="268" r:id="rId11"/>
+    <p:sldId id="269" r:id="rId12"/>
+    <p:sldId id="270" r:id="rId13"/>
+    <p:sldId id="259" r:id="rId14"/>
+    <p:sldId id="272" r:id="rId15"/>
+    <p:sldId id="263" r:id="rId16"/>
+    <p:sldId id="264" r:id="rId17"/>
   </p:sldIdLst>
   <p:sldSz cx="9144000" cy="6858000" type="screen4x3"/>
   <p:notesSz cx="6858000" cy="9144000"/>
@@ -122,2804 +121,21 @@
   </p:defaultTextStyle>
   <p:extLst>
     <p:ext uri="{EFAFB233-063F-42B5-8137-9DF3F51BA10A}">
-      <p15:sldGuideLst xmlns:p15="http://schemas.microsoft.com/office/powerpoint/2012/main" xmlns=""/>
+      <p15:sldGuideLst xmlns:p15="http://schemas.microsoft.com/office/powerpoint/2012/main">
+        <p15:guide id="1" orient="horz" pos="2160">
+          <p15:clr>
+            <a:srgbClr val="A4A3A4"/>
+          </p15:clr>
+        </p15:guide>
+        <p15:guide id="2" pos="2880">
+          <p15:clr>
+            <a:srgbClr val="A4A3A4"/>
+          </p15:clr>
+        </p15:guide>
+      </p15:sldGuideLst>
     </p:ext>
   </p:extLst>
 </p:presentation>
-</file>
-
-<file path=ppt/diagrams/colors1.xml><?xml version="1.0" encoding="utf-8"?>
-<dgm:colorsDef xmlns:dgm="http://schemas.openxmlformats.org/drawingml/2006/diagram" xmlns:a="http://schemas.openxmlformats.org/drawingml/2006/main" uniqueId="urn:microsoft.com/office/officeart/2005/8/colors/accent1_2">
-  <dgm:title val=""/>
-  <dgm:desc val=""/>
-  <dgm:catLst>
-    <dgm:cat type="accent1" pri="11200"/>
-  </dgm:catLst>
-  <dgm:styleLbl name="node0">
-    <dgm:fillClrLst meth="repeat">
-      <a:schemeClr val="accent1"/>
-    </dgm:fillClrLst>
-    <dgm:linClrLst meth="repeat">
-      <a:schemeClr val="lt1"/>
-    </dgm:linClrLst>
-    <dgm:effectClrLst/>
-    <dgm:txLinClrLst/>
-    <dgm:txFillClrLst/>
-    <dgm:txEffectClrLst/>
-  </dgm:styleLbl>
-  <dgm:styleLbl name="alignNode1">
-    <dgm:fillClrLst meth="repeat">
-      <a:schemeClr val="accent1"/>
-    </dgm:fillClrLst>
-    <dgm:linClrLst meth="repeat">
-      <a:schemeClr val="accent1"/>
-    </dgm:linClrLst>
-    <dgm:effectClrLst/>
-    <dgm:txLinClrLst/>
-    <dgm:txFillClrLst/>
-    <dgm:txEffectClrLst/>
-  </dgm:styleLbl>
-  <dgm:styleLbl name="node1">
-    <dgm:fillClrLst meth="repeat">
-      <a:schemeClr val="accent1"/>
-    </dgm:fillClrLst>
-    <dgm:linClrLst meth="repeat">
-      <a:schemeClr val="lt1"/>
-    </dgm:linClrLst>
-    <dgm:effectClrLst/>
-    <dgm:txLinClrLst/>
-    <dgm:txFillClrLst/>
-    <dgm:txEffectClrLst/>
-  </dgm:styleLbl>
-  <dgm:styleLbl name="lnNode1">
-    <dgm:fillClrLst meth="repeat">
-      <a:schemeClr val="accent1"/>
-    </dgm:fillClrLst>
-    <dgm:linClrLst meth="repeat">
-      <a:schemeClr val="lt1"/>
-    </dgm:linClrLst>
-    <dgm:effectClrLst/>
-    <dgm:txLinClrLst/>
-    <dgm:txFillClrLst/>
-    <dgm:txEffectClrLst/>
-  </dgm:styleLbl>
-  <dgm:styleLbl name="vennNode1">
-    <dgm:fillClrLst meth="repeat">
-      <a:schemeClr val="accent1">
-        <a:alpha val="50000"/>
-      </a:schemeClr>
-    </dgm:fillClrLst>
-    <dgm:linClrLst meth="repeat">
-      <a:schemeClr val="lt1"/>
-    </dgm:linClrLst>
-    <dgm:effectClrLst/>
-    <dgm:txLinClrLst/>
-    <dgm:txFillClrLst/>
-    <dgm:txEffectClrLst/>
-  </dgm:styleLbl>
-  <dgm:styleLbl name="node2">
-    <dgm:fillClrLst meth="repeat">
-      <a:schemeClr val="accent1"/>
-    </dgm:fillClrLst>
-    <dgm:linClrLst meth="repeat">
-      <a:schemeClr val="lt1"/>
-    </dgm:linClrLst>
-    <dgm:effectClrLst/>
-    <dgm:txLinClrLst/>
-    <dgm:txFillClrLst/>
-    <dgm:txEffectClrLst/>
-  </dgm:styleLbl>
-  <dgm:styleLbl name="node3">
-    <dgm:fillClrLst meth="repeat">
-      <a:schemeClr val="accent1"/>
-    </dgm:fillClrLst>
-    <dgm:linClrLst meth="repeat">
-      <a:schemeClr val="lt1"/>
-    </dgm:linClrLst>
-    <dgm:effectClrLst/>
-    <dgm:txLinClrLst/>
-    <dgm:txFillClrLst/>
-    <dgm:txEffectClrLst/>
-  </dgm:styleLbl>
-  <dgm:styleLbl name="node4">
-    <dgm:fillClrLst meth="repeat">
-      <a:schemeClr val="accent1"/>
-    </dgm:fillClrLst>
-    <dgm:linClrLst meth="repeat">
-      <a:schemeClr val="lt1"/>
-    </dgm:linClrLst>
-    <dgm:effectClrLst/>
-    <dgm:txLinClrLst/>
-    <dgm:txFillClrLst/>
-    <dgm:txEffectClrLst/>
-  </dgm:styleLbl>
-  <dgm:styleLbl name="fgImgPlace1">
-    <dgm:fillClrLst meth="repeat">
-      <a:schemeClr val="accent1">
-        <a:tint val="50000"/>
-      </a:schemeClr>
-    </dgm:fillClrLst>
-    <dgm:linClrLst meth="repeat">
-      <a:schemeClr val="lt1"/>
-    </dgm:linClrLst>
-    <dgm:effectClrLst/>
-    <dgm:txLinClrLst/>
-    <dgm:txFillClrLst meth="repeat">
-      <a:schemeClr val="lt1"/>
-    </dgm:txFillClrLst>
-    <dgm:txEffectClrLst/>
-  </dgm:styleLbl>
-  <dgm:styleLbl name="alignImgPlace1">
-    <dgm:fillClrLst meth="repeat">
-      <a:schemeClr val="accent1">
-        <a:tint val="50000"/>
-      </a:schemeClr>
-    </dgm:fillClrLst>
-    <dgm:linClrLst meth="repeat">
-      <a:schemeClr val="lt1"/>
-    </dgm:linClrLst>
-    <dgm:effectClrLst/>
-    <dgm:txLinClrLst/>
-    <dgm:txFillClrLst meth="repeat">
-      <a:schemeClr val="lt1"/>
-    </dgm:txFillClrLst>
-    <dgm:txEffectClrLst/>
-  </dgm:styleLbl>
-  <dgm:styleLbl name="bgImgPlace1">
-    <dgm:fillClrLst meth="repeat">
-      <a:schemeClr val="accent1">
-        <a:tint val="50000"/>
-      </a:schemeClr>
-    </dgm:fillClrLst>
-    <dgm:linClrLst meth="repeat">
-      <a:schemeClr val="lt1"/>
-    </dgm:linClrLst>
-    <dgm:effectClrLst/>
-    <dgm:txLinClrLst/>
-    <dgm:txFillClrLst meth="repeat">
-      <a:schemeClr val="lt1"/>
-    </dgm:txFillClrLst>
-    <dgm:txEffectClrLst/>
-  </dgm:styleLbl>
-  <dgm:styleLbl name="sibTrans2D1">
-    <dgm:fillClrLst meth="repeat">
-      <a:schemeClr val="accent1">
-        <a:tint val="60000"/>
-      </a:schemeClr>
-    </dgm:fillClrLst>
-    <dgm:linClrLst meth="repeat">
-      <a:schemeClr val="accent1">
-        <a:tint val="60000"/>
-      </a:schemeClr>
-    </dgm:linClrLst>
-    <dgm:effectClrLst/>
-    <dgm:txLinClrLst/>
-    <dgm:txFillClrLst/>
-    <dgm:txEffectClrLst/>
-  </dgm:styleLbl>
-  <dgm:styleLbl name="fgSibTrans2D1">
-    <dgm:fillClrLst meth="repeat">
-      <a:schemeClr val="accent1">
-        <a:tint val="60000"/>
-      </a:schemeClr>
-    </dgm:fillClrLst>
-    <dgm:linClrLst meth="repeat">
-      <a:schemeClr val="accent1">
-        <a:tint val="60000"/>
-      </a:schemeClr>
-    </dgm:linClrLst>
-    <dgm:effectClrLst/>
-    <dgm:txLinClrLst/>
-    <dgm:txFillClrLst/>
-    <dgm:txEffectClrLst/>
-  </dgm:styleLbl>
-  <dgm:styleLbl name="bgSibTrans2D1">
-    <dgm:fillClrLst meth="repeat">
-      <a:schemeClr val="accent1">
-        <a:tint val="60000"/>
-      </a:schemeClr>
-    </dgm:fillClrLst>
-    <dgm:linClrLst meth="repeat">
-      <a:schemeClr val="accent1">
-        <a:tint val="60000"/>
-      </a:schemeClr>
-    </dgm:linClrLst>
-    <dgm:effectClrLst/>
-    <dgm:txLinClrLst/>
-    <dgm:txFillClrLst/>
-    <dgm:txEffectClrLst/>
-  </dgm:styleLbl>
-  <dgm:styleLbl name="sibTrans1D1">
-    <dgm:fillClrLst meth="repeat">
-      <a:schemeClr val="accent1"/>
-    </dgm:fillClrLst>
-    <dgm:linClrLst meth="repeat">
-      <a:schemeClr val="accent1"/>
-    </dgm:linClrLst>
-    <dgm:effectClrLst/>
-    <dgm:txLinClrLst/>
-    <dgm:txFillClrLst meth="repeat">
-      <a:schemeClr val="tx1"/>
-    </dgm:txFillClrLst>
-    <dgm:txEffectClrLst/>
-  </dgm:styleLbl>
-  <dgm:styleLbl name="callout">
-    <dgm:fillClrLst meth="repeat">
-      <a:schemeClr val="accent1"/>
-    </dgm:fillClrLst>
-    <dgm:linClrLst meth="repeat">
-      <a:schemeClr val="accent1">
-        <a:tint val="50000"/>
-      </a:schemeClr>
-    </dgm:linClrLst>
-    <dgm:effectClrLst/>
-    <dgm:txLinClrLst/>
-    <dgm:txFillClrLst meth="repeat">
-      <a:schemeClr val="tx1"/>
-    </dgm:txFillClrLst>
-    <dgm:txEffectClrLst/>
-  </dgm:styleLbl>
-  <dgm:styleLbl name="asst0">
-    <dgm:fillClrLst meth="repeat">
-      <a:schemeClr val="accent1"/>
-    </dgm:fillClrLst>
-    <dgm:linClrLst meth="repeat">
-      <a:schemeClr val="lt1"/>
-    </dgm:linClrLst>
-    <dgm:effectClrLst/>
-    <dgm:txLinClrLst/>
-    <dgm:txFillClrLst/>
-    <dgm:txEffectClrLst/>
-  </dgm:styleLbl>
-  <dgm:styleLbl name="asst1">
-    <dgm:fillClrLst meth="repeat">
-      <a:schemeClr val="accent1"/>
-    </dgm:fillClrLst>
-    <dgm:linClrLst meth="repeat">
-      <a:schemeClr val="lt1"/>
-    </dgm:linClrLst>
-    <dgm:effectClrLst/>
-    <dgm:txLinClrLst/>
-    <dgm:txFillClrLst/>
-    <dgm:txEffectClrLst/>
-  </dgm:styleLbl>
-  <dgm:styleLbl name="asst2">
-    <dgm:fillClrLst meth="repeat">
-      <a:schemeClr val="accent1"/>
-    </dgm:fillClrLst>
-    <dgm:linClrLst meth="repeat">
-      <a:schemeClr val="lt1"/>
-    </dgm:linClrLst>
-    <dgm:effectClrLst/>
-    <dgm:txLinClrLst/>
-    <dgm:txFillClrLst/>
-    <dgm:txEffectClrLst/>
-  </dgm:styleLbl>
-  <dgm:styleLbl name="asst3">
-    <dgm:fillClrLst meth="repeat">
-      <a:schemeClr val="accent1"/>
-    </dgm:fillClrLst>
-    <dgm:linClrLst meth="repeat">
-      <a:schemeClr val="lt1"/>
-    </dgm:linClrLst>
-    <dgm:effectClrLst/>
-    <dgm:txLinClrLst/>
-    <dgm:txFillClrLst/>
-    <dgm:txEffectClrLst/>
-  </dgm:styleLbl>
-  <dgm:styleLbl name="asst4">
-    <dgm:fillClrLst meth="repeat">
-      <a:schemeClr val="accent1"/>
-    </dgm:fillClrLst>
-    <dgm:linClrLst meth="repeat">
-      <a:schemeClr val="lt1"/>
-    </dgm:linClrLst>
-    <dgm:effectClrLst/>
-    <dgm:txLinClrLst/>
-    <dgm:txFillClrLst/>
-    <dgm:txEffectClrLst/>
-  </dgm:styleLbl>
-  <dgm:styleLbl name="parChTrans2D1">
-    <dgm:fillClrLst meth="repeat">
-      <a:schemeClr val="accent1">
-        <a:tint val="60000"/>
-      </a:schemeClr>
-    </dgm:fillClrLst>
-    <dgm:linClrLst meth="repeat">
-      <a:schemeClr val="accent1">
-        <a:tint val="60000"/>
-      </a:schemeClr>
-    </dgm:linClrLst>
-    <dgm:effectClrLst/>
-    <dgm:txLinClrLst/>
-    <dgm:txFillClrLst meth="repeat">
-      <a:schemeClr val="lt1"/>
-    </dgm:txFillClrLst>
-    <dgm:txEffectClrLst/>
-  </dgm:styleLbl>
-  <dgm:styleLbl name="parChTrans2D2">
-    <dgm:fillClrLst meth="repeat">
-      <a:schemeClr val="accent1"/>
-    </dgm:fillClrLst>
-    <dgm:linClrLst meth="repeat">
-      <a:schemeClr val="accent1"/>
-    </dgm:linClrLst>
-    <dgm:effectClrLst/>
-    <dgm:txLinClrLst/>
-    <dgm:txFillClrLst meth="repeat">
-      <a:schemeClr val="lt1"/>
-    </dgm:txFillClrLst>
-    <dgm:txEffectClrLst/>
-  </dgm:styleLbl>
-  <dgm:styleLbl name="parChTrans2D3">
-    <dgm:fillClrLst meth="repeat">
-      <a:schemeClr val="accent1"/>
-    </dgm:fillClrLst>
-    <dgm:linClrLst meth="repeat">
-      <a:schemeClr val="accent1"/>
-    </dgm:linClrLst>
-    <dgm:effectClrLst/>
-    <dgm:txLinClrLst/>
-    <dgm:txFillClrLst meth="repeat">
-      <a:schemeClr val="lt1"/>
-    </dgm:txFillClrLst>
-    <dgm:txEffectClrLst/>
-  </dgm:styleLbl>
-  <dgm:styleLbl name="parChTrans2D4">
-    <dgm:fillClrLst meth="repeat">
-      <a:schemeClr val="accent1"/>
-    </dgm:fillClrLst>
-    <dgm:linClrLst meth="repeat">
-      <a:schemeClr val="accent1"/>
-    </dgm:linClrLst>
-    <dgm:effectClrLst/>
-    <dgm:txLinClrLst/>
-    <dgm:txFillClrLst meth="repeat">
-      <a:schemeClr val="lt1"/>
-    </dgm:txFillClrLst>
-    <dgm:txEffectClrLst/>
-  </dgm:styleLbl>
-  <dgm:styleLbl name="parChTrans1D1">
-    <dgm:fillClrLst meth="repeat">
-      <a:schemeClr val="accent1"/>
-    </dgm:fillClrLst>
-    <dgm:linClrLst meth="repeat">
-      <a:schemeClr val="accent1">
-        <a:shade val="60000"/>
-      </a:schemeClr>
-    </dgm:linClrLst>
-    <dgm:effectClrLst/>
-    <dgm:txLinClrLst/>
-    <dgm:txFillClrLst meth="repeat">
-      <a:schemeClr val="tx1"/>
-    </dgm:txFillClrLst>
-    <dgm:txEffectClrLst/>
-  </dgm:styleLbl>
-  <dgm:styleLbl name="parChTrans1D2">
-    <dgm:fillClrLst meth="repeat">
-      <a:schemeClr val="accent1"/>
-    </dgm:fillClrLst>
-    <dgm:linClrLst meth="repeat">
-      <a:schemeClr val="accent1">
-        <a:shade val="60000"/>
-      </a:schemeClr>
-    </dgm:linClrLst>
-    <dgm:effectClrLst/>
-    <dgm:txLinClrLst/>
-    <dgm:txFillClrLst meth="repeat">
-      <a:schemeClr val="tx1"/>
-    </dgm:txFillClrLst>
-    <dgm:txEffectClrLst/>
-  </dgm:styleLbl>
-  <dgm:styleLbl name="parChTrans1D3">
-    <dgm:fillClrLst meth="repeat">
-      <a:schemeClr val="accent1"/>
-    </dgm:fillClrLst>
-    <dgm:linClrLst meth="repeat">
-      <a:schemeClr val="accent1">
-        <a:shade val="80000"/>
-      </a:schemeClr>
-    </dgm:linClrLst>
-    <dgm:effectClrLst/>
-    <dgm:txLinClrLst/>
-    <dgm:txFillClrLst meth="repeat">
-      <a:schemeClr val="tx1"/>
-    </dgm:txFillClrLst>
-    <dgm:txEffectClrLst/>
-  </dgm:styleLbl>
-  <dgm:styleLbl name="parChTrans1D4">
-    <dgm:fillClrLst meth="repeat">
-      <a:schemeClr val="accent1"/>
-    </dgm:fillClrLst>
-    <dgm:linClrLst meth="repeat">
-      <a:schemeClr val="accent1">
-        <a:shade val="80000"/>
-      </a:schemeClr>
-    </dgm:linClrLst>
-    <dgm:effectClrLst/>
-    <dgm:txLinClrLst/>
-    <dgm:txFillClrLst meth="repeat">
-      <a:schemeClr val="tx1"/>
-    </dgm:txFillClrLst>
-    <dgm:txEffectClrLst/>
-  </dgm:styleLbl>
-  <dgm:styleLbl name="fgAcc1">
-    <dgm:fillClrLst meth="repeat">
-      <a:schemeClr val="lt1">
-        <a:alpha val="90000"/>
-      </a:schemeClr>
-    </dgm:fillClrLst>
-    <dgm:linClrLst meth="repeat">
-      <a:schemeClr val="accent1"/>
-    </dgm:linClrLst>
-    <dgm:effectClrLst/>
-    <dgm:txLinClrLst/>
-    <dgm:txFillClrLst meth="repeat">
-      <a:schemeClr val="dk1"/>
-    </dgm:txFillClrLst>
-    <dgm:txEffectClrLst/>
-  </dgm:styleLbl>
-  <dgm:styleLbl name="conFgAcc1">
-    <dgm:fillClrLst meth="repeat">
-      <a:schemeClr val="lt1">
-        <a:alpha val="90000"/>
-      </a:schemeClr>
-    </dgm:fillClrLst>
-    <dgm:linClrLst meth="repeat">
-      <a:schemeClr val="accent1"/>
-    </dgm:linClrLst>
-    <dgm:effectClrLst/>
-    <dgm:txLinClrLst/>
-    <dgm:txFillClrLst meth="repeat">
-      <a:schemeClr val="dk1"/>
-    </dgm:txFillClrLst>
-    <dgm:txEffectClrLst/>
-  </dgm:styleLbl>
-  <dgm:styleLbl name="alignAcc1">
-    <dgm:fillClrLst meth="repeat">
-      <a:schemeClr val="lt1">
-        <a:alpha val="90000"/>
-      </a:schemeClr>
-    </dgm:fillClrLst>
-    <dgm:linClrLst meth="repeat">
-      <a:schemeClr val="accent1"/>
-    </dgm:linClrLst>
-    <dgm:effectClrLst/>
-    <dgm:txLinClrLst/>
-    <dgm:txFillClrLst meth="repeat">
-      <a:schemeClr val="dk1"/>
-    </dgm:txFillClrLst>
-    <dgm:txEffectClrLst/>
-  </dgm:styleLbl>
-  <dgm:styleLbl name="trAlignAcc1">
-    <dgm:fillClrLst meth="repeat">
-      <a:schemeClr val="lt1">
-        <a:alpha val="40000"/>
-      </a:schemeClr>
-    </dgm:fillClrLst>
-    <dgm:linClrLst meth="repeat">
-      <a:schemeClr val="accent1"/>
-    </dgm:linClrLst>
-    <dgm:effectClrLst/>
-    <dgm:txLinClrLst/>
-    <dgm:txFillClrLst meth="repeat">
-      <a:schemeClr val="dk1"/>
-    </dgm:txFillClrLst>
-    <dgm:txEffectClrLst/>
-  </dgm:styleLbl>
-  <dgm:styleLbl name="bgAcc1">
-    <dgm:fillClrLst meth="repeat">
-      <a:schemeClr val="lt1">
-        <a:alpha val="90000"/>
-      </a:schemeClr>
-    </dgm:fillClrLst>
-    <dgm:linClrLst meth="repeat">
-      <a:schemeClr val="accent1"/>
-    </dgm:linClrLst>
-    <dgm:effectClrLst/>
-    <dgm:txLinClrLst/>
-    <dgm:txFillClrLst meth="repeat">
-      <a:schemeClr val="dk1"/>
-    </dgm:txFillClrLst>
-    <dgm:txEffectClrLst/>
-  </dgm:styleLbl>
-  <dgm:styleLbl name="solidFgAcc1">
-    <dgm:fillClrLst meth="repeat">
-      <a:schemeClr val="lt1"/>
-    </dgm:fillClrLst>
-    <dgm:linClrLst meth="repeat">
-      <a:schemeClr val="accent1"/>
-    </dgm:linClrLst>
-    <dgm:effectClrLst/>
-    <dgm:txLinClrLst/>
-    <dgm:txFillClrLst meth="repeat">
-      <a:schemeClr val="dk1"/>
-    </dgm:txFillClrLst>
-    <dgm:txEffectClrLst/>
-  </dgm:styleLbl>
-  <dgm:styleLbl name="solidAlignAcc1">
-    <dgm:fillClrLst meth="repeat">
-      <a:schemeClr val="lt1"/>
-    </dgm:fillClrLst>
-    <dgm:linClrLst meth="repeat">
-      <a:schemeClr val="accent1"/>
-    </dgm:linClrLst>
-    <dgm:effectClrLst/>
-    <dgm:txLinClrLst/>
-    <dgm:txFillClrLst meth="repeat">
-      <a:schemeClr val="dk1"/>
-    </dgm:txFillClrLst>
-    <dgm:txEffectClrLst/>
-  </dgm:styleLbl>
-  <dgm:styleLbl name="solidBgAcc1">
-    <dgm:fillClrLst meth="repeat">
-      <a:schemeClr val="lt1"/>
-    </dgm:fillClrLst>
-    <dgm:linClrLst meth="repeat">
-      <a:schemeClr val="accent1"/>
-    </dgm:linClrLst>
-    <dgm:effectClrLst/>
-    <dgm:txLinClrLst/>
-    <dgm:txFillClrLst meth="repeat">
-      <a:schemeClr val="dk1"/>
-    </dgm:txFillClrLst>
-    <dgm:txEffectClrLst/>
-  </dgm:styleLbl>
-  <dgm:styleLbl name="fgAccFollowNode1">
-    <dgm:fillClrLst meth="repeat">
-      <a:schemeClr val="accent1">
-        <a:alpha val="90000"/>
-        <a:tint val="40000"/>
-      </a:schemeClr>
-    </dgm:fillClrLst>
-    <dgm:linClrLst meth="repeat">
-      <a:schemeClr val="accent1">
-        <a:alpha val="90000"/>
-        <a:tint val="40000"/>
-      </a:schemeClr>
-    </dgm:linClrLst>
-    <dgm:effectClrLst/>
-    <dgm:txLinClrLst/>
-    <dgm:txFillClrLst meth="repeat">
-      <a:schemeClr val="dk1"/>
-    </dgm:txFillClrLst>
-    <dgm:txEffectClrLst/>
-  </dgm:styleLbl>
-  <dgm:styleLbl name="alignAccFollowNode1">
-    <dgm:fillClrLst meth="repeat">
-      <a:schemeClr val="accent1">
-        <a:alpha val="90000"/>
-        <a:tint val="40000"/>
-      </a:schemeClr>
-    </dgm:fillClrLst>
-    <dgm:linClrLst meth="repeat">
-      <a:schemeClr val="accent1">
-        <a:alpha val="90000"/>
-        <a:tint val="40000"/>
-      </a:schemeClr>
-    </dgm:linClrLst>
-    <dgm:effectClrLst/>
-    <dgm:txLinClrLst/>
-    <dgm:txFillClrLst meth="repeat">
-      <a:schemeClr val="dk1"/>
-    </dgm:txFillClrLst>
-    <dgm:txEffectClrLst/>
-  </dgm:styleLbl>
-  <dgm:styleLbl name="bgAccFollowNode1">
-    <dgm:fillClrLst meth="repeat">
-      <a:schemeClr val="accent1">
-        <a:alpha val="90000"/>
-        <a:tint val="40000"/>
-      </a:schemeClr>
-    </dgm:fillClrLst>
-    <dgm:linClrLst meth="repeat">
-      <a:schemeClr val="accent1">
-        <a:alpha val="90000"/>
-        <a:tint val="40000"/>
-      </a:schemeClr>
-    </dgm:linClrLst>
-    <dgm:effectClrLst/>
-    <dgm:txLinClrLst/>
-    <dgm:txFillClrLst meth="repeat">
-      <a:schemeClr val="dk1"/>
-    </dgm:txFillClrLst>
-    <dgm:txEffectClrLst/>
-  </dgm:styleLbl>
-  <dgm:styleLbl name="fgAcc0">
-    <dgm:fillClrLst meth="repeat">
-      <a:schemeClr val="lt1">
-        <a:alpha val="90000"/>
-      </a:schemeClr>
-    </dgm:fillClrLst>
-    <dgm:linClrLst meth="repeat">
-      <a:schemeClr val="accent1"/>
-    </dgm:linClrLst>
-    <dgm:effectClrLst/>
-    <dgm:txLinClrLst/>
-    <dgm:txFillClrLst meth="repeat">
-      <a:schemeClr val="dk1"/>
-    </dgm:txFillClrLst>
-    <dgm:txEffectClrLst/>
-  </dgm:styleLbl>
-  <dgm:styleLbl name="fgAcc2">
-    <dgm:fillClrLst meth="repeat">
-      <a:schemeClr val="lt1">
-        <a:alpha val="90000"/>
-      </a:schemeClr>
-    </dgm:fillClrLst>
-    <dgm:linClrLst meth="repeat">
-      <a:schemeClr val="accent1"/>
-    </dgm:linClrLst>
-    <dgm:effectClrLst/>
-    <dgm:txLinClrLst/>
-    <dgm:txFillClrLst meth="repeat">
-      <a:schemeClr val="dk1"/>
-    </dgm:txFillClrLst>
-    <dgm:txEffectClrLst/>
-  </dgm:styleLbl>
-  <dgm:styleLbl name="fgAcc3">
-    <dgm:fillClrLst meth="repeat">
-      <a:schemeClr val="lt1">
-        <a:alpha val="90000"/>
-      </a:schemeClr>
-    </dgm:fillClrLst>
-    <dgm:linClrLst meth="repeat">
-      <a:schemeClr val="accent1"/>
-    </dgm:linClrLst>
-    <dgm:effectClrLst/>
-    <dgm:txLinClrLst/>
-    <dgm:txFillClrLst meth="repeat">
-      <a:schemeClr val="dk1"/>
-    </dgm:txFillClrLst>
-    <dgm:txEffectClrLst/>
-  </dgm:styleLbl>
-  <dgm:styleLbl name="fgAcc4">
-    <dgm:fillClrLst meth="repeat">
-      <a:schemeClr val="lt1">
-        <a:alpha val="90000"/>
-      </a:schemeClr>
-    </dgm:fillClrLst>
-    <dgm:linClrLst meth="repeat">
-      <a:schemeClr val="accent1"/>
-    </dgm:linClrLst>
-    <dgm:effectClrLst/>
-    <dgm:txLinClrLst/>
-    <dgm:txFillClrLst meth="repeat">
-      <a:schemeClr val="dk1"/>
-    </dgm:txFillClrLst>
-    <dgm:txEffectClrLst/>
-  </dgm:styleLbl>
-  <dgm:styleLbl name="bgShp">
-    <dgm:fillClrLst meth="repeat">
-      <a:schemeClr val="accent1">
-        <a:tint val="40000"/>
-      </a:schemeClr>
-    </dgm:fillClrLst>
-    <dgm:linClrLst meth="repeat">
-      <a:schemeClr val="accent1"/>
-    </dgm:linClrLst>
-    <dgm:effectClrLst/>
-    <dgm:txLinClrLst/>
-    <dgm:txFillClrLst meth="repeat">
-      <a:schemeClr val="dk1"/>
-    </dgm:txFillClrLst>
-    <dgm:txEffectClrLst/>
-  </dgm:styleLbl>
-  <dgm:styleLbl name="dkBgShp">
-    <dgm:fillClrLst meth="repeat">
-      <a:schemeClr val="accent1">
-        <a:shade val="80000"/>
-      </a:schemeClr>
-    </dgm:fillClrLst>
-    <dgm:linClrLst meth="repeat">
-      <a:schemeClr val="accent1"/>
-    </dgm:linClrLst>
-    <dgm:effectClrLst/>
-    <dgm:txLinClrLst/>
-    <dgm:txFillClrLst meth="repeat">
-      <a:schemeClr val="lt1"/>
-    </dgm:txFillClrLst>
-    <dgm:txEffectClrLst/>
-  </dgm:styleLbl>
-  <dgm:styleLbl name="trBgShp">
-    <dgm:fillClrLst meth="repeat">
-      <a:schemeClr val="accent1">
-        <a:tint val="50000"/>
-        <a:alpha val="40000"/>
-      </a:schemeClr>
-    </dgm:fillClrLst>
-    <dgm:linClrLst meth="repeat">
-      <a:schemeClr val="accent1"/>
-    </dgm:linClrLst>
-    <dgm:effectClrLst/>
-    <dgm:txLinClrLst/>
-    <dgm:txFillClrLst meth="repeat">
-      <a:schemeClr val="lt1"/>
-    </dgm:txFillClrLst>
-    <dgm:txEffectClrLst/>
-  </dgm:styleLbl>
-  <dgm:styleLbl name="fgShp">
-    <dgm:fillClrLst meth="repeat">
-      <a:schemeClr val="accent1">
-        <a:tint val="60000"/>
-      </a:schemeClr>
-    </dgm:fillClrLst>
-    <dgm:linClrLst meth="repeat">
-      <a:schemeClr val="lt1"/>
-    </dgm:linClrLst>
-    <dgm:effectClrLst/>
-    <dgm:txLinClrLst/>
-    <dgm:txFillClrLst meth="repeat">
-      <a:schemeClr val="dk1"/>
-    </dgm:txFillClrLst>
-    <dgm:txEffectClrLst/>
-  </dgm:styleLbl>
-  <dgm:styleLbl name="revTx">
-    <dgm:fillClrLst meth="repeat">
-      <a:schemeClr val="lt1">
-        <a:alpha val="0"/>
-      </a:schemeClr>
-    </dgm:fillClrLst>
-    <dgm:linClrLst meth="repeat">
-      <a:schemeClr val="dk1">
-        <a:alpha val="0"/>
-      </a:schemeClr>
-    </dgm:linClrLst>
-    <dgm:effectClrLst/>
-    <dgm:txLinClrLst/>
-    <dgm:txFillClrLst meth="repeat">
-      <a:schemeClr val="tx1"/>
-    </dgm:txFillClrLst>
-    <dgm:txEffectClrLst/>
-  </dgm:styleLbl>
-</dgm:colorsDef>
-</file>
-
-<file path=ppt/diagrams/data1.xml><?xml version="1.0" encoding="utf-8"?>
-<dgm:dataModel xmlns:dgm="http://schemas.openxmlformats.org/drawingml/2006/diagram" xmlns:a="http://schemas.openxmlformats.org/drawingml/2006/main">
-  <dgm:ptLst>
-    <dgm:pt modelId="{39B1ACE4-BA06-4FB5-92F8-C2B5739194AD}" type="doc">
-      <dgm:prSet loTypeId="urn:microsoft.com/office/officeart/2005/8/layout/process1" loCatId="process" qsTypeId="urn:microsoft.com/office/officeart/2005/8/quickstyle/simple1" qsCatId="simple" csTypeId="urn:microsoft.com/office/officeart/2005/8/colors/accent1_2" csCatId="accent1" phldr="1"/>
-      <dgm:spPr/>
-    </dgm:pt>
-    <dgm:pt modelId="{A4697218-540A-421E-88BC-160FA39BEBB3}">
-      <dgm:prSet phldrT="[Text]"/>
-      <dgm:spPr/>
-      <dgm:t>
-        <a:bodyPr/>
-        <a:lstStyle/>
-        <a:p>
-          <a:r>
-            <a:rPr lang="en-US" dirty="0" smtClean="0"/>
-            <a:t>Problem With Known Solution</a:t>
-          </a:r>
-          <a:endParaRPr lang="en-US" dirty="0"/>
-        </a:p>
-      </dgm:t>
-    </dgm:pt>
-    <dgm:pt modelId="{FEED9B24-11B2-4C1D-A3EA-3FFA85E7106E}" type="parTrans" cxnId="{B4BF09C1-0A74-4643-84F1-1031E935EFDF}">
-      <dgm:prSet/>
-      <dgm:spPr/>
-      <dgm:t>
-        <a:bodyPr/>
-        <a:lstStyle/>
-        <a:p>
-          <a:endParaRPr lang="en-US"/>
-        </a:p>
-      </dgm:t>
-    </dgm:pt>
-    <dgm:pt modelId="{30CDC0B8-1838-4EFA-826C-BE17A7EF16F2}" type="sibTrans" cxnId="{B4BF09C1-0A74-4643-84F1-1031E935EFDF}">
-      <dgm:prSet/>
-      <dgm:spPr/>
-      <dgm:t>
-        <a:bodyPr/>
-        <a:lstStyle/>
-        <a:p>
-          <a:endParaRPr lang="en-US"/>
-        </a:p>
-      </dgm:t>
-    </dgm:pt>
-    <dgm:pt modelId="{FD8E41BD-BA81-4D76-A0F0-72E6D1F7E523}">
-      <dgm:prSet phldrT="[Text]"/>
-      <dgm:spPr/>
-      <dgm:t>
-        <a:bodyPr/>
-        <a:lstStyle/>
-        <a:p>
-          <a:r>
-            <a:rPr lang="en-US" dirty="0" smtClean="0"/>
-            <a:t>FEM</a:t>
-          </a:r>
-          <a:endParaRPr lang="en-US" dirty="0"/>
-        </a:p>
-      </dgm:t>
-    </dgm:pt>
-    <dgm:pt modelId="{A7F9AFF8-B28C-4B47-9B38-9516AD7EE6A6}" type="parTrans" cxnId="{6EDDEBA0-01E4-4D95-B051-0B30D35554B6}">
-      <dgm:prSet/>
-      <dgm:spPr/>
-      <dgm:t>
-        <a:bodyPr/>
-        <a:lstStyle/>
-        <a:p>
-          <a:endParaRPr lang="en-US"/>
-        </a:p>
-      </dgm:t>
-    </dgm:pt>
-    <dgm:pt modelId="{E40F0DB7-9F04-48D0-ADE0-6CA8F938769C}" type="sibTrans" cxnId="{6EDDEBA0-01E4-4D95-B051-0B30D35554B6}">
-      <dgm:prSet/>
-      <dgm:spPr/>
-      <dgm:t>
-        <a:bodyPr/>
-        <a:lstStyle/>
-        <a:p>
-          <a:endParaRPr lang="en-US"/>
-        </a:p>
-      </dgm:t>
-    </dgm:pt>
-    <dgm:pt modelId="{08D9E8C5-6FBA-4E46-80B5-BE09731B0E6B}">
-      <dgm:prSet phldrT="[Text]"/>
-      <dgm:spPr/>
-      <dgm:t>
-        <a:bodyPr/>
-        <a:lstStyle/>
-        <a:p>
-          <a:r>
-            <a:rPr lang="en-US" dirty="0" smtClean="0"/>
-            <a:t>Analytical</a:t>
-          </a:r>
-          <a:endParaRPr lang="en-US" dirty="0"/>
-        </a:p>
-      </dgm:t>
-    </dgm:pt>
-    <dgm:pt modelId="{0144FA90-3C21-45DF-9CE7-03C8AF055AA8}" type="parTrans" cxnId="{F3483020-3E59-416C-81EC-612FE7A2B519}">
-      <dgm:prSet/>
-      <dgm:spPr/>
-      <dgm:t>
-        <a:bodyPr/>
-        <a:lstStyle/>
-        <a:p>
-          <a:endParaRPr lang="en-US"/>
-        </a:p>
-      </dgm:t>
-    </dgm:pt>
-    <dgm:pt modelId="{FB8E36C7-DC00-45D4-9F08-AF0496422597}" type="sibTrans" cxnId="{F3483020-3E59-416C-81EC-612FE7A2B519}">
-      <dgm:prSet/>
-      <dgm:spPr/>
-      <dgm:t>
-        <a:bodyPr/>
-        <a:lstStyle/>
-        <a:p>
-          <a:endParaRPr lang="en-US"/>
-        </a:p>
-      </dgm:t>
-    </dgm:pt>
-    <dgm:pt modelId="{28596C74-B7B3-4E31-ACE6-0B61FD8510AE}">
-      <dgm:prSet phldrT="[Text]"/>
-      <dgm:spPr/>
-      <dgm:t>
-        <a:bodyPr/>
-        <a:lstStyle/>
-        <a:p>
-          <a:r>
-            <a:rPr lang="en-US" dirty="0" smtClean="0"/>
-            <a:t>Comparison</a:t>
-          </a:r>
-          <a:endParaRPr lang="en-US" dirty="0"/>
-        </a:p>
-      </dgm:t>
-    </dgm:pt>
-    <dgm:pt modelId="{D502242D-9D35-4024-80D7-04999AAC7405}" type="parTrans" cxnId="{FDFAE8C9-D90B-4440-8010-1E9CE9EA0E44}">
-      <dgm:prSet/>
-      <dgm:spPr/>
-      <dgm:t>
-        <a:bodyPr/>
-        <a:lstStyle/>
-        <a:p>
-          <a:endParaRPr lang="en-US"/>
-        </a:p>
-      </dgm:t>
-    </dgm:pt>
-    <dgm:pt modelId="{2F7A919D-E349-41FF-AC1A-62D288263C46}" type="sibTrans" cxnId="{FDFAE8C9-D90B-4440-8010-1E9CE9EA0E44}">
-      <dgm:prSet/>
-      <dgm:spPr/>
-      <dgm:t>
-        <a:bodyPr/>
-        <a:lstStyle/>
-        <a:p>
-          <a:endParaRPr lang="en-US"/>
-        </a:p>
-      </dgm:t>
-    </dgm:pt>
-    <dgm:pt modelId="{BFEBFC65-BD7E-4195-89F9-880B385CAB0E}" type="pres">
-      <dgm:prSet presAssocID="{39B1ACE4-BA06-4FB5-92F8-C2B5739194AD}" presName="Name0" presStyleCnt="0">
-        <dgm:presLayoutVars>
-          <dgm:dir/>
-          <dgm:resizeHandles val="exact"/>
-        </dgm:presLayoutVars>
-      </dgm:prSet>
-      <dgm:spPr/>
-    </dgm:pt>
-    <dgm:pt modelId="{AE3325EC-9F0D-4FCA-A855-CD4A148E0F59}" type="pres">
-      <dgm:prSet presAssocID="{A4697218-540A-421E-88BC-160FA39BEBB3}" presName="node" presStyleLbl="node1" presStyleIdx="0" presStyleCnt="4">
-        <dgm:presLayoutVars>
-          <dgm:bulletEnabled val="1"/>
-        </dgm:presLayoutVars>
-      </dgm:prSet>
-      <dgm:spPr/>
-      <dgm:t>
-        <a:bodyPr/>
-        <a:lstStyle/>
-        <a:p>
-          <a:endParaRPr lang="en-US"/>
-        </a:p>
-      </dgm:t>
-    </dgm:pt>
-    <dgm:pt modelId="{5A1AAC12-FB18-4DA1-B7E7-9B486B263E24}" type="pres">
-      <dgm:prSet presAssocID="{30CDC0B8-1838-4EFA-826C-BE17A7EF16F2}" presName="sibTrans" presStyleLbl="sibTrans2D1" presStyleIdx="0" presStyleCnt="3" custScaleX="174307"/>
-      <dgm:spPr/>
-      <dgm:t>
-        <a:bodyPr/>
-        <a:lstStyle/>
-        <a:p>
-          <a:endParaRPr lang="en-US"/>
-        </a:p>
-      </dgm:t>
-    </dgm:pt>
-    <dgm:pt modelId="{35B50378-38C6-475F-8379-8957E1FE0918}" type="pres">
-      <dgm:prSet presAssocID="{30CDC0B8-1838-4EFA-826C-BE17A7EF16F2}" presName="connectorText" presStyleLbl="sibTrans2D1" presStyleIdx="0" presStyleCnt="3"/>
-      <dgm:spPr/>
-      <dgm:t>
-        <a:bodyPr/>
-        <a:lstStyle/>
-        <a:p>
-          <a:endParaRPr lang="en-US"/>
-        </a:p>
-      </dgm:t>
-    </dgm:pt>
-    <dgm:pt modelId="{C5C11C04-06AF-40F8-BF8F-6717FD89CD72}" type="pres">
-      <dgm:prSet presAssocID="{FD8E41BD-BA81-4D76-A0F0-72E6D1F7E523}" presName="node" presStyleLbl="node1" presStyleIdx="1" presStyleCnt="4" custLinFactNeighborX="1397" custLinFactNeighborY="-93400">
-        <dgm:presLayoutVars>
-          <dgm:bulletEnabled val="1"/>
-        </dgm:presLayoutVars>
-      </dgm:prSet>
-      <dgm:spPr/>
-      <dgm:t>
-        <a:bodyPr/>
-        <a:lstStyle/>
-        <a:p>
-          <a:endParaRPr lang="en-US"/>
-        </a:p>
-      </dgm:t>
-    </dgm:pt>
-    <dgm:pt modelId="{D258F92C-2962-470F-BE15-93D27CF2A33F}" type="pres">
-      <dgm:prSet presAssocID="{E40F0DB7-9F04-48D0-ADE0-6CA8F938769C}" presName="sibTrans" presStyleLbl="sibTrans2D1" presStyleIdx="1" presStyleCnt="3" custAng="16865935" custScaleX="208762" custLinFactX="-183056" custLinFactY="63955" custLinFactNeighborX="-200000" custLinFactNeighborY="100000"/>
-      <dgm:spPr/>
-      <dgm:t>
-        <a:bodyPr/>
-        <a:lstStyle/>
-        <a:p>
-          <a:endParaRPr lang="en-US"/>
-        </a:p>
-      </dgm:t>
-    </dgm:pt>
-    <dgm:pt modelId="{D6CAA199-B5D9-4E3E-BA23-9EFBFA6FBF19}" type="pres">
-      <dgm:prSet presAssocID="{E40F0DB7-9F04-48D0-ADE0-6CA8F938769C}" presName="connectorText" presStyleLbl="sibTrans2D1" presStyleIdx="1" presStyleCnt="3"/>
-      <dgm:spPr/>
-      <dgm:t>
-        <a:bodyPr/>
-        <a:lstStyle/>
-        <a:p>
-          <a:endParaRPr lang="en-US"/>
-        </a:p>
-      </dgm:t>
-    </dgm:pt>
-    <dgm:pt modelId="{2E1B3E18-9606-4D5E-A2B0-D2BAA7B551C1}" type="pres">
-      <dgm:prSet presAssocID="{08D9E8C5-6FBA-4E46-80B5-BE09731B0E6B}" presName="node" presStyleLbl="node1" presStyleIdx="2" presStyleCnt="4" custLinFactX="-95213" custLinFactNeighborX="-100000" custLinFactNeighborY="56929">
-        <dgm:presLayoutVars>
-          <dgm:bulletEnabled val="1"/>
-        </dgm:presLayoutVars>
-      </dgm:prSet>
-      <dgm:spPr/>
-      <dgm:t>
-        <a:bodyPr/>
-        <a:lstStyle/>
-        <a:p>
-          <a:endParaRPr lang="en-US"/>
-        </a:p>
-      </dgm:t>
-    </dgm:pt>
-    <dgm:pt modelId="{40E65179-7998-432A-B04D-E34E64040714}" type="pres">
-      <dgm:prSet presAssocID="{FB8E36C7-DC00-45D4-9F08-AF0496422597}" presName="sibTrans" presStyleLbl="sibTrans2D1" presStyleIdx="2" presStyleCnt="3" custAng="683499" custLinFactNeighborX="-19689" custLinFactNeighborY="-76600"/>
-      <dgm:spPr/>
-      <dgm:t>
-        <a:bodyPr/>
-        <a:lstStyle/>
-        <a:p>
-          <a:endParaRPr lang="en-US"/>
-        </a:p>
-      </dgm:t>
-    </dgm:pt>
-    <dgm:pt modelId="{21288CE1-1F4B-4481-B350-4DEDE62393AD}" type="pres">
-      <dgm:prSet presAssocID="{FB8E36C7-DC00-45D4-9F08-AF0496422597}" presName="connectorText" presStyleLbl="sibTrans2D1" presStyleIdx="2" presStyleCnt="3"/>
-      <dgm:spPr/>
-      <dgm:t>
-        <a:bodyPr/>
-        <a:lstStyle/>
-        <a:p>
-          <a:endParaRPr lang="en-US"/>
-        </a:p>
-      </dgm:t>
-    </dgm:pt>
-    <dgm:pt modelId="{ED717EA7-37F3-482B-8385-6BE4C5087A72}" type="pres">
-      <dgm:prSet presAssocID="{28596C74-B7B3-4E31-ACE6-0B61FD8510AE}" presName="node" presStyleLbl="node1" presStyleIdx="3" presStyleCnt="4" custLinFactX="-52191" custLinFactNeighborX="-100000" custLinFactNeighborY="-1779">
-        <dgm:presLayoutVars>
-          <dgm:bulletEnabled val="1"/>
-        </dgm:presLayoutVars>
-      </dgm:prSet>
-      <dgm:spPr/>
-      <dgm:t>
-        <a:bodyPr/>
-        <a:lstStyle/>
-        <a:p>
-          <a:endParaRPr lang="en-US"/>
-        </a:p>
-      </dgm:t>
-    </dgm:pt>
-  </dgm:ptLst>
-  <dgm:cxnLst>
-    <dgm:cxn modelId="{F3483020-3E59-416C-81EC-612FE7A2B519}" srcId="{39B1ACE4-BA06-4FB5-92F8-C2B5739194AD}" destId="{08D9E8C5-6FBA-4E46-80B5-BE09731B0E6B}" srcOrd="2" destOrd="0" parTransId="{0144FA90-3C21-45DF-9CE7-03C8AF055AA8}" sibTransId="{FB8E36C7-DC00-45D4-9F08-AF0496422597}"/>
-    <dgm:cxn modelId="{28B23E7A-09EE-4CE6-ABDF-924CBEFA6D28}" type="presOf" srcId="{39B1ACE4-BA06-4FB5-92F8-C2B5739194AD}" destId="{BFEBFC65-BD7E-4195-89F9-880B385CAB0E}" srcOrd="0" destOrd="0" presId="urn:microsoft.com/office/officeart/2005/8/layout/process1"/>
-    <dgm:cxn modelId="{FDFAE8C9-D90B-4440-8010-1E9CE9EA0E44}" srcId="{39B1ACE4-BA06-4FB5-92F8-C2B5739194AD}" destId="{28596C74-B7B3-4E31-ACE6-0B61FD8510AE}" srcOrd="3" destOrd="0" parTransId="{D502242D-9D35-4024-80D7-04999AAC7405}" sibTransId="{2F7A919D-E349-41FF-AC1A-62D288263C46}"/>
-    <dgm:cxn modelId="{ADBA022D-6AE2-46B2-8B9E-E8EA27FAA766}" type="presOf" srcId="{28596C74-B7B3-4E31-ACE6-0B61FD8510AE}" destId="{ED717EA7-37F3-482B-8385-6BE4C5087A72}" srcOrd="0" destOrd="0" presId="urn:microsoft.com/office/officeart/2005/8/layout/process1"/>
-    <dgm:cxn modelId="{9655C6B9-F66C-4DA7-87D7-C78B0C3AFED0}" type="presOf" srcId="{FB8E36C7-DC00-45D4-9F08-AF0496422597}" destId="{40E65179-7998-432A-B04D-E34E64040714}" srcOrd="0" destOrd="0" presId="urn:microsoft.com/office/officeart/2005/8/layout/process1"/>
-    <dgm:cxn modelId="{3AB3E3A4-6ACC-4A68-9FF0-0791922F3169}" type="presOf" srcId="{A4697218-540A-421E-88BC-160FA39BEBB3}" destId="{AE3325EC-9F0D-4FCA-A855-CD4A148E0F59}" srcOrd="0" destOrd="0" presId="urn:microsoft.com/office/officeart/2005/8/layout/process1"/>
-    <dgm:cxn modelId="{5472E09C-2C38-44FF-9951-871BBF19D5A3}" type="presOf" srcId="{FB8E36C7-DC00-45D4-9F08-AF0496422597}" destId="{21288CE1-1F4B-4481-B350-4DEDE62393AD}" srcOrd="1" destOrd="0" presId="urn:microsoft.com/office/officeart/2005/8/layout/process1"/>
-    <dgm:cxn modelId="{AC342157-2B80-4942-8B60-84886C1A4791}" type="presOf" srcId="{E40F0DB7-9F04-48D0-ADE0-6CA8F938769C}" destId="{D258F92C-2962-470F-BE15-93D27CF2A33F}" srcOrd="0" destOrd="0" presId="urn:microsoft.com/office/officeart/2005/8/layout/process1"/>
-    <dgm:cxn modelId="{B4BF09C1-0A74-4643-84F1-1031E935EFDF}" srcId="{39B1ACE4-BA06-4FB5-92F8-C2B5739194AD}" destId="{A4697218-540A-421E-88BC-160FA39BEBB3}" srcOrd="0" destOrd="0" parTransId="{FEED9B24-11B2-4C1D-A3EA-3FFA85E7106E}" sibTransId="{30CDC0B8-1838-4EFA-826C-BE17A7EF16F2}"/>
-    <dgm:cxn modelId="{965DB050-902B-47AC-88F4-19D766E5359B}" type="presOf" srcId="{30CDC0B8-1838-4EFA-826C-BE17A7EF16F2}" destId="{35B50378-38C6-475F-8379-8957E1FE0918}" srcOrd="1" destOrd="0" presId="urn:microsoft.com/office/officeart/2005/8/layout/process1"/>
-    <dgm:cxn modelId="{482A4FC7-C3D5-4D1E-8A31-B0D73B3CC448}" type="presOf" srcId="{FD8E41BD-BA81-4D76-A0F0-72E6D1F7E523}" destId="{C5C11C04-06AF-40F8-BF8F-6717FD89CD72}" srcOrd="0" destOrd="0" presId="urn:microsoft.com/office/officeart/2005/8/layout/process1"/>
-    <dgm:cxn modelId="{AF129104-FA3E-4BB3-8A95-18D7F1F36932}" type="presOf" srcId="{08D9E8C5-6FBA-4E46-80B5-BE09731B0E6B}" destId="{2E1B3E18-9606-4D5E-A2B0-D2BAA7B551C1}" srcOrd="0" destOrd="0" presId="urn:microsoft.com/office/officeart/2005/8/layout/process1"/>
-    <dgm:cxn modelId="{3F7FB52D-1F89-4E30-8215-237F3F4EC602}" type="presOf" srcId="{E40F0DB7-9F04-48D0-ADE0-6CA8F938769C}" destId="{D6CAA199-B5D9-4E3E-BA23-9EFBFA6FBF19}" srcOrd="1" destOrd="0" presId="urn:microsoft.com/office/officeart/2005/8/layout/process1"/>
-    <dgm:cxn modelId="{6EDDEBA0-01E4-4D95-B051-0B30D35554B6}" srcId="{39B1ACE4-BA06-4FB5-92F8-C2B5739194AD}" destId="{FD8E41BD-BA81-4D76-A0F0-72E6D1F7E523}" srcOrd="1" destOrd="0" parTransId="{A7F9AFF8-B28C-4B47-9B38-9516AD7EE6A6}" sibTransId="{E40F0DB7-9F04-48D0-ADE0-6CA8F938769C}"/>
-    <dgm:cxn modelId="{0FA1197C-F123-4D0F-AB5A-82BD213F84D2}" type="presOf" srcId="{30CDC0B8-1838-4EFA-826C-BE17A7EF16F2}" destId="{5A1AAC12-FB18-4DA1-B7E7-9B486B263E24}" srcOrd="0" destOrd="0" presId="urn:microsoft.com/office/officeart/2005/8/layout/process1"/>
-    <dgm:cxn modelId="{ABCED0E8-E174-45ED-9975-C9937979AB7E}" type="presParOf" srcId="{BFEBFC65-BD7E-4195-89F9-880B385CAB0E}" destId="{AE3325EC-9F0D-4FCA-A855-CD4A148E0F59}" srcOrd="0" destOrd="0" presId="urn:microsoft.com/office/officeart/2005/8/layout/process1"/>
-    <dgm:cxn modelId="{C28A2370-0660-48BB-8052-BDBAF6CCF4D5}" type="presParOf" srcId="{BFEBFC65-BD7E-4195-89F9-880B385CAB0E}" destId="{5A1AAC12-FB18-4DA1-B7E7-9B486B263E24}" srcOrd="1" destOrd="0" presId="urn:microsoft.com/office/officeart/2005/8/layout/process1"/>
-    <dgm:cxn modelId="{DC7C85A2-4C4D-409B-84A5-A96195F41CAC}" type="presParOf" srcId="{5A1AAC12-FB18-4DA1-B7E7-9B486B263E24}" destId="{35B50378-38C6-475F-8379-8957E1FE0918}" srcOrd="0" destOrd="0" presId="urn:microsoft.com/office/officeart/2005/8/layout/process1"/>
-    <dgm:cxn modelId="{62513DC9-6875-495D-A8B1-C471349217A5}" type="presParOf" srcId="{BFEBFC65-BD7E-4195-89F9-880B385CAB0E}" destId="{C5C11C04-06AF-40F8-BF8F-6717FD89CD72}" srcOrd="2" destOrd="0" presId="urn:microsoft.com/office/officeart/2005/8/layout/process1"/>
-    <dgm:cxn modelId="{6639D54A-7DCC-4D87-8864-BE3C60C88ECC}" type="presParOf" srcId="{BFEBFC65-BD7E-4195-89F9-880B385CAB0E}" destId="{D258F92C-2962-470F-BE15-93D27CF2A33F}" srcOrd="3" destOrd="0" presId="urn:microsoft.com/office/officeart/2005/8/layout/process1"/>
-    <dgm:cxn modelId="{BBF1F0E8-6D8C-458D-90A9-1A90636A2673}" type="presParOf" srcId="{D258F92C-2962-470F-BE15-93D27CF2A33F}" destId="{D6CAA199-B5D9-4E3E-BA23-9EFBFA6FBF19}" srcOrd="0" destOrd="0" presId="urn:microsoft.com/office/officeart/2005/8/layout/process1"/>
-    <dgm:cxn modelId="{11FB355D-B82A-4097-A5AF-19B4BAF488E2}" type="presParOf" srcId="{BFEBFC65-BD7E-4195-89F9-880B385CAB0E}" destId="{2E1B3E18-9606-4D5E-A2B0-D2BAA7B551C1}" srcOrd="4" destOrd="0" presId="urn:microsoft.com/office/officeart/2005/8/layout/process1"/>
-    <dgm:cxn modelId="{9D5A93F2-84D1-4D7B-90BC-5A43CAB9A2E2}" type="presParOf" srcId="{BFEBFC65-BD7E-4195-89F9-880B385CAB0E}" destId="{40E65179-7998-432A-B04D-E34E64040714}" srcOrd="5" destOrd="0" presId="urn:microsoft.com/office/officeart/2005/8/layout/process1"/>
-    <dgm:cxn modelId="{AE9D4281-669C-45BB-B5A7-F05CE79150C3}" type="presParOf" srcId="{40E65179-7998-432A-B04D-E34E64040714}" destId="{21288CE1-1F4B-4481-B350-4DEDE62393AD}" srcOrd="0" destOrd="0" presId="urn:microsoft.com/office/officeart/2005/8/layout/process1"/>
-    <dgm:cxn modelId="{DCE893F4-3CCB-49D6-92C1-24E190F8CA4C}" type="presParOf" srcId="{BFEBFC65-BD7E-4195-89F9-880B385CAB0E}" destId="{ED717EA7-37F3-482B-8385-6BE4C5087A72}" srcOrd="6" destOrd="0" presId="urn:microsoft.com/office/officeart/2005/8/layout/process1"/>
-  </dgm:cxnLst>
-  <dgm:bg/>
-  <dgm:whole/>
-  <dgm:extLst>
-    <a:ext uri="http://schemas.microsoft.com/office/drawing/2008/diagram">
-      <dsp:dataModelExt xmlns:dsp="http://schemas.microsoft.com/office/drawing/2008/diagram" relId="rId6" minVer="http://schemas.openxmlformats.org/drawingml/2006/diagram"/>
-    </a:ext>
-  </dgm:extLst>
-</dgm:dataModel>
-</file>
-
-<file path=ppt/diagrams/drawing1.xml><?xml version="1.0" encoding="utf-8"?>
-<dsp:drawing xmlns:dgm="http://schemas.openxmlformats.org/drawingml/2006/diagram" xmlns:dsp="http://schemas.microsoft.com/office/drawing/2008/diagram" xmlns:a="http://schemas.openxmlformats.org/drawingml/2006/main">
-  <dsp:spTree>
-    <dsp:nvGrpSpPr>
-      <dsp:cNvPr id="0" name=""/>
-      <dsp:cNvGrpSpPr/>
-    </dsp:nvGrpSpPr>
-    <dsp:grpSpPr/>
-    <dsp:sp modelId="{AE3325EC-9F0D-4FCA-A855-CD4A148E0F59}">
-      <dsp:nvSpPr>
-        <dsp:cNvPr id="0" name=""/>
-        <dsp:cNvSpPr/>
-      </dsp:nvSpPr>
-      <dsp:spPr>
-        <a:xfrm>
-          <a:off x="3001" y="1726582"/>
-          <a:ext cx="1312399" cy="898173"/>
-        </a:xfrm>
-        <a:prstGeom prst="roundRect">
-          <a:avLst>
-            <a:gd name="adj" fmla="val 10000"/>
-          </a:avLst>
-        </a:prstGeom>
-        <a:solidFill>
-          <a:schemeClr val="accent1">
-            <a:hueOff val="0"/>
-            <a:satOff val="0"/>
-            <a:lumOff val="0"/>
-            <a:alphaOff val="0"/>
-          </a:schemeClr>
-        </a:solidFill>
-        <a:ln w="12700" cap="flat" cmpd="sng" algn="ctr">
-          <a:solidFill>
-            <a:schemeClr val="lt1">
-              <a:hueOff val="0"/>
-              <a:satOff val="0"/>
-              <a:lumOff val="0"/>
-              <a:alphaOff val="0"/>
-            </a:schemeClr>
-          </a:solidFill>
-          <a:prstDash val="solid"/>
-          <a:miter lim="800000"/>
-        </a:ln>
-        <a:effectLst/>
-      </dsp:spPr>
-      <dsp:style>
-        <a:lnRef idx="2">
-          <a:scrgbClr r="0" g="0" b="0"/>
-        </a:lnRef>
-        <a:fillRef idx="1">
-          <a:scrgbClr r="0" g="0" b="0"/>
-        </a:fillRef>
-        <a:effectRef idx="0">
-          <a:scrgbClr r="0" g="0" b="0"/>
-        </a:effectRef>
-        <a:fontRef idx="minor">
-          <a:schemeClr val="lt1"/>
-        </a:fontRef>
-      </dsp:style>
-      <dsp:txBody>
-        <a:bodyPr spcFirstLastPara="0" vert="horz" wrap="square" lIns="64770" tIns="64770" rIns="64770" bIns="64770" numCol="1" spcCol="1270" anchor="ctr" anchorCtr="0">
-          <a:noAutofit/>
-        </a:bodyPr>
-        <a:lstStyle/>
-        <a:p>
-          <a:pPr lvl="0" algn="ctr" defTabSz="755650">
-            <a:lnSpc>
-              <a:spcPct val="90000"/>
-            </a:lnSpc>
-            <a:spcBef>
-              <a:spcPct val="0"/>
-            </a:spcBef>
-            <a:spcAft>
-              <a:spcPct val="35000"/>
-            </a:spcAft>
-          </a:pPr>
-          <a:r>
-            <a:rPr lang="en-US" sz="1700" kern="1200" dirty="0" smtClean="0"/>
-            <a:t>Problem With Known Solution</a:t>
-          </a:r>
-          <a:endParaRPr lang="en-US" sz="1700" kern="1200" dirty="0"/>
-        </a:p>
-      </dsp:txBody>
-      <dsp:txXfrm>
-        <a:off x="29308" y="1752889"/>
-        <a:ext cx="1259785" cy="845559"/>
-      </dsp:txXfrm>
-    </dsp:sp>
-    <dsp:sp modelId="{5A1AAC12-FB18-4DA1-B7E7-9B486B263E24}">
-      <dsp:nvSpPr>
-        <dsp:cNvPr id="0" name=""/>
-        <dsp:cNvSpPr/>
-      </dsp:nvSpPr>
-      <dsp:spPr>
-        <a:xfrm rot="20130062">
-          <a:off x="1319304" y="1589871"/>
-          <a:ext cx="536521" cy="325475"/>
-        </a:xfrm>
-        <a:prstGeom prst="rightArrow">
-          <a:avLst>
-            <a:gd name="adj1" fmla="val 60000"/>
-            <a:gd name="adj2" fmla="val 50000"/>
-          </a:avLst>
-        </a:prstGeom>
-        <a:solidFill>
-          <a:schemeClr val="accent1">
-            <a:tint val="60000"/>
-            <a:hueOff val="0"/>
-            <a:satOff val="0"/>
-            <a:lumOff val="0"/>
-            <a:alphaOff val="0"/>
-          </a:schemeClr>
-        </a:solidFill>
-        <a:ln>
-          <a:noFill/>
-        </a:ln>
-        <a:effectLst/>
-      </dsp:spPr>
-      <dsp:style>
-        <a:lnRef idx="0">
-          <a:scrgbClr r="0" g="0" b="0"/>
-        </a:lnRef>
-        <a:fillRef idx="1">
-          <a:scrgbClr r="0" g="0" b="0"/>
-        </a:fillRef>
-        <a:effectRef idx="0">
-          <a:scrgbClr r="0" g="0" b="0"/>
-        </a:effectRef>
-        <a:fontRef idx="minor">
-          <a:schemeClr val="lt1"/>
-        </a:fontRef>
-      </dsp:style>
-      <dsp:txBody>
-        <a:bodyPr spcFirstLastPara="0" vert="horz" wrap="square" lIns="0" tIns="0" rIns="0" bIns="0" numCol="1" spcCol="1270" anchor="ctr" anchorCtr="0">
-          <a:noAutofit/>
-        </a:bodyPr>
-        <a:lstStyle/>
-        <a:p>
-          <a:pPr lvl="0" algn="ctr" defTabSz="577850">
-            <a:lnSpc>
-              <a:spcPct val="90000"/>
-            </a:lnSpc>
-            <a:spcBef>
-              <a:spcPct val="0"/>
-            </a:spcBef>
-            <a:spcAft>
-              <a:spcPct val="35000"/>
-            </a:spcAft>
-          </a:pPr>
-          <a:endParaRPr lang="en-US" sz="1300" kern="1200"/>
-        </a:p>
-      </dsp:txBody>
-      <dsp:txXfrm>
-        <a:off x="1323699" y="1675211"/>
-        <a:ext cx="438879" cy="195285"/>
-      </dsp:txXfrm>
-    </dsp:sp>
-    <dsp:sp modelId="{C5C11C04-06AF-40F8-BF8F-6717FD89CD72}">
-      <dsp:nvSpPr>
-        <dsp:cNvPr id="0" name=""/>
-        <dsp:cNvSpPr/>
-      </dsp:nvSpPr>
-      <dsp:spPr>
-        <a:xfrm>
-          <a:off x="1843874" y="887687"/>
-          <a:ext cx="1312399" cy="898173"/>
-        </a:xfrm>
-        <a:prstGeom prst="roundRect">
-          <a:avLst>
-            <a:gd name="adj" fmla="val 10000"/>
-          </a:avLst>
-        </a:prstGeom>
-        <a:solidFill>
-          <a:schemeClr val="accent1">
-            <a:hueOff val="0"/>
-            <a:satOff val="0"/>
-            <a:lumOff val="0"/>
-            <a:alphaOff val="0"/>
-          </a:schemeClr>
-        </a:solidFill>
-        <a:ln w="12700" cap="flat" cmpd="sng" algn="ctr">
-          <a:solidFill>
-            <a:schemeClr val="lt1">
-              <a:hueOff val="0"/>
-              <a:satOff val="0"/>
-              <a:lumOff val="0"/>
-              <a:alphaOff val="0"/>
-            </a:schemeClr>
-          </a:solidFill>
-          <a:prstDash val="solid"/>
-          <a:miter lim="800000"/>
-        </a:ln>
-        <a:effectLst/>
-      </dsp:spPr>
-      <dsp:style>
-        <a:lnRef idx="2">
-          <a:scrgbClr r="0" g="0" b="0"/>
-        </a:lnRef>
-        <a:fillRef idx="1">
-          <a:scrgbClr r="0" g="0" b="0"/>
-        </a:fillRef>
-        <a:effectRef idx="0">
-          <a:scrgbClr r="0" g="0" b="0"/>
-        </a:effectRef>
-        <a:fontRef idx="minor">
-          <a:schemeClr val="lt1"/>
-        </a:fontRef>
-      </dsp:style>
-      <dsp:txBody>
-        <a:bodyPr spcFirstLastPara="0" vert="horz" wrap="square" lIns="64770" tIns="64770" rIns="64770" bIns="64770" numCol="1" spcCol="1270" anchor="ctr" anchorCtr="0">
-          <a:noAutofit/>
-        </a:bodyPr>
-        <a:lstStyle/>
-        <a:p>
-          <a:pPr lvl="0" algn="ctr" defTabSz="755650">
-            <a:lnSpc>
-              <a:spcPct val="90000"/>
-            </a:lnSpc>
-            <a:spcBef>
-              <a:spcPct val="0"/>
-            </a:spcBef>
-            <a:spcAft>
-              <a:spcPct val="35000"/>
-            </a:spcAft>
-          </a:pPr>
-          <a:r>
-            <a:rPr lang="en-US" sz="1700" kern="1200" dirty="0" smtClean="0"/>
-            <a:t>FEM</a:t>
-          </a:r>
-          <a:endParaRPr lang="en-US" sz="1700" kern="1200" dirty="0"/>
-        </a:p>
-      </dsp:txBody>
-      <dsp:txXfrm>
-        <a:off x="1870181" y="913994"/>
-        <a:ext cx="1259785" cy="845559"/>
-      </dsp:txXfrm>
-    </dsp:sp>
-    <dsp:sp modelId="{D258F92C-2962-470F-BE15-93D27CF2A33F}">
-      <dsp:nvSpPr>
-        <dsp:cNvPr id="0" name=""/>
-        <dsp:cNvSpPr/>
-      </dsp:nvSpPr>
-      <dsp:spPr>
-        <a:xfrm rot="515020">
-          <a:off x="1361089" y="2389558"/>
-          <a:ext cx="500638" cy="325475"/>
-        </a:xfrm>
-        <a:prstGeom prst="rightArrow">
-          <a:avLst>
-            <a:gd name="adj1" fmla="val 60000"/>
-            <a:gd name="adj2" fmla="val 50000"/>
-          </a:avLst>
-        </a:prstGeom>
-        <a:solidFill>
-          <a:schemeClr val="accent1">
-            <a:tint val="60000"/>
-            <a:hueOff val="0"/>
-            <a:satOff val="0"/>
-            <a:lumOff val="0"/>
-            <a:alphaOff val="0"/>
-          </a:schemeClr>
-        </a:solidFill>
-        <a:ln>
-          <a:noFill/>
-        </a:ln>
-        <a:effectLst/>
-      </dsp:spPr>
-      <dsp:style>
-        <a:lnRef idx="0">
-          <a:scrgbClr r="0" g="0" b="0"/>
-        </a:lnRef>
-        <a:fillRef idx="1">
-          <a:scrgbClr r="0" g="0" b="0"/>
-        </a:fillRef>
-        <a:effectRef idx="0">
-          <a:scrgbClr r="0" g="0" b="0"/>
-        </a:effectRef>
-        <a:fontRef idx="minor">
-          <a:schemeClr val="lt1"/>
-        </a:fontRef>
-      </dsp:style>
-      <dsp:txBody>
-        <a:bodyPr spcFirstLastPara="0" vert="horz" wrap="square" lIns="0" tIns="0" rIns="0" bIns="0" numCol="1" spcCol="1270" anchor="ctr" anchorCtr="0">
-          <a:noAutofit/>
-        </a:bodyPr>
-        <a:lstStyle/>
-        <a:p>
-          <a:pPr lvl="0" algn="ctr" defTabSz="577850">
-            <a:lnSpc>
-              <a:spcPct val="90000"/>
-            </a:lnSpc>
-            <a:spcBef>
-              <a:spcPct val="0"/>
-            </a:spcBef>
-            <a:spcAft>
-              <a:spcPct val="35000"/>
-            </a:spcAft>
-          </a:pPr>
-          <a:endParaRPr lang="en-US" sz="1300" kern="1200"/>
-        </a:p>
-      </dsp:txBody>
-      <dsp:txXfrm>
-        <a:off x="1361636" y="2447366"/>
-        <a:ext cx="402996" cy="195285"/>
-      </dsp:txXfrm>
-    </dsp:sp>
-    <dsp:sp modelId="{2E1B3E18-9606-4D5E-A2B0-D2BAA7B551C1}">
-      <dsp:nvSpPr>
-        <dsp:cNvPr id="0" name=""/>
-        <dsp:cNvSpPr/>
-      </dsp:nvSpPr>
-      <dsp:spPr>
-        <a:xfrm>
-          <a:off x="1903186" y="2237903"/>
-          <a:ext cx="1312399" cy="898173"/>
-        </a:xfrm>
-        <a:prstGeom prst="roundRect">
-          <a:avLst>
-            <a:gd name="adj" fmla="val 10000"/>
-          </a:avLst>
-        </a:prstGeom>
-        <a:solidFill>
-          <a:schemeClr val="accent1">
-            <a:hueOff val="0"/>
-            <a:satOff val="0"/>
-            <a:lumOff val="0"/>
-            <a:alphaOff val="0"/>
-          </a:schemeClr>
-        </a:solidFill>
-        <a:ln w="12700" cap="flat" cmpd="sng" algn="ctr">
-          <a:solidFill>
-            <a:schemeClr val="lt1">
-              <a:hueOff val="0"/>
-              <a:satOff val="0"/>
-              <a:lumOff val="0"/>
-              <a:alphaOff val="0"/>
-            </a:schemeClr>
-          </a:solidFill>
-          <a:prstDash val="solid"/>
-          <a:miter lim="800000"/>
-        </a:ln>
-        <a:effectLst/>
-      </dsp:spPr>
-      <dsp:style>
-        <a:lnRef idx="2">
-          <a:scrgbClr r="0" g="0" b="0"/>
-        </a:lnRef>
-        <a:fillRef idx="1">
-          <a:scrgbClr r="0" g="0" b="0"/>
-        </a:fillRef>
-        <a:effectRef idx="0">
-          <a:scrgbClr r="0" g="0" b="0"/>
-        </a:effectRef>
-        <a:fontRef idx="minor">
-          <a:schemeClr val="lt1"/>
-        </a:fontRef>
-      </dsp:style>
-      <dsp:txBody>
-        <a:bodyPr spcFirstLastPara="0" vert="horz" wrap="square" lIns="64770" tIns="64770" rIns="64770" bIns="64770" numCol="1" spcCol="1270" anchor="ctr" anchorCtr="0">
-          <a:noAutofit/>
-        </a:bodyPr>
-        <a:lstStyle/>
-        <a:p>
-          <a:pPr lvl="0" algn="ctr" defTabSz="755650">
-            <a:lnSpc>
-              <a:spcPct val="90000"/>
-            </a:lnSpc>
-            <a:spcBef>
-              <a:spcPct val="0"/>
-            </a:spcBef>
-            <a:spcAft>
-              <a:spcPct val="35000"/>
-            </a:spcAft>
-          </a:pPr>
-          <a:r>
-            <a:rPr lang="en-US" sz="1700" kern="1200" dirty="0" smtClean="0"/>
-            <a:t>Analytical</a:t>
-          </a:r>
-          <a:endParaRPr lang="en-US" sz="1700" kern="1200" dirty="0"/>
-        </a:p>
-      </dsp:txBody>
-      <dsp:txXfrm>
-        <a:off x="1929493" y="2264210"/>
-        <a:ext cx="1259785" cy="845559"/>
-      </dsp:txXfrm>
-    </dsp:sp>
-    <dsp:sp modelId="{40E65179-7998-432A-B04D-E34E64040714}">
-      <dsp:nvSpPr>
-        <dsp:cNvPr id="0" name=""/>
-        <dsp:cNvSpPr/>
-      </dsp:nvSpPr>
-      <dsp:spPr>
-        <a:xfrm rot="21540605">
-          <a:off x="3364698" y="2007700"/>
-          <a:ext cx="591228" cy="325475"/>
-        </a:xfrm>
-        <a:prstGeom prst="rightArrow">
-          <a:avLst>
-            <a:gd name="adj1" fmla="val 60000"/>
-            <a:gd name="adj2" fmla="val 50000"/>
-          </a:avLst>
-        </a:prstGeom>
-        <a:solidFill>
-          <a:schemeClr val="accent1">
-            <a:tint val="60000"/>
-            <a:hueOff val="0"/>
-            <a:satOff val="0"/>
-            <a:lumOff val="0"/>
-            <a:alphaOff val="0"/>
-          </a:schemeClr>
-        </a:solidFill>
-        <a:ln>
-          <a:noFill/>
-        </a:ln>
-        <a:effectLst/>
-      </dsp:spPr>
-      <dsp:style>
-        <a:lnRef idx="0">
-          <a:scrgbClr r="0" g="0" b="0"/>
-        </a:lnRef>
-        <a:fillRef idx="1">
-          <a:scrgbClr r="0" g="0" b="0"/>
-        </a:fillRef>
-        <a:effectRef idx="0">
-          <a:scrgbClr r="0" g="0" b="0"/>
-        </a:effectRef>
-        <a:fontRef idx="minor">
-          <a:schemeClr val="lt1"/>
-        </a:fontRef>
-      </dsp:style>
-      <dsp:txBody>
-        <a:bodyPr spcFirstLastPara="0" vert="horz" wrap="square" lIns="0" tIns="0" rIns="0" bIns="0" numCol="1" spcCol="1270" anchor="ctr" anchorCtr="0">
-          <a:noAutofit/>
-        </a:bodyPr>
-        <a:lstStyle/>
-        <a:p>
-          <a:pPr lvl="0" algn="ctr" defTabSz="577850">
-            <a:lnSpc>
-              <a:spcPct val="90000"/>
-            </a:lnSpc>
-            <a:spcBef>
-              <a:spcPct val="0"/>
-            </a:spcBef>
-            <a:spcAft>
-              <a:spcPct val="35000"/>
-            </a:spcAft>
-          </a:pPr>
-          <a:endParaRPr lang="en-US" sz="1300" kern="1200"/>
-        </a:p>
-      </dsp:txBody>
-      <dsp:txXfrm>
-        <a:off x="3364705" y="2073638"/>
-        <a:ext cx="493586" cy="195285"/>
-      </dsp:txXfrm>
-    </dsp:sp>
-    <dsp:sp modelId="{ED717EA7-37F3-482B-8385-6BE4C5087A72}">
-      <dsp:nvSpPr>
-        <dsp:cNvPr id="0" name=""/>
-        <dsp:cNvSpPr/>
-      </dsp:nvSpPr>
-      <dsp:spPr>
-        <a:xfrm>
-          <a:off x="4305166" y="1710603"/>
-          <a:ext cx="1312399" cy="898173"/>
-        </a:xfrm>
-        <a:prstGeom prst="roundRect">
-          <a:avLst>
-            <a:gd name="adj" fmla="val 10000"/>
-          </a:avLst>
-        </a:prstGeom>
-        <a:solidFill>
-          <a:schemeClr val="accent1">
-            <a:hueOff val="0"/>
-            <a:satOff val="0"/>
-            <a:lumOff val="0"/>
-            <a:alphaOff val="0"/>
-          </a:schemeClr>
-        </a:solidFill>
-        <a:ln w="12700" cap="flat" cmpd="sng" algn="ctr">
-          <a:solidFill>
-            <a:schemeClr val="lt1">
-              <a:hueOff val="0"/>
-              <a:satOff val="0"/>
-              <a:lumOff val="0"/>
-              <a:alphaOff val="0"/>
-            </a:schemeClr>
-          </a:solidFill>
-          <a:prstDash val="solid"/>
-          <a:miter lim="800000"/>
-        </a:ln>
-        <a:effectLst/>
-      </dsp:spPr>
-      <dsp:style>
-        <a:lnRef idx="2">
-          <a:scrgbClr r="0" g="0" b="0"/>
-        </a:lnRef>
-        <a:fillRef idx="1">
-          <a:scrgbClr r="0" g="0" b="0"/>
-        </a:fillRef>
-        <a:effectRef idx="0">
-          <a:scrgbClr r="0" g="0" b="0"/>
-        </a:effectRef>
-        <a:fontRef idx="minor">
-          <a:schemeClr val="lt1"/>
-        </a:fontRef>
-      </dsp:style>
-      <dsp:txBody>
-        <a:bodyPr spcFirstLastPara="0" vert="horz" wrap="square" lIns="64770" tIns="64770" rIns="64770" bIns="64770" numCol="1" spcCol="1270" anchor="ctr" anchorCtr="0">
-          <a:noAutofit/>
-        </a:bodyPr>
-        <a:lstStyle/>
-        <a:p>
-          <a:pPr lvl="0" algn="ctr" defTabSz="755650">
-            <a:lnSpc>
-              <a:spcPct val="90000"/>
-            </a:lnSpc>
-            <a:spcBef>
-              <a:spcPct val="0"/>
-            </a:spcBef>
-            <a:spcAft>
-              <a:spcPct val="35000"/>
-            </a:spcAft>
-          </a:pPr>
-          <a:r>
-            <a:rPr lang="en-US" sz="1700" kern="1200" dirty="0" smtClean="0"/>
-            <a:t>Comparison</a:t>
-          </a:r>
-          <a:endParaRPr lang="en-US" sz="1700" kern="1200" dirty="0"/>
-        </a:p>
-      </dsp:txBody>
-      <dsp:txXfrm>
-        <a:off x="4331473" y="1736910"/>
-        <a:ext cx="1259785" cy="845559"/>
-      </dsp:txXfrm>
-    </dsp:sp>
-  </dsp:spTree>
-</dsp:drawing>
-</file>
-
-<file path=ppt/diagrams/layout1.xml><?xml version="1.0" encoding="utf-8"?>
-<dgm:layoutDef xmlns:dgm="http://schemas.openxmlformats.org/drawingml/2006/diagram" xmlns:a="http://schemas.openxmlformats.org/drawingml/2006/main" uniqueId="urn:microsoft.com/office/officeart/2005/8/layout/process1">
-  <dgm:title val=""/>
-  <dgm:desc val=""/>
-  <dgm:catLst>
-    <dgm:cat type="process" pri="1000"/>
-    <dgm:cat type="convert" pri="15000"/>
-  </dgm:catLst>
-  <dgm:sampData useDef="1">
-    <dgm:dataModel>
-      <dgm:ptLst/>
-      <dgm:bg/>
-      <dgm:whole/>
-    </dgm:dataModel>
-  </dgm:sampData>
-  <dgm:styleData>
-    <dgm:dataModel>
-      <dgm:ptLst>
-        <dgm:pt modelId="0" type="doc"/>
-        <dgm:pt modelId="1"/>
-        <dgm:pt modelId="2"/>
-      </dgm:ptLst>
-      <dgm:cxnLst>
-        <dgm:cxn modelId="3" srcId="0" destId="1" srcOrd="0" destOrd="0"/>
-        <dgm:cxn modelId="4" srcId="0" destId="2" srcOrd="1" destOrd="0"/>
-      </dgm:cxnLst>
-      <dgm:bg/>
-      <dgm:whole/>
-    </dgm:dataModel>
-  </dgm:styleData>
-  <dgm:clrData>
-    <dgm:dataModel>
-      <dgm:ptLst>
-        <dgm:pt modelId="0" type="doc"/>
-        <dgm:pt modelId="1"/>
-        <dgm:pt modelId="2"/>
-        <dgm:pt modelId="3"/>
-        <dgm:pt modelId="4"/>
-      </dgm:ptLst>
-      <dgm:cxnLst>
-        <dgm:cxn modelId="5" srcId="0" destId="1" srcOrd="0" destOrd="0"/>
-        <dgm:cxn modelId="6" srcId="0" destId="2" srcOrd="1" destOrd="0"/>
-        <dgm:cxn modelId="7" srcId="0" destId="3" srcOrd="2" destOrd="0"/>
-        <dgm:cxn modelId="8" srcId="0" destId="4" srcOrd="3" destOrd="0"/>
-      </dgm:cxnLst>
-      <dgm:bg/>
-      <dgm:whole/>
-    </dgm:dataModel>
-  </dgm:clrData>
-  <dgm:layoutNode name="Name0">
-    <dgm:varLst>
-      <dgm:dir/>
-      <dgm:resizeHandles val="exact"/>
-    </dgm:varLst>
-    <dgm:choose name="Name1">
-      <dgm:if name="Name2" func="var" arg="dir" op="equ" val="norm">
-        <dgm:alg type="lin"/>
-      </dgm:if>
-      <dgm:else name="Name3">
-        <dgm:alg type="lin">
-          <dgm:param type="linDir" val="fromR"/>
-        </dgm:alg>
-      </dgm:else>
-    </dgm:choose>
-    <dgm:shape xmlns:r="http://schemas.openxmlformats.org/officeDocument/2006/relationships" r:blip="">
-      <dgm:adjLst/>
-    </dgm:shape>
-    <dgm:presOf/>
-    <dgm:constrLst>
-      <dgm:constr type="w" for="ch" ptType="node" refType="w"/>
-      <dgm:constr type="h" for="ch" ptType="node" op="equ"/>
-      <dgm:constr type="primFontSz" for="ch" ptType="node" op="equ" val="65"/>
-      <dgm:constr type="w" for="ch" ptType="sibTrans" refType="w" refFor="ch" refPtType="node" op="equ" fact="0.4"/>
-      <dgm:constr type="h" for="ch" ptType="sibTrans" op="equ"/>
-      <dgm:constr type="primFontSz" for="des" forName="connectorText" op="equ" val="55"/>
-      <dgm:constr type="primFontSz" for="des" forName="connectorText" refType="primFontSz" refFor="ch" refPtType="node" op="lte" fact="0.8"/>
-    </dgm:constrLst>
-    <dgm:ruleLst/>
-    <dgm:forEach name="nodesForEach" axis="ch" ptType="node">
-      <dgm:layoutNode name="node">
-        <dgm:varLst>
-          <dgm:bulletEnabled val="1"/>
-        </dgm:varLst>
-        <dgm:alg type="tx"/>
-        <dgm:shape xmlns:r="http://schemas.openxmlformats.org/officeDocument/2006/relationships" type="roundRect" r:blip="">
-          <dgm:adjLst>
-            <dgm:adj idx="1" val="0.1"/>
-          </dgm:adjLst>
-        </dgm:shape>
-        <dgm:presOf axis="desOrSelf" ptType="node"/>
-        <dgm:constrLst>
-          <dgm:constr type="h" refType="w" fact="0.6"/>
-          <dgm:constr type="tMarg" refType="primFontSz" fact="0.3"/>
-          <dgm:constr type="bMarg" refType="primFontSz" fact="0.3"/>
-          <dgm:constr type="lMarg" refType="primFontSz" fact="0.3"/>
-          <dgm:constr type="rMarg" refType="primFontSz" fact="0.3"/>
-        </dgm:constrLst>
-        <dgm:ruleLst>
-          <dgm:rule type="primFontSz" val="18" fact="NaN" max="NaN"/>
-          <dgm:rule type="h" val="NaN" fact="1.5" max="NaN"/>
-          <dgm:rule type="primFontSz" val="5" fact="NaN" max="NaN"/>
-          <dgm:rule type="h" val="INF" fact="NaN" max="NaN"/>
-        </dgm:ruleLst>
-      </dgm:layoutNode>
-      <dgm:forEach name="sibTransForEach" axis="followSib" ptType="sibTrans" cnt="1">
-        <dgm:layoutNode name="sibTrans">
-          <dgm:alg type="conn">
-            <dgm:param type="begPts" val="auto"/>
-            <dgm:param type="endPts" val="auto"/>
-          </dgm:alg>
-          <dgm:shape xmlns:r="http://schemas.openxmlformats.org/officeDocument/2006/relationships" type="conn" r:blip="">
-            <dgm:adjLst/>
-          </dgm:shape>
-          <dgm:presOf axis="self"/>
-          <dgm:constrLst>
-            <dgm:constr type="h" refType="w" fact="0.62"/>
-            <dgm:constr type="connDist"/>
-            <dgm:constr type="begPad" refType="connDist" fact="0.25"/>
-            <dgm:constr type="endPad" refType="connDist" fact="0.22"/>
-          </dgm:constrLst>
-          <dgm:ruleLst/>
-          <dgm:layoutNode name="connectorText">
-            <dgm:alg type="tx">
-              <dgm:param type="autoTxRot" val="grav"/>
-            </dgm:alg>
-            <dgm:shape xmlns:r="http://schemas.openxmlformats.org/officeDocument/2006/relationships" type="conn" r:blip="" hideGeom="1">
-              <dgm:adjLst/>
-            </dgm:shape>
-            <dgm:presOf axis="self"/>
-            <dgm:constrLst>
-              <dgm:constr type="lMarg"/>
-              <dgm:constr type="rMarg"/>
-              <dgm:constr type="tMarg"/>
-              <dgm:constr type="bMarg"/>
-            </dgm:constrLst>
-            <dgm:ruleLst>
-              <dgm:rule type="primFontSz" val="5" fact="NaN" max="NaN"/>
-            </dgm:ruleLst>
-          </dgm:layoutNode>
-        </dgm:layoutNode>
-      </dgm:forEach>
-    </dgm:forEach>
-  </dgm:layoutNode>
-</dgm:layoutDef>
-</file>
-
-<file path=ppt/diagrams/quickStyle1.xml><?xml version="1.0" encoding="utf-8"?>
-<dgm:styleDef xmlns:dgm="http://schemas.openxmlformats.org/drawingml/2006/diagram" xmlns:a="http://schemas.openxmlformats.org/drawingml/2006/main" uniqueId="urn:microsoft.com/office/officeart/2005/8/quickstyle/simple1">
-  <dgm:title val=""/>
-  <dgm:desc val=""/>
-  <dgm:catLst>
-    <dgm:cat type="simple" pri="10100"/>
-  </dgm:catLst>
-  <dgm:scene3d>
-    <a:camera prst="orthographicFront"/>
-    <a:lightRig rig="threePt" dir="t"/>
-  </dgm:scene3d>
-  <dgm:styleLbl name="node0">
-    <dgm:scene3d>
-      <a:camera prst="orthographicFront"/>
-      <a:lightRig rig="threePt" dir="t"/>
-    </dgm:scene3d>
-    <dgm:sp3d/>
-    <dgm:txPr/>
-    <dgm:style>
-      <a:lnRef idx="2">
-        <a:scrgbClr r="0" g="0" b="0"/>
-      </a:lnRef>
-      <a:fillRef idx="1">
-        <a:scrgbClr r="0" g="0" b="0"/>
-      </a:fillRef>
-      <a:effectRef idx="0">
-        <a:scrgbClr r="0" g="0" b="0"/>
-      </a:effectRef>
-      <a:fontRef idx="minor">
-        <a:schemeClr val="lt1"/>
-      </a:fontRef>
-    </dgm:style>
-  </dgm:styleLbl>
-  <dgm:styleLbl name="lnNode1">
-    <dgm:scene3d>
-      <a:camera prst="orthographicFront"/>
-      <a:lightRig rig="threePt" dir="t"/>
-    </dgm:scene3d>
-    <dgm:sp3d/>
-    <dgm:txPr/>
-    <dgm:style>
-      <a:lnRef idx="2">
-        <a:scrgbClr r="0" g="0" b="0"/>
-      </a:lnRef>
-      <a:fillRef idx="1">
-        <a:scrgbClr r="0" g="0" b="0"/>
-      </a:fillRef>
-      <a:effectRef idx="0">
-        <a:scrgbClr r="0" g="0" b="0"/>
-      </a:effectRef>
-      <a:fontRef idx="minor">
-        <a:schemeClr val="lt1"/>
-      </a:fontRef>
-    </dgm:style>
-  </dgm:styleLbl>
-  <dgm:styleLbl name="vennNode1">
-    <dgm:scene3d>
-      <a:camera prst="orthographicFront"/>
-      <a:lightRig rig="threePt" dir="t"/>
-    </dgm:scene3d>
-    <dgm:sp3d/>
-    <dgm:txPr/>
-    <dgm:style>
-      <a:lnRef idx="2">
-        <a:scrgbClr r="0" g="0" b="0"/>
-      </a:lnRef>
-      <a:fillRef idx="1">
-        <a:scrgbClr r="0" g="0" b="0"/>
-      </a:fillRef>
-      <a:effectRef idx="0">
-        <a:scrgbClr r="0" g="0" b="0"/>
-      </a:effectRef>
-      <a:fontRef idx="minor">
-        <a:schemeClr val="tx1"/>
-      </a:fontRef>
-    </dgm:style>
-  </dgm:styleLbl>
-  <dgm:styleLbl name="alignNode1">
-    <dgm:scene3d>
-      <a:camera prst="orthographicFront"/>
-      <a:lightRig rig="threePt" dir="t"/>
-    </dgm:scene3d>
-    <dgm:sp3d/>
-    <dgm:txPr/>
-    <dgm:style>
-      <a:lnRef idx="2">
-        <a:scrgbClr r="0" g="0" b="0"/>
-      </a:lnRef>
-      <a:fillRef idx="1">
-        <a:scrgbClr r="0" g="0" b="0"/>
-      </a:fillRef>
-      <a:effectRef idx="0">
-        <a:scrgbClr r="0" g="0" b="0"/>
-      </a:effectRef>
-      <a:fontRef idx="minor">
-        <a:schemeClr val="lt1"/>
-      </a:fontRef>
-    </dgm:style>
-  </dgm:styleLbl>
-  <dgm:styleLbl name="node1">
-    <dgm:scene3d>
-      <a:camera prst="orthographicFront"/>
-      <a:lightRig rig="threePt" dir="t"/>
-    </dgm:scene3d>
-    <dgm:sp3d/>
-    <dgm:txPr/>
-    <dgm:style>
-      <a:lnRef idx="2">
-        <a:scrgbClr r="0" g="0" b="0"/>
-      </a:lnRef>
-      <a:fillRef idx="1">
-        <a:scrgbClr r="0" g="0" b="0"/>
-      </a:fillRef>
-      <a:effectRef idx="0">
-        <a:scrgbClr r="0" g="0" b="0"/>
-      </a:effectRef>
-      <a:fontRef idx="minor">
-        <a:schemeClr val="lt1"/>
-      </a:fontRef>
-    </dgm:style>
-  </dgm:styleLbl>
-  <dgm:styleLbl name="node2">
-    <dgm:scene3d>
-      <a:camera prst="orthographicFront"/>
-      <a:lightRig rig="threePt" dir="t"/>
-    </dgm:scene3d>
-    <dgm:sp3d/>
-    <dgm:txPr/>
-    <dgm:style>
-      <a:lnRef idx="2">
-        <a:scrgbClr r="0" g="0" b="0"/>
-      </a:lnRef>
-      <a:fillRef idx="1">
-        <a:scrgbClr r="0" g="0" b="0"/>
-      </a:fillRef>
-      <a:effectRef idx="0">
-        <a:scrgbClr r="0" g="0" b="0"/>
-      </a:effectRef>
-      <a:fontRef idx="minor">
-        <a:schemeClr val="lt1"/>
-      </a:fontRef>
-    </dgm:style>
-  </dgm:styleLbl>
-  <dgm:styleLbl name="node3">
-    <dgm:scene3d>
-      <a:camera prst="orthographicFront"/>
-      <a:lightRig rig="threePt" dir="t"/>
-    </dgm:scene3d>
-    <dgm:sp3d/>
-    <dgm:txPr/>
-    <dgm:style>
-      <a:lnRef idx="2">
-        <a:scrgbClr r="0" g="0" b="0"/>
-      </a:lnRef>
-      <a:fillRef idx="1">
-        <a:scrgbClr r="0" g="0" b="0"/>
-      </a:fillRef>
-      <a:effectRef idx="0">
-        <a:scrgbClr r="0" g="0" b="0"/>
-      </a:effectRef>
-      <a:fontRef idx="minor">
-        <a:schemeClr val="lt1"/>
-      </a:fontRef>
-    </dgm:style>
-  </dgm:styleLbl>
-  <dgm:styleLbl name="node4">
-    <dgm:scene3d>
-      <a:camera prst="orthographicFront"/>
-      <a:lightRig rig="threePt" dir="t"/>
-    </dgm:scene3d>
-    <dgm:sp3d/>
-    <dgm:txPr/>
-    <dgm:style>
-      <a:lnRef idx="2">
-        <a:scrgbClr r="0" g="0" b="0"/>
-      </a:lnRef>
-      <a:fillRef idx="1">
-        <a:scrgbClr r="0" g="0" b="0"/>
-      </a:fillRef>
-      <a:effectRef idx="0">
-        <a:scrgbClr r="0" g="0" b="0"/>
-      </a:effectRef>
-      <a:fontRef idx="minor">
-        <a:schemeClr val="lt1"/>
-      </a:fontRef>
-    </dgm:style>
-  </dgm:styleLbl>
-  <dgm:styleLbl name="fgImgPlace1">
-    <dgm:scene3d>
-      <a:camera prst="orthographicFront"/>
-      <a:lightRig rig="threePt" dir="t"/>
-    </dgm:scene3d>
-    <dgm:sp3d/>
-    <dgm:txPr/>
-    <dgm:style>
-      <a:lnRef idx="2">
-        <a:scrgbClr r="0" g="0" b="0"/>
-      </a:lnRef>
-      <a:fillRef idx="1">
-        <a:scrgbClr r="0" g="0" b="0"/>
-      </a:fillRef>
-      <a:effectRef idx="0">
-        <a:scrgbClr r="0" g="0" b="0"/>
-      </a:effectRef>
-      <a:fontRef idx="minor"/>
-    </dgm:style>
-  </dgm:styleLbl>
-  <dgm:styleLbl name="alignImgPlace1">
-    <dgm:scene3d>
-      <a:camera prst="orthographicFront"/>
-      <a:lightRig rig="threePt" dir="t"/>
-    </dgm:scene3d>
-    <dgm:sp3d/>
-    <dgm:txPr/>
-    <dgm:style>
-      <a:lnRef idx="2">
-        <a:scrgbClr r="0" g="0" b="0"/>
-      </a:lnRef>
-      <a:fillRef idx="1">
-        <a:scrgbClr r="0" g="0" b="0"/>
-      </a:fillRef>
-      <a:effectRef idx="0">
-        <a:scrgbClr r="0" g="0" b="0"/>
-      </a:effectRef>
-      <a:fontRef idx="minor"/>
-    </dgm:style>
-  </dgm:styleLbl>
-  <dgm:styleLbl name="bgImgPlace1">
-    <dgm:scene3d>
-      <a:camera prst="orthographicFront"/>
-      <a:lightRig rig="threePt" dir="t"/>
-    </dgm:scene3d>
-    <dgm:sp3d/>
-    <dgm:txPr/>
-    <dgm:style>
-      <a:lnRef idx="2">
-        <a:scrgbClr r="0" g="0" b="0"/>
-      </a:lnRef>
-      <a:fillRef idx="1">
-        <a:scrgbClr r="0" g="0" b="0"/>
-      </a:fillRef>
-      <a:effectRef idx="0">
-        <a:scrgbClr r="0" g="0" b="0"/>
-      </a:effectRef>
-      <a:fontRef idx="minor"/>
-    </dgm:style>
-  </dgm:styleLbl>
-  <dgm:styleLbl name="sibTrans2D1">
-    <dgm:scene3d>
-      <a:camera prst="orthographicFront"/>
-      <a:lightRig rig="threePt" dir="t"/>
-    </dgm:scene3d>
-    <dgm:sp3d/>
-    <dgm:txPr/>
-    <dgm:style>
-      <a:lnRef idx="0">
-        <a:scrgbClr r="0" g="0" b="0"/>
-      </a:lnRef>
-      <a:fillRef idx="1">
-        <a:scrgbClr r="0" g="0" b="0"/>
-      </a:fillRef>
-      <a:effectRef idx="0">
-        <a:scrgbClr r="0" g="0" b="0"/>
-      </a:effectRef>
-      <a:fontRef idx="minor">
-        <a:schemeClr val="lt1"/>
-      </a:fontRef>
-    </dgm:style>
-  </dgm:styleLbl>
-  <dgm:styleLbl name="fgSibTrans2D1">
-    <dgm:scene3d>
-      <a:camera prst="orthographicFront"/>
-      <a:lightRig rig="threePt" dir="t"/>
-    </dgm:scene3d>
-    <dgm:sp3d/>
-    <dgm:txPr/>
-    <dgm:style>
-      <a:lnRef idx="0">
-        <a:scrgbClr r="0" g="0" b="0"/>
-      </a:lnRef>
-      <a:fillRef idx="1">
-        <a:scrgbClr r="0" g="0" b="0"/>
-      </a:fillRef>
-      <a:effectRef idx="0">
-        <a:scrgbClr r="0" g="0" b="0"/>
-      </a:effectRef>
-      <a:fontRef idx="minor">
-        <a:schemeClr val="lt1"/>
-      </a:fontRef>
-    </dgm:style>
-  </dgm:styleLbl>
-  <dgm:styleLbl name="bgSibTrans2D1">
-    <dgm:scene3d>
-      <a:camera prst="orthographicFront"/>
-      <a:lightRig rig="threePt" dir="t"/>
-    </dgm:scene3d>
-    <dgm:sp3d/>
-    <dgm:txPr/>
-    <dgm:style>
-      <a:lnRef idx="0">
-        <a:scrgbClr r="0" g="0" b="0"/>
-      </a:lnRef>
-      <a:fillRef idx="1">
-        <a:scrgbClr r="0" g="0" b="0"/>
-      </a:fillRef>
-      <a:effectRef idx="0">
-        <a:scrgbClr r="0" g="0" b="0"/>
-      </a:effectRef>
-      <a:fontRef idx="minor">
-        <a:schemeClr val="lt1"/>
-      </a:fontRef>
-    </dgm:style>
-  </dgm:styleLbl>
-  <dgm:styleLbl name="sibTrans1D1">
-    <dgm:scene3d>
-      <a:camera prst="orthographicFront"/>
-      <a:lightRig rig="threePt" dir="t"/>
-    </dgm:scene3d>
-    <dgm:sp3d/>
-    <dgm:txPr/>
-    <dgm:style>
-      <a:lnRef idx="1">
-        <a:scrgbClr r="0" g="0" b="0"/>
-      </a:lnRef>
-      <a:fillRef idx="0">
-        <a:scrgbClr r="0" g="0" b="0"/>
-      </a:fillRef>
-      <a:effectRef idx="0">
-        <a:scrgbClr r="0" g="0" b="0"/>
-      </a:effectRef>
-      <a:fontRef idx="minor"/>
-    </dgm:style>
-  </dgm:styleLbl>
-  <dgm:styleLbl name="callout">
-    <dgm:scene3d>
-      <a:camera prst="orthographicFront"/>
-      <a:lightRig rig="threePt" dir="t"/>
-    </dgm:scene3d>
-    <dgm:sp3d/>
-    <dgm:txPr/>
-    <dgm:style>
-      <a:lnRef idx="2">
-        <a:scrgbClr r="0" g="0" b="0"/>
-      </a:lnRef>
-      <a:fillRef idx="1">
-        <a:scrgbClr r="0" g="0" b="0"/>
-      </a:fillRef>
-      <a:effectRef idx="0">
-        <a:scrgbClr r="0" g="0" b="0"/>
-      </a:effectRef>
-      <a:fontRef idx="minor"/>
-    </dgm:style>
-  </dgm:styleLbl>
-  <dgm:styleLbl name="asst0">
-    <dgm:scene3d>
-      <a:camera prst="orthographicFront"/>
-      <a:lightRig rig="threePt" dir="t"/>
-    </dgm:scene3d>
-    <dgm:sp3d/>
-    <dgm:txPr/>
-    <dgm:style>
-      <a:lnRef idx="2">
-        <a:scrgbClr r="0" g="0" b="0"/>
-      </a:lnRef>
-      <a:fillRef idx="1">
-        <a:scrgbClr r="0" g="0" b="0"/>
-      </a:fillRef>
-      <a:effectRef idx="0">
-        <a:scrgbClr r="0" g="0" b="0"/>
-      </a:effectRef>
-      <a:fontRef idx="minor">
-        <a:schemeClr val="lt1"/>
-      </a:fontRef>
-    </dgm:style>
-  </dgm:styleLbl>
-  <dgm:styleLbl name="asst1">
-    <dgm:scene3d>
-      <a:camera prst="orthographicFront"/>
-      <a:lightRig rig="threePt" dir="t"/>
-    </dgm:scene3d>
-    <dgm:sp3d/>
-    <dgm:txPr/>
-    <dgm:style>
-      <a:lnRef idx="2">
-        <a:scrgbClr r="0" g="0" b="0"/>
-      </a:lnRef>
-      <a:fillRef idx="1">
-        <a:scrgbClr r="0" g="0" b="0"/>
-      </a:fillRef>
-      <a:effectRef idx="0">
-        <a:scrgbClr r="0" g="0" b="0"/>
-      </a:effectRef>
-      <a:fontRef idx="minor">
-        <a:schemeClr val="lt1"/>
-      </a:fontRef>
-    </dgm:style>
-  </dgm:styleLbl>
-  <dgm:styleLbl name="asst2">
-    <dgm:scene3d>
-      <a:camera prst="orthographicFront"/>
-      <a:lightRig rig="threePt" dir="t"/>
-    </dgm:scene3d>
-    <dgm:sp3d/>
-    <dgm:txPr/>
-    <dgm:style>
-      <a:lnRef idx="2">
-        <a:scrgbClr r="0" g="0" b="0"/>
-      </a:lnRef>
-      <a:fillRef idx="1">
-        <a:scrgbClr r="0" g="0" b="0"/>
-      </a:fillRef>
-      <a:effectRef idx="0">
-        <a:scrgbClr r="0" g="0" b="0"/>
-      </a:effectRef>
-      <a:fontRef idx="minor">
-        <a:schemeClr val="lt1"/>
-      </a:fontRef>
-    </dgm:style>
-  </dgm:styleLbl>
-  <dgm:styleLbl name="asst3">
-    <dgm:scene3d>
-      <a:camera prst="orthographicFront"/>
-      <a:lightRig rig="threePt" dir="t"/>
-    </dgm:scene3d>
-    <dgm:sp3d/>
-    <dgm:txPr/>
-    <dgm:style>
-      <a:lnRef idx="2">
-        <a:scrgbClr r="0" g="0" b="0"/>
-      </a:lnRef>
-      <a:fillRef idx="1">
-        <a:scrgbClr r="0" g="0" b="0"/>
-      </a:fillRef>
-      <a:effectRef idx="0">
-        <a:scrgbClr r="0" g="0" b="0"/>
-      </a:effectRef>
-      <a:fontRef idx="minor">
-        <a:schemeClr val="lt1"/>
-      </a:fontRef>
-    </dgm:style>
-  </dgm:styleLbl>
-  <dgm:styleLbl name="asst4">
-    <dgm:scene3d>
-      <a:camera prst="orthographicFront"/>
-      <a:lightRig rig="threePt" dir="t"/>
-    </dgm:scene3d>
-    <dgm:sp3d/>
-    <dgm:txPr/>
-    <dgm:style>
-      <a:lnRef idx="2">
-        <a:scrgbClr r="0" g="0" b="0"/>
-      </a:lnRef>
-      <a:fillRef idx="1">
-        <a:scrgbClr r="0" g="0" b="0"/>
-      </a:fillRef>
-      <a:effectRef idx="0">
-        <a:scrgbClr r="0" g="0" b="0"/>
-      </a:effectRef>
-      <a:fontRef idx="minor">
-        <a:schemeClr val="lt1"/>
-      </a:fontRef>
-    </dgm:style>
-  </dgm:styleLbl>
-  <dgm:styleLbl name="parChTrans2D1">
-    <dgm:scene3d>
-      <a:camera prst="orthographicFront"/>
-      <a:lightRig rig="threePt" dir="t"/>
-    </dgm:scene3d>
-    <dgm:sp3d/>
-    <dgm:txPr/>
-    <dgm:style>
-      <a:lnRef idx="2">
-        <a:scrgbClr r="0" g="0" b="0"/>
-      </a:lnRef>
-      <a:fillRef idx="1">
-        <a:scrgbClr r="0" g="0" b="0"/>
-      </a:fillRef>
-      <a:effectRef idx="0">
-        <a:scrgbClr r="0" g="0" b="0"/>
-      </a:effectRef>
-      <a:fontRef idx="minor">
-        <a:schemeClr val="lt1"/>
-      </a:fontRef>
-    </dgm:style>
-  </dgm:styleLbl>
-  <dgm:styleLbl name="parChTrans2D2">
-    <dgm:scene3d>
-      <a:camera prst="orthographicFront"/>
-      <a:lightRig rig="threePt" dir="t"/>
-    </dgm:scene3d>
-    <dgm:sp3d/>
-    <dgm:txPr/>
-    <dgm:style>
-      <a:lnRef idx="2">
-        <a:scrgbClr r="0" g="0" b="0"/>
-      </a:lnRef>
-      <a:fillRef idx="1">
-        <a:scrgbClr r="0" g="0" b="0"/>
-      </a:fillRef>
-      <a:effectRef idx="0">
-        <a:scrgbClr r="0" g="0" b="0"/>
-      </a:effectRef>
-      <a:fontRef idx="minor">
-        <a:schemeClr val="lt1"/>
-      </a:fontRef>
-    </dgm:style>
-  </dgm:styleLbl>
-  <dgm:styleLbl name="parChTrans2D3">
-    <dgm:scene3d>
-      <a:camera prst="orthographicFront"/>
-      <a:lightRig rig="threePt" dir="t"/>
-    </dgm:scene3d>
-    <dgm:sp3d/>
-    <dgm:txPr/>
-    <dgm:style>
-      <a:lnRef idx="2">
-        <a:scrgbClr r="0" g="0" b="0"/>
-      </a:lnRef>
-      <a:fillRef idx="1">
-        <a:scrgbClr r="0" g="0" b="0"/>
-      </a:fillRef>
-      <a:effectRef idx="0">
-        <a:scrgbClr r="0" g="0" b="0"/>
-      </a:effectRef>
-      <a:fontRef idx="minor">
-        <a:schemeClr val="lt1"/>
-      </a:fontRef>
-    </dgm:style>
-  </dgm:styleLbl>
-  <dgm:styleLbl name="parChTrans2D4">
-    <dgm:scene3d>
-      <a:camera prst="orthographicFront"/>
-      <a:lightRig rig="threePt" dir="t"/>
-    </dgm:scene3d>
-    <dgm:sp3d/>
-    <dgm:txPr/>
-    <dgm:style>
-      <a:lnRef idx="2">
-        <a:scrgbClr r="0" g="0" b="0"/>
-      </a:lnRef>
-      <a:fillRef idx="1">
-        <a:scrgbClr r="0" g="0" b="0"/>
-      </a:fillRef>
-      <a:effectRef idx="0">
-        <a:scrgbClr r="0" g="0" b="0"/>
-      </a:effectRef>
-      <a:fontRef idx="minor">
-        <a:schemeClr val="lt1"/>
-      </a:fontRef>
-    </dgm:style>
-  </dgm:styleLbl>
-  <dgm:styleLbl name="parChTrans1D1">
-    <dgm:scene3d>
-      <a:camera prst="orthographicFront"/>
-      <a:lightRig rig="threePt" dir="t"/>
-    </dgm:scene3d>
-    <dgm:sp3d/>
-    <dgm:txPr/>
-    <dgm:style>
-      <a:lnRef idx="2">
-        <a:scrgbClr r="0" g="0" b="0"/>
-      </a:lnRef>
-      <a:fillRef idx="0">
-        <a:scrgbClr r="0" g="0" b="0"/>
-      </a:fillRef>
-      <a:effectRef idx="0">
-        <a:scrgbClr r="0" g="0" b="0"/>
-      </a:effectRef>
-      <a:fontRef idx="minor"/>
-    </dgm:style>
-  </dgm:styleLbl>
-  <dgm:styleLbl name="parChTrans1D2">
-    <dgm:scene3d>
-      <a:camera prst="orthographicFront"/>
-      <a:lightRig rig="threePt" dir="t"/>
-    </dgm:scene3d>
-    <dgm:sp3d/>
-    <dgm:txPr/>
-    <dgm:style>
-      <a:lnRef idx="2">
-        <a:scrgbClr r="0" g="0" b="0"/>
-      </a:lnRef>
-      <a:fillRef idx="0">
-        <a:scrgbClr r="0" g="0" b="0"/>
-      </a:fillRef>
-      <a:effectRef idx="0">
-        <a:scrgbClr r="0" g="0" b="0"/>
-      </a:effectRef>
-      <a:fontRef idx="minor"/>
-    </dgm:style>
-  </dgm:styleLbl>
-  <dgm:styleLbl name="parChTrans1D3">
-    <dgm:scene3d>
-      <a:camera prst="orthographicFront"/>
-      <a:lightRig rig="threePt" dir="t"/>
-    </dgm:scene3d>
-    <dgm:sp3d/>
-    <dgm:txPr/>
-    <dgm:style>
-      <a:lnRef idx="2">
-        <a:scrgbClr r="0" g="0" b="0"/>
-      </a:lnRef>
-      <a:fillRef idx="0">
-        <a:scrgbClr r="0" g="0" b="0"/>
-      </a:fillRef>
-      <a:effectRef idx="0">
-        <a:scrgbClr r="0" g="0" b="0"/>
-      </a:effectRef>
-      <a:fontRef idx="minor"/>
-    </dgm:style>
-  </dgm:styleLbl>
-  <dgm:styleLbl name="parChTrans1D4">
-    <dgm:scene3d>
-      <a:camera prst="orthographicFront"/>
-      <a:lightRig rig="threePt" dir="t"/>
-    </dgm:scene3d>
-    <dgm:sp3d/>
-    <dgm:txPr/>
-    <dgm:style>
-      <a:lnRef idx="2">
-        <a:scrgbClr r="0" g="0" b="0"/>
-      </a:lnRef>
-      <a:fillRef idx="0">
-        <a:scrgbClr r="0" g="0" b="0"/>
-      </a:fillRef>
-      <a:effectRef idx="0">
-        <a:scrgbClr r="0" g="0" b="0"/>
-      </a:effectRef>
-      <a:fontRef idx="minor"/>
-    </dgm:style>
-  </dgm:styleLbl>
-  <dgm:styleLbl name="fgAcc1">
-    <dgm:scene3d>
-      <a:camera prst="orthographicFront"/>
-      <a:lightRig rig="threePt" dir="t"/>
-    </dgm:scene3d>
-    <dgm:sp3d/>
-    <dgm:txPr/>
-    <dgm:style>
-      <a:lnRef idx="2">
-        <a:scrgbClr r="0" g="0" b="0"/>
-      </a:lnRef>
-      <a:fillRef idx="1">
-        <a:scrgbClr r="0" g="0" b="0"/>
-      </a:fillRef>
-      <a:effectRef idx="0">
-        <a:scrgbClr r="0" g="0" b="0"/>
-      </a:effectRef>
-      <a:fontRef idx="minor"/>
-    </dgm:style>
-  </dgm:styleLbl>
-  <dgm:styleLbl name="conFgAcc1">
-    <dgm:scene3d>
-      <a:camera prst="orthographicFront"/>
-      <a:lightRig rig="threePt" dir="t"/>
-    </dgm:scene3d>
-    <dgm:sp3d/>
-    <dgm:txPr/>
-    <dgm:style>
-      <a:lnRef idx="2">
-        <a:scrgbClr r="0" g="0" b="0"/>
-      </a:lnRef>
-      <a:fillRef idx="1">
-        <a:scrgbClr r="0" g="0" b="0"/>
-      </a:fillRef>
-      <a:effectRef idx="0">
-        <a:scrgbClr r="0" g="0" b="0"/>
-      </a:effectRef>
-      <a:fontRef idx="minor"/>
-    </dgm:style>
-  </dgm:styleLbl>
-  <dgm:styleLbl name="alignAcc1">
-    <dgm:scene3d>
-      <a:camera prst="orthographicFront"/>
-      <a:lightRig rig="threePt" dir="t"/>
-    </dgm:scene3d>
-    <dgm:sp3d/>
-    <dgm:txPr/>
-    <dgm:style>
-      <a:lnRef idx="2">
-        <a:scrgbClr r="0" g="0" b="0"/>
-      </a:lnRef>
-      <a:fillRef idx="1">
-        <a:scrgbClr r="0" g="0" b="0"/>
-      </a:fillRef>
-      <a:effectRef idx="0">
-        <a:scrgbClr r="0" g="0" b="0"/>
-      </a:effectRef>
-      <a:fontRef idx="minor"/>
-    </dgm:style>
-  </dgm:styleLbl>
-  <dgm:styleLbl name="trAlignAcc1">
-    <dgm:scene3d>
-      <a:camera prst="orthographicFront"/>
-      <a:lightRig rig="threePt" dir="t"/>
-    </dgm:scene3d>
-    <dgm:sp3d/>
-    <dgm:txPr/>
-    <dgm:style>
-      <a:lnRef idx="1">
-        <a:scrgbClr r="0" g="0" b="0"/>
-      </a:lnRef>
-      <a:fillRef idx="1">
-        <a:scrgbClr r="0" g="0" b="0"/>
-      </a:fillRef>
-      <a:effectRef idx="0">
-        <a:scrgbClr r="0" g="0" b="0"/>
-      </a:effectRef>
-      <a:fontRef idx="minor"/>
-    </dgm:style>
-  </dgm:styleLbl>
-  <dgm:styleLbl name="bgAcc1">
-    <dgm:scene3d>
-      <a:camera prst="orthographicFront"/>
-      <a:lightRig rig="threePt" dir="t"/>
-    </dgm:scene3d>
-    <dgm:sp3d/>
-    <dgm:txPr/>
-    <dgm:style>
-      <a:lnRef idx="2">
-        <a:scrgbClr r="0" g="0" b="0"/>
-      </a:lnRef>
-      <a:fillRef idx="1">
-        <a:scrgbClr r="0" g="0" b="0"/>
-      </a:fillRef>
-      <a:effectRef idx="0">
-        <a:scrgbClr r="0" g="0" b="0"/>
-      </a:effectRef>
-      <a:fontRef idx="minor"/>
-    </dgm:style>
-  </dgm:styleLbl>
-  <dgm:styleLbl name="solidFgAcc1">
-    <dgm:scene3d>
-      <a:camera prst="orthographicFront"/>
-      <a:lightRig rig="threePt" dir="t"/>
-    </dgm:scene3d>
-    <dgm:sp3d/>
-    <dgm:txPr/>
-    <dgm:style>
-      <a:lnRef idx="2">
-        <a:scrgbClr r="0" g="0" b="0"/>
-      </a:lnRef>
-      <a:fillRef idx="1">
-        <a:scrgbClr r="0" g="0" b="0"/>
-      </a:fillRef>
-      <a:effectRef idx="0">
-        <a:scrgbClr r="0" g="0" b="0"/>
-      </a:effectRef>
-      <a:fontRef idx="minor"/>
-    </dgm:style>
-  </dgm:styleLbl>
-  <dgm:styleLbl name="solidAlignAcc1">
-    <dgm:scene3d>
-      <a:camera prst="orthographicFront"/>
-      <a:lightRig rig="threePt" dir="t"/>
-    </dgm:scene3d>
-    <dgm:sp3d/>
-    <dgm:txPr/>
-    <dgm:style>
-      <a:lnRef idx="2">
-        <a:scrgbClr r="0" g="0" b="0"/>
-      </a:lnRef>
-      <a:fillRef idx="1">
-        <a:scrgbClr r="0" g="0" b="0"/>
-      </a:fillRef>
-      <a:effectRef idx="0">
-        <a:scrgbClr r="0" g="0" b="0"/>
-      </a:effectRef>
-      <a:fontRef idx="minor"/>
-    </dgm:style>
-  </dgm:styleLbl>
-  <dgm:styleLbl name="solidBgAcc1">
-    <dgm:scene3d>
-      <a:camera prst="orthographicFront"/>
-      <a:lightRig rig="threePt" dir="t"/>
-    </dgm:scene3d>
-    <dgm:sp3d/>
-    <dgm:txPr/>
-    <dgm:style>
-      <a:lnRef idx="2">
-        <a:scrgbClr r="0" g="0" b="0"/>
-      </a:lnRef>
-      <a:fillRef idx="1">
-        <a:scrgbClr r="0" g="0" b="0"/>
-      </a:fillRef>
-      <a:effectRef idx="0">
-        <a:scrgbClr r="0" g="0" b="0"/>
-      </a:effectRef>
-      <a:fontRef idx="minor"/>
-    </dgm:style>
-  </dgm:styleLbl>
-  <dgm:styleLbl name="fgAccFollowNode1">
-    <dgm:scene3d>
-      <a:camera prst="orthographicFront"/>
-      <a:lightRig rig="threePt" dir="t"/>
-    </dgm:scene3d>
-    <dgm:sp3d/>
-    <dgm:txPr/>
-    <dgm:style>
-      <a:lnRef idx="2">
-        <a:scrgbClr r="0" g="0" b="0"/>
-      </a:lnRef>
-      <a:fillRef idx="1">
-        <a:scrgbClr r="0" g="0" b="0"/>
-      </a:fillRef>
-      <a:effectRef idx="0">
-        <a:scrgbClr r="0" g="0" b="0"/>
-      </a:effectRef>
-      <a:fontRef idx="minor"/>
-    </dgm:style>
-  </dgm:styleLbl>
-  <dgm:styleLbl name="alignAccFollowNode1">
-    <dgm:scene3d>
-      <a:camera prst="orthographicFront"/>
-      <a:lightRig rig="threePt" dir="t"/>
-    </dgm:scene3d>
-    <dgm:sp3d/>
-    <dgm:txPr/>
-    <dgm:style>
-      <a:lnRef idx="2">
-        <a:scrgbClr r="0" g="0" b="0"/>
-      </a:lnRef>
-      <a:fillRef idx="1">
-        <a:scrgbClr r="0" g="0" b="0"/>
-      </a:fillRef>
-      <a:effectRef idx="0">
-        <a:scrgbClr r="0" g="0" b="0"/>
-      </a:effectRef>
-      <a:fontRef idx="minor"/>
-    </dgm:style>
-  </dgm:styleLbl>
-  <dgm:styleLbl name="bgAccFollowNode1">
-    <dgm:scene3d>
-      <a:camera prst="orthographicFront"/>
-      <a:lightRig rig="threePt" dir="t"/>
-    </dgm:scene3d>
-    <dgm:sp3d/>
-    <dgm:txPr/>
-    <dgm:style>
-      <a:lnRef idx="2">
-        <a:scrgbClr r="0" g="0" b="0"/>
-      </a:lnRef>
-      <a:fillRef idx="1">
-        <a:scrgbClr r="0" g="0" b="0"/>
-      </a:fillRef>
-      <a:effectRef idx="0">
-        <a:scrgbClr r="0" g="0" b="0"/>
-      </a:effectRef>
-      <a:fontRef idx="minor"/>
-    </dgm:style>
-  </dgm:styleLbl>
-  <dgm:styleLbl name="fgAcc0">
-    <dgm:scene3d>
-      <a:camera prst="orthographicFront"/>
-      <a:lightRig rig="threePt" dir="t"/>
-    </dgm:scene3d>
-    <dgm:sp3d/>
-    <dgm:txPr/>
-    <dgm:style>
-      <a:lnRef idx="2">
-        <a:scrgbClr r="0" g="0" b="0"/>
-      </a:lnRef>
-      <a:fillRef idx="1">
-        <a:scrgbClr r="0" g="0" b="0"/>
-      </a:fillRef>
-      <a:effectRef idx="0">
-        <a:scrgbClr r="0" g="0" b="0"/>
-      </a:effectRef>
-      <a:fontRef idx="minor"/>
-    </dgm:style>
-  </dgm:styleLbl>
-  <dgm:styleLbl name="fgAcc2">
-    <dgm:scene3d>
-      <a:camera prst="orthographicFront"/>
-      <a:lightRig rig="threePt" dir="t"/>
-    </dgm:scene3d>
-    <dgm:sp3d/>
-    <dgm:txPr/>
-    <dgm:style>
-      <a:lnRef idx="2">
-        <a:scrgbClr r="0" g="0" b="0"/>
-      </a:lnRef>
-      <a:fillRef idx="1">
-        <a:scrgbClr r="0" g="0" b="0"/>
-      </a:fillRef>
-      <a:effectRef idx="0">
-        <a:scrgbClr r="0" g="0" b="0"/>
-      </a:effectRef>
-      <a:fontRef idx="minor"/>
-    </dgm:style>
-  </dgm:styleLbl>
-  <dgm:styleLbl name="fgAcc3">
-    <dgm:scene3d>
-      <a:camera prst="orthographicFront"/>
-      <a:lightRig rig="threePt" dir="t"/>
-    </dgm:scene3d>
-    <dgm:sp3d/>
-    <dgm:txPr/>
-    <dgm:style>
-      <a:lnRef idx="2">
-        <a:scrgbClr r="0" g="0" b="0"/>
-      </a:lnRef>
-      <a:fillRef idx="1">
-        <a:scrgbClr r="0" g="0" b="0"/>
-      </a:fillRef>
-      <a:effectRef idx="0">
-        <a:scrgbClr r="0" g="0" b="0"/>
-      </a:effectRef>
-      <a:fontRef idx="minor"/>
-    </dgm:style>
-  </dgm:styleLbl>
-  <dgm:styleLbl name="fgAcc4">
-    <dgm:scene3d>
-      <a:camera prst="orthographicFront"/>
-      <a:lightRig rig="threePt" dir="t"/>
-    </dgm:scene3d>
-    <dgm:sp3d/>
-    <dgm:txPr/>
-    <dgm:style>
-      <a:lnRef idx="2">
-        <a:scrgbClr r="0" g="0" b="0"/>
-      </a:lnRef>
-      <a:fillRef idx="1">
-        <a:scrgbClr r="0" g="0" b="0"/>
-      </a:fillRef>
-      <a:effectRef idx="0">
-        <a:scrgbClr r="0" g="0" b="0"/>
-      </a:effectRef>
-      <a:fontRef idx="minor"/>
-    </dgm:style>
-  </dgm:styleLbl>
-  <dgm:styleLbl name="bgShp">
-    <dgm:scene3d>
-      <a:camera prst="orthographicFront"/>
-      <a:lightRig rig="threePt" dir="t"/>
-    </dgm:scene3d>
-    <dgm:sp3d/>
-    <dgm:txPr/>
-    <dgm:style>
-      <a:lnRef idx="0">
-        <a:scrgbClr r="0" g="0" b="0"/>
-      </a:lnRef>
-      <a:fillRef idx="1">
-        <a:scrgbClr r="0" g="0" b="0"/>
-      </a:fillRef>
-      <a:effectRef idx="0">
-        <a:scrgbClr r="0" g="0" b="0"/>
-      </a:effectRef>
-      <a:fontRef idx="minor"/>
-    </dgm:style>
-  </dgm:styleLbl>
-  <dgm:styleLbl name="dkBgShp">
-    <dgm:scene3d>
-      <a:camera prst="orthographicFront"/>
-      <a:lightRig rig="threePt" dir="t"/>
-    </dgm:scene3d>
-    <dgm:sp3d/>
-    <dgm:txPr/>
-    <dgm:style>
-      <a:lnRef idx="0">
-        <a:scrgbClr r="0" g="0" b="0"/>
-      </a:lnRef>
-      <a:fillRef idx="1">
-        <a:scrgbClr r="0" g="0" b="0"/>
-      </a:fillRef>
-      <a:effectRef idx="0">
-        <a:scrgbClr r="0" g="0" b="0"/>
-      </a:effectRef>
-      <a:fontRef idx="minor"/>
-    </dgm:style>
-  </dgm:styleLbl>
-  <dgm:styleLbl name="trBgShp">
-    <dgm:scene3d>
-      <a:camera prst="orthographicFront"/>
-      <a:lightRig rig="threePt" dir="t"/>
-    </dgm:scene3d>
-    <dgm:sp3d/>
-    <dgm:txPr/>
-    <dgm:style>
-      <a:lnRef idx="0">
-        <a:scrgbClr r="0" g="0" b="0"/>
-      </a:lnRef>
-      <a:fillRef idx="1">
-        <a:scrgbClr r="0" g="0" b="0"/>
-      </a:fillRef>
-      <a:effectRef idx="0">
-        <a:scrgbClr r="0" g="0" b="0"/>
-      </a:effectRef>
-      <a:fontRef idx="minor"/>
-    </dgm:style>
-  </dgm:styleLbl>
-  <dgm:styleLbl name="fgShp">
-    <dgm:scene3d>
-      <a:camera prst="orthographicFront"/>
-      <a:lightRig rig="threePt" dir="t"/>
-    </dgm:scene3d>
-    <dgm:sp3d/>
-    <dgm:txPr/>
-    <dgm:style>
-      <a:lnRef idx="2">
-        <a:scrgbClr r="0" g="0" b="0"/>
-      </a:lnRef>
-      <a:fillRef idx="1">
-        <a:scrgbClr r="0" g="0" b="0"/>
-      </a:fillRef>
-      <a:effectRef idx="0">
-        <a:scrgbClr r="0" g="0" b="0"/>
-      </a:effectRef>
-      <a:fontRef idx="minor"/>
-    </dgm:style>
-  </dgm:styleLbl>
-  <dgm:styleLbl name="revTx">
-    <dgm:scene3d>
-      <a:camera prst="orthographicFront"/>
-      <a:lightRig rig="threePt" dir="t"/>
-    </dgm:scene3d>
-    <dgm:sp3d/>
-    <dgm:txPr/>
-    <dgm:style>
-      <a:lnRef idx="0">
-        <a:scrgbClr r="0" g="0" b="0"/>
-      </a:lnRef>
-      <a:fillRef idx="0">
-        <a:scrgbClr r="0" g="0" b="0"/>
-      </a:fillRef>
-      <a:effectRef idx="0">
-        <a:scrgbClr r="0" g="0" b="0"/>
-      </a:effectRef>
-      <a:fontRef idx="minor"/>
-    </dgm:style>
-  </dgm:styleLbl>
-</dgm:styleDef>
 </file>
 
 <file path=ppt/slideLayouts/slideLayout1.xml><?xml version="1.0" encoding="utf-8"?>
@@ -3053,7 +269,7 @@
           <a:p>
             <a:fld id="{565BE92A-F8E4-4EA7-9402-B1B803F7CC1B}" type="datetimeFigureOut">
               <a:rPr lang="en-US" smtClean="0"/>
-              <a:t>4/27/16</a:t>
+              <a:t>4/28/2016</a:t>
             </a:fld>
             <a:endParaRPr lang="en-US"/>
           </a:p>
@@ -3223,7 +439,7 @@
           <a:p>
             <a:fld id="{565BE92A-F8E4-4EA7-9402-B1B803F7CC1B}" type="datetimeFigureOut">
               <a:rPr lang="en-US" smtClean="0"/>
-              <a:t>4/27/16</a:t>
+              <a:t>4/28/2016</a:t>
             </a:fld>
             <a:endParaRPr lang="en-US"/>
           </a:p>
@@ -3403,7 +619,7 @@
           <a:p>
             <a:fld id="{565BE92A-F8E4-4EA7-9402-B1B803F7CC1B}" type="datetimeFigureOut">
               <a:rPr lang="en-US" smtClean="0"/>
-              <a:t>4/27/16</a:t>
+              <a:t>4/28/2016</a:t>
             </a:fld>
             <a:endParaRPr lang="en-US"/>
           </a:p>
@@ -3573,7 +789,7 @@
           <a:p>
             <a:fld id="{565BE92A-F8E4-4EA7-9402-B1B803F7CC1B}" type="datetimeFigureOut">
               <a:rPr lang="en-US" smtClean="0"/>
-              <a:t>4/27/16</a:t>
+              <a:t>4/28/2016</a:t>
             </a:fld>
             <a:endParaRPr lang="en-US"/>
           </a:p>
@@ -3817,7 +1033,7 @@
           <a:p>
             <a:fld id="{565BE92A-F8E4-4EA7-9402-B1B803F7CC1B}" type="datetimeFigureOut">
               <a:rPr lang="en-US" smtClean="0"/>
-              <a:t>4/27/16</a:t>
+              <a:t>4/28/2016</a:t>
             </a:fld>
             <a:endParaRPr lang="en-US"/>
           </a:p>
@@ -4049,7 +1265,7 @@
           <a:p>
             <a:fld id="{565BE92A-F8E4-4EA7-9402-B1B803F7CC1B}" type="datetimeFigureOut">
               <a:rPr lang="en-US" smtClean="0"/>
-              <a:t>4/27/16</a:t>
+              <a:t>4/28/2016</a:t>
             </a:fld>
             <a:endParaRPr lang="en-US"/>
           </a:p>
@@ -4416,7 +1632,7 @@
           <a:p>
             <a:fld id="{565BE92A-F8E4-4EA7-9402-B1B803F7CC1B}" type="datetimeFigureOut">
               <a:rPr lang="en-US" smtClean="0"/>
-              <a:t>4/27/16</a:t>
+              <a:t>4/28/2016</a:t>
             </a:fld>
             <a:endParaRPr lang="en-US"/>
           </a:p>
@@ -4534,7 +1750,7 @@
           <a:p>
             <a:fld id="{565BE92A-F8E4-4EA7-9402-B1B803F7CC1B}" type="datetimeFigureOut">
               <a:rPr lang="en-US" smtClean="0"/>
-              <a:t>4/27/16</a:t>
+              <a:t>4/28/2016</a:t>
             </a:fld>
             <a:endParaRPr lang="en-US"/>
           </a:p>
@@ -4629,7 +1845,7 @@
           <a:p>
             <a:fld id="{565BE92A-F8E4-4EA7-9402-B1B803F7CC1B}" type="datetimeFigureOut">
               <a:rPr lang="en-US" smtClean="0"/>
-              <a:t>4/27/16</a:t>
+              <a:t>4/28/2016</a:t>
             </a:fld>
             <a:endParaRPr lang="en-US"/>
           </a:p>
@@ -4906,7 +2122,7 @@
           <a:p>
             <a:fld id="{565BE92A-F8E4-4EA7-9402-B1B803F7CC1B}" type="datetimeFigureOut">
               <a:rPr lang="en-US" smtClean="0"/>
-              <a:t>4/27/16</a:t>
+              <a:t>4/28/2016</a:t>
             </a:fld>
             <a:endParaRPr lang="en-US"/>
           </a:p>
@@ -5163,7 +2379,7 @@
           <a:p>
             <a:fld id="{565BE92A-F8E4-4EA7-9402-B1B803F7CC1B}" type="datetimeFigureOut">
               <a:rPr lang="en-US" smtClean="0"/>
-              <a:t>4/27/16</a:t>
+              <a:t>4/28/2016</a:t>
             </a:fld>
             <a:endParaRPr lang="en-US"/>
           </a:p>
@@ -5376,7 +2592,7 @@
           <a:p>
             <a:fld id="{565BE92A-F8E4-4EA7-9402-B1B803F7CC1B}" type="datetimeFigureOut">
               <a:rPr lang="en-US" smtClean="0"/>
-              <a:t>4/27/16</a:t>
+              <a:t>4/28/2016</a:t>
             </a:fld>
             <a:endParaRPr lang="en-US"/>
           </a:p>
@@ -5954,7 +3170,7 @@
       </p:sp>
       <p:pic>
         <p:nvPicPr>
-          <p:cNvPr id="5" name="Picture 4"/>
+          <p:cNvPr id="7" name="Picture 6"/>
           <p:cNvPicPr>
             <a:picLocks noChangeAspect="1"/>
           </p:cNvPicPr>
@@ -5968,8 +3184,8 @@
         </p:blipFill>
         <p:spPr>
           <a:xfrm>
-            <a:off x="1003301" y="1539724"/>
-            <a:ext cx="3568700" cy="2608549"/>
+            <a:off x="4566669" y="1589089"/>
+            <a:ext cx="3383531" cy="2559646"/>
           </a:xfrm>
           <a:prstGeom prst="rect">
             <a:avLst/>
@@ -5978,7 +3194,7 @@
       </p:pic>
       <p:pic>
         <p:nvPicPr>
-          <p:cNvPr id="7" name="Picture 6"/>
+          <p:cNvPr id="8" name="Picture 7"/>
           <p:cNvPicPr>
             <a:picLocks noChangeAspect="1"/>
           </p:cNvPicPr>
@@ -5992,8 +3208,8 @@
         </p:blipFill>
         <p:spPr>
           <a:xfrm>
-            <a:off x="1003301" y="4166023"/>
-            <a:ext cx="3568698" cy="2576922"/>
+            <a:off x="1123950" y="1589089"/>
+            <a:ext cx="3442719" cy="2614517"/>
           </a:xfrm>
           <a:prstGeom prst="rect">
             <a:avLst/>
@@ -6002,7 +3218,7 @@
       </p:pic>
       <p:pic>
         <p:nvPicPr>
-          <p:cNvPr id="10" name="Picture 9"/>
+          <p:cNvPr id="9" name="Picture 8"/>
           <p:cNvPicPr>
             <a:picLocks noChangeAspect="1"/>
           </p:cNvPicPr>
@@ -6016,8 +3232,8 @@
         </p:blipFill>
         <p:spPr>
           <a:xfrm>
-            <a:off x="4572000" y="1535537"/>
-            <a:ext cx="3803650" cy="2814521"/>
+            <a:off x="1123949" y="4148735"/>
+            <a:ext cx="3442719" cy="2545328"/>
           </a:xfrm>
           <a:prstGeom prst="rect">
             <a:avLst/>
@@ -6026,7 +3242,7 @@
       </p:pic>
       <p:pic>
         <p:nvPicPr>
-          <p:cNvPr id="12" name="Picture 11"/>
+          <p:cNvPr id="10" name="Picture 9"/>
           <p:cNvPicPr>
             <a:picLocks noChangeAspect="1"/>
           </p:cNvPicPr>
@@ -6040,8 +3256,8 @@
         </p:blipFill>
         <p:spPr>
           <a:xfrm>
-            <a:off x="4660899" y="4093522"/>
-            <a:ext cx="3623359" cy="2708892"/>
+            <a:off x="4566668" y="4203606"/>
+            <a:ext cx="3383532" cy="2445444"/>
           </a:xfrm>
           <a:prstGeom prst="rect">
             <a:avLst/>
@@ -6051,7 +3267,7 @@
     </p:spTree>
     <p:extLst>
       <p:ext uri="{BB962C8B-B14F-4D97-AF65-F5344CB8AC3E}">
-        <p14:creationId xmlns:p14="http://schemas.microsoft.com/office/powerpoint/2010/main" val="2403032361"/>
+        <p14:creationId xmlns:p14="http://schemas.microsoft.com/office/powerpoint/2010/main" val="2988159353"/>
       </p:ext>
     </p:extLst>
   </p:cSld>
@@ -6061,7 +3277,7 @@
   <p:timing>
     <p:tnLst>
       <p:par>
-        <p:cTn xmlns:p14="http://schemas.microsoft.com/office/powerpoint/2010/main" id="1" dur="indefinite" restart="never" nodeType="tmRoot"/>
+        <p:cTn id="1" dur="indefinite" restart="never" nodeType="tmRoot"/>
       </p:par>
     </p:tnLst>
   </p:timing>
@@ -6102,162 +3318,6 @@
           <a:p>
             <a:r>
               <a:rPr lang="en-US" dirty="0" smtClean="0"/>
-              <a:t>Problems with Analytical Solution:</a:t>
-            </a:r>
-            <a:endParaRPr lang="en-US" dirty="0"/>
-          </a:p>
-        </p:txBody>
-      </p:sp>
-      <p:pic>
-        <p:nvPicPr>
-          <p:cNvPr id="7" name="Picture 6"/>
-          <p:cNvPicPr>
-            <a:picLocks noChangeAspect="1"/>
-          </p:cNvPicPr>
-          <p:nvPr/>
-        </p:nvPicPr>
-        <p:blipFill>
-          <a:blip r:embed="rId2"/>
-          <a:stretch>
-            <a:fillRect/>
-          </a:stretch>
-        </p:blipFill>
-        <p:spPr>
-          <a:xfrm>
-            <a:off x="4566669" y="1589089"/>
-            <a:ext cx="3383531" cy="2559646"/>
-          </a:xfrm>
-          <a:prstGeom prst="rect">
-            <a:avLst/>
-          </a:prstGeom>
-        </p:spPr>
-      </p:pic>
-      <p:pic>
-        <p:nvPicPr>
-          <p:cNvPr id="8" name="Picture 7"/>
-          <p:cNvPicPr>
-            <a:picLocks noChangeAspect="1"/>
-          </p:cNvPicPr>
-          <p:nvPr/>
-        </p:nvPicPr>
-        <p:blipFill>
-          <a:blip r:embed="rId3"/>
-          <a:stretch>
-            <a:fillRect/>
-          </a:stretch>
-        </p:blipFill>
-        <p:spPr>
-          <a:xfrm>
-            <a:off x="1123950" y="1589089"/>
-            <a:ext cx="3442719" cy="2614517"/>
-          </a:xfrm>
-          <a:prstGeom prst="rect">
-            <a:avLst/>
-          </a:prstGeom>
-        </p:spPr>
-      </p:pic>
-      <p:pic>
-        <p:nvPicPr>
-          <p:cNvPr id="9" name="Picture 8"/>
-          <p:cNvPicPr>
-            <a:picLocks noChangeAspect="1"/>
-          </p:cNvPicPr>
-          <p:nvPr/>
-        </p:nvPicPr>
-        <p:blipFill>
-          <a:blip r:embed="rId4"/>
-          <a:stretch>
-            <a:fillRect/>
-          </a:stretch>
-        </p:blipFill>
-        <p:spPr>
-          <a:xfrm>
-            <a:off x="1123949" y="4148735"/>
-            <a:ext cx="3442719" cy="2545328"/>
-          </a:xfrm>
-          <a:prstGeom prst="rect">
-            <a:avLst/>
-          </a:prstGeom>
-        </p:spPr>
-      </p:pic>
-      <p:pic>
-        <p:nvPicPr>
-          <p:cNvPr id="10" name="Picture 9"/>
-          <p:cNvPicPr>
-            <a:picLocks noChangeAspect="1"/>
-          </p:cNvPicPr>
-          <p:nvPr/>
-        </p:nvPicPr>
-        <p:blipFill>
-          <a:blip r:embed="rId5"/>
-          <a:stretch>
-            <a:fillRect/>
-          </a:stretch>
-        </p:blipFill>
-        <p:spPr>
-          <a:xfrm>
-            <a:off x="4566668" y="4203606"/>
-            <a:ext cx="3383532" cy="2445444"/>
-          </a:xfrm>
-          <a:prstGeom prst="rect">
-            <a:avLst/>
-          </a:prstGeom>
-        </p:spPr>
-      </p:pic>
-    </p:spTree>
-    <p:extLst>
-      <p:ext uri="{BB962C8B-B14F-4D97-AF65-F5344CB8AC3E}">
-        <p14:creationId xmlns:p14="http://schemas.microsoft.com/office/powerpoint/2010/main" val="2988159353"/>
-      </p:ext>
-    </p:extLst>
-  </p:cSld>
-  <p:clrMapOvr>
-    <a:masterClrMapping/>
-  </p:clrMapOvr>
-  <p:timing>
-    <p:tnLst>
-      <p:par>
-        <p:cTn xmlns:p14="http://schemas.microsoft.com/office/powerpoint/2010/main" id="1" dur="indefinite" restart="never" nodeType="tmRoot"/>
-      </p:par>
-    </p:tnLst>
-  </p:timing>
-</p:sld>
-</file>
-
-<file path=ppt/slides/slide12.xml><?xml version="1.0" encoding="utf-8"?>
-<p:sld xmlns:a="http://schemas.openxmlformats.org/drawingml/2006/main" xmlns:r="http://schemas.openxmlformats.org/officeDocument/2006/relationships" xmlns:p="http://schemas.openxmlformats.org/presentationml/2006/main">
-  <p:cSld>
-    <p:spTree>
-      <p:nvGrpSpPr>
-        <p:cNvPr id="1" name=""/>
-        <p:cNvGrpSpPr/>
-        <p:nvPr/>
-      </p:nvGrpSpPr>
-      <p:grpSpPr>
-        <a:xfrm>
-          <a:off x="0" y="0"/>
-          <a:ext cx="0" cy="0"/>
-          <a:chOff x="0" y="0"/>
-          <a:chExt cx="0" cy="0"/>
-        </a:xfrm>
-      </p:grpSpPr>
-      <p:sp>
-        <p:nvSpPr>
-          <p:cNvPr id="2" name="Title 1"/>
-          <p:cNvSpPr>
-            <a:spLocks noGrp="1"/>
-          </p:cNvSpPr>
-          <p:nvPr>
-            <p:ph type="title"/>
-          </p:nvPr>
-        </p:nvSpPr>
-        <p:spPr/>
-        <p:txBody>
-          <a:bodyPr/>
-          <a:lstStyle/>
-          <a:p>
-            <a:r>
-              <a:rPr lang="en-US" dirty="0" smtClean="0"/>
               <a:t>One last problem:</a:t>
             </a:r>
             <a:endParaRPr lang="en-US" dirty="0"/>
@@ -6298,7 +3358,7 @@
           <a:noFill/>
           <a:extLst>
             <a:ext uri="{909E8E84-426E-40dd-AFC4-6F175D3DCCD1}">
-              <a14:hiddenFill xmlns:a14="http://schemas.microsoft.com/office/drawing/2010/main">
+              <a14:hiddenFill xmlns:a14="http://schemas.microsoft.com/office/drawing/2010/main" xmlns="">
                 <a:solidFill>
                   <a:srgbClr val="FFFFFF"/>
                 </a:solidFill>
@@ -6320,14 +3380,14 @@
   <p:timing>
     <p:tnLst>
       <p:par>
-        <p:cTn xmlns:p14="http://schemas.microsoft.com/office/powerpoint/2010/main" id="1" dur="indefinite" restart="never" nodeType="tmRoot"/>
+        <p:cTn id="1" dur="indefinite" restart="never" nodeType="tmRoot"/>
       </p:par>
     </p:tnLst>
   </p:timing>
 </p:sld>
 </file>
 
-<file path=ppt/slides/slide13.xml><?xml version="1.0" encoding="utf-8"?>
+<file path=ppt/slides/slide12.xml><?xml version="1.0" encoding="utf-8"?>
 <p:sld xmlns:a="http://schemas.openxmlformats.org/drawingml/2006/main" xmlns:r="http://schemas.openxmlformats.org/officeDocument/2006/relationships" xmlns:p="http://schemas.openxmlformats.org/presentationml/2006/main">
   <p:cSld>
     <p:spTree>
@@ -6440,6 +3500,50 @@
           </a:prstGeom>
         </p:spPr>
       </p:pic>
+      <p:sp>
+        <p:nvSpPr>
+          <p:cNvPr id="2" name="TextBox 1"/>
+          <p:cNvSpPr txBox="1"/>
+          <p:nvPr/>
+        </p:nvSpPr>
+        <p:spPr>
+          <a:xfrm>
+            <a:off x="651933" y="6070600"/>
+            <a:ext cx="3819315" cy="646331"/>
+          </a:xfrm>
+          <a:prstGeom prst="rect">
+            <a:avLst/>
+          </a:prstGeom>
+          <a:noFill/>
+        </p:spPr>
+        <p:txBody>
+          <a:bodyPr wrap="none" rtlCol="0">
+            <a:spAutoFit/>
+          </a:bodyPr>
+          <a:lstStyle/>
+          <a:p>
+            <a:r>
+              <a:rPr lang="en-US" dirty="0" smtClean="0"/>
+              <a:t>*Roark’s Formulas for Stress and Strain</a:t>
+            </a:r>
+          </a:p>
+          <a:p>
+            <a:r>
+              <a:rPr lang="en-US" dirty="0" smtClean="0"/>
+              <a:t>Young, </a:t>
+            </a:r>
+            <a:r>
+              <a:rPr lang="en-US" dirty="0" err="1" smtClean="0"/>
+              <a:t>Budynas</a:t>
+            </a:r>
+            <a:r>
+              <a:rPr lang="en-US" dirty="0" smtClean="0"/>
+              <a:t> 2002 (1989)</a:t>
+            </a:r>
+            <a:endParaRPr lang="en-US" dirty="0"/>
+          </a:p>
+        </p:txBody>
+      </p:sp>
     </p:spTree>
     <p:extLst>
       <p:ext uri="{BB962C8B-B14F-4D97-AF65-F5344CB8AC3E}">
@@ -6453,7 +3557,222 @@
   <p:timing>
     <p:tnLst>
       <p:par>
-        <p:cTn xmlns:p14="http://schemas.microsoft.com/office/powerpoint/2010/main" id="1" dur="indefinite" restart="never" nodeType="tmRoot"/>
+        <p:cTn id="1" dur="indefinite" restart="never" nodeType="tmRoot"/>
+      </p:par>
+    </p:tnLst>
+  </p:timing>
+</p:sld>
+</file>
+
+<file path=ppt/slides/slide13.xml><?xml version="1.0" encoding="utf-8"?>
+<p:sld xmlns:a="http://schemas.openxmlformats.org/drawingml/2006/main" xmlns:r="http://schemas.openxmlformats.org/officeDocument/2006/relationships" xmlns:p="http://schemas.openxmlformats.org/presentationml/2006/main">
+  <p:cSld>
+    <p:spTree>
+      <p:nvGrpSpPr>
+        <p:cNvPr id="1" name=""/>
+        <p:cNvGrpSpPr/>
+        <p:nvPr/>
+      </p:nvGrpSpPr>
+      <p:grpSpPr>
+        <a:xfrm>
+          <a:off x="0" y="0"/>
+          <a:ext cx="0" cy="0"/>
+          <a:chOff x="0" y="0"/>
+          <a:chExt cx="0" cy="0"/>
+        </a:xfrm>
+      </p:grpSpPr>
+      <p:sp>
+        <p:nvSpPr>
+          <p:cNvPr id="2" name="Title 1"/>
+          <p:cNvSpPr>
+            <a:spLocks noGrp="1"/>
+          </p:cNvSpPr>
+          <p:nvPr>
+            <p:ph type="title"/>
+          </p:nvPr>
+        </p:nvSpPr>
+        <p:spPr/>
+        <p:txBody>
+          <a:bodyPr/>
+          <a:lstStyle/>
+          <a:p>
+            <a:r>
+              <a:rPr lang="en-US" dirty="0" smtClean="0"/>
+              <a:t>Parameters to Solve:</a:t>
+            </a:r>
+            <a:endParaRPr lang="en-US" dirty="0"/>
+          </a:p>
+        </p:txBody>
+      </p:sp>
+      <p:sp>
+        <p:nvSpPr>
+          <p:cNvPr id="3" name="Content Placeholder 2"/>
+          <p:cNvSpPr>
+            <a:spLocks noGrp="1"/>
+          </p:cNvSpPr>
+          <p:nvPr>
+            <p:ph sz="half" idx="1"/>
+          </p:nvPr>
+        </p:nvSpPr>
+        <p:spPr/>
+        <p:txBody>
+          <a:bodyPr>
+            <a:normAutofit/>
+          </a:bodyPr>
+          <a:lstStyle/>
+          <a:p>
+            <a:r>
+              <a:rPr lang="en-US" dirty="0" smtClean="0"/>
+              <a:t>Element Variables:</a:t>
+            </a:r>
+          </a:p>
+          <a:p>
+            <a:pPr lvl="1"/>
+            <a:r>
+              <a:rPr lang="en-US" dirty="0" smtClean="0"/>
+              <a:t>Integration </a:t>
+            </a:r>
+            <a:r>
+              <a:rPr lang="en-US" dirty="0" smtClean="0"/>
+              <a:t>order/element type </a:t>
+            </a:r>
+            <a:r>
+              <a:rPr lang="en-US" dirty="0" smtClean="0"/>
+              <a:t>(#of GP)</a:t>
+            </a:r>
+          </a:p>
+          <a:p>
+            <a:pPr lvl="1"/>
+            <a:r>
+              <a:rPr lang="en-US" dirty="0" smtClean="0"/>
+              <a:t>Formulation type (Santos/</a:t>
+            </a:r>
+            <a:r>
+              <a:rPr lang="en-US" dirty="0" err="1" smtClean="0"/>
+              <a:t>Fellipa</a:t>
+            </a:r>
+            <a:r>
+              <a:rPr lang="en-US" dirty="0" smtClean="0"/>
+              <a:t>)</a:t>
+            </a:r>
+          </a:p>
+          <a:p>
+            <a:pPr lvl="1"/>
+            <a:r>
+              <a:rPr lang="en-US" dirty="0" smtClean="0"/>
+              <a:t>Hourglass </a:t>
+            </a:r>
+            <a:r>
+              <a:rPr lang="en-US" dirty="0" smtClean="0"/>
+              <a:t>Control</a:t>
+            </a:r>
+          </a:p>
+          <a:p>
+            <a:pPr marL="457200" lvl="1" indent="0">
+              <a:buNone/>
+            </a:pPr>
+            <a:endParaRPr lang="en-US" dirty="0"/>
+          </a:p>
+          <a:p>
+            <a:r>
+              <a:rPr lang="en-US" dirty="0"/>
+              <a:t>Problem Parameters:</a:t>
+            </a:r>
+          </a:p>
+          <a:p>
+            <a:pPr lvl="1"/>
+            <a:r>
+              <a:rPr lang="en-US" dirty="0"/>
+              <a:t>E, v</a:t>
+            </a:r>
+          </a:p>
+          <a:p>
+            <a:pPr lvl="1"/>
+            <a:r>
+              <a:rPr lang="en-US" dirty="0"/>
+              <a:t>[ID], OD, </a:t>
+            </a:r>
+            <a:r>
+              <a:rPr lang="en-US" dirty="0" smtClean="0"/>
+              <a:t>thickness</a:t>
+            </a:r>
+          </a:p>
+          <a:p>
+            <a:pPr lvl="1"/>
+            <a:endParaRPr lang="en-US" dirty="0" smtClean="0"/>
+          </a:p>
+          <a:p>
+            <a:pPr lvl="1"/>
+            <a:endParaRPr lang="en-US" dirty="0"/>
+          </a:p>
+        </p:txBody>
+      </p:sp>
+      <p:sp>
+        <p:nvSpPr>
+          <p:cNvPr id="4" name="Content Placeholder 3"/>
+          <p:cNvSpPr>
+            <a:spLocks noGrp="1"/>
+          </p:cNvSpPr>
+          <p:nvPr>
+            <p:ph sz="half" idx="2"/>
+          </p:nvPr>
+        </p:nvSpPr>
+        <p:spPr/>
+        <p:txBody>
+          <a:bodyPr>
+            <a:normAutofit/>
+          </a:bodyPr>
+          <a:lstStyle/>
+          <a:p>
+            <a:r>
+              <a:rPr lang="en-US" dirty="0" smtClean="0"/>
+              <a:t>Test Types:</a:t>
+            </a:r>
+          </a:p>
+          <a:p>
+            <a:pPr lvl="1"/>
+            <a:r>
+              <a:rPr lang="en-US" dirty="0" smtClean="0"/>
+              <a:t>Pinned vs fixed boundary</a:t>
+            </a:r>
+          </a:p>
+          <a:p>
+            <a:pPr lvl="1"/>
+            <a:r>
+              <a:rPr lang="en-US" dirty="0" smtClean="0"/>
+              <a:t>Concentrated vs distributed load</a:t>
+            </a:r>
+          </a:p>
+          <a:p>
+            <a:pPr lvl="1"/>
+            <a:r>
+              <a:rPr lang="en-US" dirty="0" smtClean="0"/>
+              <a:t>Plate vs washer geometry</a:t>
+            </a:r>
+          </a:p>
+          <a:p>
+            <a:pPr lvl="1"/>
+            <a:r>
+              <a:rPr lang="en-US" dirty="0" smtClean="0"/>
+              <a:t>8 total tests</a:t>
+            </a:r>
+          </a:p>
+        </p:txBody>
+      </p:sp>
+    </p:spTree>
+    <p:extLst>
+      <p:ext uri="{BB962C8B-B14F-4D97-AF65-F5344CB8AC3E}">
+        <p14:creationId xmlns:p14="http://schemas.microsoft.com/office/powerpoint/2010/main" val="4122003554"/>
+      </p:ext>
+    </p:extLst>
+  </p:cSld>
+  <p:clrMapOvr>
+    <a:masterClrMapping/>
+  </p:clrMapOvr>
+  <p:timing>
+    <p:tnLst>
+      <p:par>
+        <p:cTn id="1" dur="indefinite" restart="never" nodeType="tmRoot"/>
       </p:par>
     </p:tnLst>
   </p:timing>
@@ -6494,214 +3813,6 @@
           <a:p>
             <a:r>
               <a:rPr lang="en-US" dirty="0" smtClean="0"/>
-              <a:t>Parameters to Solve:</a:t>
-            </a:r>
-            <a:endParaRPr lang="en-US" dirty="0"/>
-          </a:p>
-        </p:txBody>
-      </p:sp>
-      <p:sp>
-        <p:nvSpPr>
-          <p:cNvPr id="3" name="Content Placeholder 2"/>
-          <p:cNvSpPr>
-            <a:spLocks noGrp="1"/>
-          </p:cNvSpPr>
-          <p:nvPr>
-            <p:ph sz="half" idx="1"/>
-          </p:nvPr>
-        </p:nvSpPr>
-        <p:spPr/>
-        <p:txBody>
-          <a:bodyPr>
-            <a:normAutofit lnSpcReduction="10000"/>
-          </a:bodyPr>
-          <a:lstStyle/>
-          <a:p>
-            <a:r>
-              <a:rPr lang="en-US" dirty="0" smtClean="0"/>
-              <a:t>Element Variables:</a:t>
-            </a:r>
-          </a:p>
-          <a:p>
-            <a:pPr lvl="1"/>
-            <a:r>
-              <a:rPr lang="en-US" dirty="0" smtClean="0"/>
-              <a:t>Integration order (#of GP)</a:t>
-            </a:r>
-          </a:p>
-          <a:p>
-            <a:pPr lvl="1"/>
-            <a:r>
-              <a:rPr lang="en-US" dirty="0" smtClean="0"/>
-              <a:t>Formulation type (Santos/</a:t>
-            </a:r>
-            <a:r>
-              <a:rPr lang="en-US" dirty="0" err="1" smtClean="0"/>
-              <a:t>Fellipa</a:t>
-            </a:r>
-            <a:r>
-              <a:rPr lang="en-US" dirty="0" smtClean="0"/>
-              <a:t>)</a:t>
-            </a:r>
-          </a:p>
-          <a:p>
-            <a:pPr lvl="1"/>
-            <a:r>
-              <a:rPr lang="en-US" dirty="0" smtClean="0"/>
-              <a:t>Hourglass Control</a:t>
-            </a:r>
-          </a:p>
-          <a:p>
-            <a:pPr lvl="1"/>
-            <a:r>
-              <a:rPr lang="en-US" dirty="0" smtClean="0"/>
-              <a:t>Selective Reduced Integration Correction</a:t>
-            </a:r>
-          </a:p>
-          <a:p>
-            <a:pPr lvl="1"/>
-            <a:endParaRPr lang="en-US" dirty="0"/>
-          </a:p>
-          <a:p>
-            <a:r>
-              <a:rPr lang="en-US" dirty="0"/>
-              <a:t>Problem Parameters:</a:t>
-            </a:r>
-          </a:p>
-          <a:p>
-            <a:pPr lvl="1"/>
-            <a:r>
-              <a:rPr lang="en-US" dirty="0"/>
-              <a:t>E, v</a:t>
-            </a:r>
-          </a:p>
-          <a:p>
-            <a:pPr lvl="1"/>
-            <a:r>
-              <a:rPr lang="en-US" dirty="0"/>
-              <a:t>[ID], OD, </a:t>
-            </a:r>
-            <a:r>
-              <a:rPr lang="en-US" dirty="0" smtClean="0"/>
-              <a:t>thickness</a:t>
-            </a:r>
-          </a:p>
-          <a:p>
-            <a:pPr lvl="1"/>
-            <a:endParaRPr lang="en-US" dirty="0" smtClean="0"/>
-          </a:p>
-          <a:p>
-            <a:pPr lvl="1"/>
-            <a:endParaRPr lang="en-US" dirty="0"/>
-          </a:p>
-        </p:txBody>
-      </p:sp>
-      <p:sp>
-        <p:nvSpPr>
-          <p:cNvPr id="4" name="Content Placeholder 3"/>
-          <p:cNvSpPr>
-            <a:spLocks noGrp="1"/>
-          </p:cNvSpPr>
-          <p:nvPr>
-            <p:ph sz="half" idx="2"/>
-          </p:nvPr>
-        </p:nvSpPr>
-        <p:spPr/>
-        <p:txBody>
-          <a:bodyPr>
-            <a:normAutofit lnSpcReduction="10000"/>
-          </a:bodyPr>
-          <a:lstStyle/>
-          <a:p>
-            <a:r>
-              <a:rPr lang="en-US" dirty="0" smtClean="0"/>
-              <a:t>Test Types:</a:t>
-            </a:r>
-          </a:p>
-          <a:p>
-            <a:pPr lvl="1"/>
-            <a:r>
-              <a:rPr lang="en-US" dirty="0" smtClean="0"/>
-              <a:t>Pinned vs fixed boundary</a:t>
-            </a:r>
-          </a:p>
-          <a:p>
-            <a:pPr lvl="1"/>
-            <a:r>
-              <a:rPr lang="en-US" dirty="0" smtClean="0"/>
-              <a:t>Concentrated vs distributed load</a:t>
-            </a:r>
-          </a:p>
-          <a:p>
-            <a:pPr lvl="1"/>
-            <a:r>
-              <a:rPr lang="en-US" dirty="0" smtClean="0"/>
-              <a:t>Plate vs washer geometry</a:t>
-            </a:r>
-          </a:p>
-          <a:p>
-            <a:pPr lvl="1"/>
-            <a:r>
-              <a:rPr lang="en-US" dirty="0" smtClean="0"/>
-              <a:t>8 total tests</a:t>
-            </a:r>
-          </a:p>
-        </p:txBody>
-      </p:sp>
-    </p:spTree>
-    <p:extLst>
-      <p:ext uri="{BB962C8B-B14F-4D97-AF65-F5344CB8AC3E}">
-        <p14:creationId xmlns:p14="http://schemas.microsoft.com/office/powerpoint/2010/main" val="4122003554"/>
-      </p:ext>
-    </p:extLst>
-  </p:cSld>
-  <p:clrMapOvr>
-    <a:masterClrMapping/>
-  </p:clrMapOvr>
-  <p:timing>
-    <p:tnLst>
-      <p:par>
-        <p:cTn xmlns:p14="http://schemas.microsoft.com/office/powerpoint/2010/main" id="1" dur="indefinite" restart="never" nodeType="tmRoot"/>
-      </p:par>
-    </p:tnLst>
-  </p:timing>
-</p:sld>
-</file>
-
-<file path=ppt/slides/slide15.xml><?xml version="1.0" encoding="utf-8"?>
-<p:sld xmlns:a="http://schemas.openxmlformats.org/drawingml/2006/main" xmlns:r="http://schemas.openxmlformats.org/officeDocument/2006/relationships" xmlns:p="http://schemas.openxmlformats.org/presentationml/2006/main">
-  <p:cSld>
-    <p:spTree>
-      <p:nvGrpSpPr>
-        <p:cNvPr id="1" name=""/>
-        <p:cNvGrpSpPr/>
-        <p:nvPr/>
-      </p:nvGrpSpPr>
-      <p:grpSpPr>
-        <a:xfrm>
-          <a:off x="0" y="0"/>
-          <a:ext cx="0" cy="0"/>
-          <a:chOff x="0" y="0"/>
-          <a:chExt cx="0" cy="0"/>
-        </a:xfrm>
-      </p:grpSpPr>
-      <p:sp>
-        <p:nvSpPr>
-          <p:cNvPr id="2" name="Title 1"/>
-          <p:cNvSpPr>
-            <a:spLocks noGrp="1"/>
-          </p:cNvSpPr>
-          <p:nvPr>
-            <p:ph type="title"/>
-          </p:nvPr>
-        </p:nvSpPr>
-        <p:spPr/>
-        <p:txBody>
-          <a:bodyPr/>
-          <a:lstStyle/>
-          <a:p>
-            <a:r>
-              <a:rPr lang="en-US" dirty="0" smtClean="0"/>
               <a:t>Mesh Deformations</a:t>
             </a:r>
             <a:endParaRPr lang="en-US" dirty="0"/>
@@ -6811,7 +3922,7 @@
   <p:timing>
     <p:tnLst>
       <p:par>
-        <p:cTn xmlns:p14="http://schemas.microsoft.com/office/powerpoint/2010/main" id="1" dur="indefinite" restart="never" nodeType="tmRoot">
+        <p:cTn id="1" dur="indefinite" restart="never" nodeType="tmRoot">
           <p:childTnLst>
             <p:seq concurrent="1" nextAc="seek">
               <p:cTn id="2" dur="indefinite" nodeType="mainSeq">
@@ -6976,7 +4087,7 @@
 </p:sld>
 </file>
 
-<file path=ppt/slides/slide16.xml><?xml version="1.0" encoding="utf-8"?>
+<file path=ppt/slides/slide15.xml><?xml version="1.0" encoding="utf-8"?>
 <p:sld xmlns:a="http://schemas.openxmlformats.org/drawingml/2006/main" xmlns:r="http://schemas.openxmlformats.org/officeDocument/2006/relationships" xmlns:p="http://schemas.openxmlformats.org/presentationml/2006/main">
   <p:cSld>
     <p:spTree>
@@ -7177,14 +4288,14 @@
   <p:timing>
     <p:tnLst>
       <p:par>
-        <p:cTn xmlns:p14="http://schemas.microsoft.com/office/powerpoint/2010/main" id="1" dur="indefinite" restart="never" nodeType="tmRoot"/>
+        <p:cTn id="1" dur="indefinite" restart="never" nodeType="tmRoot"/>
       </p:par>
     </p:tnLst>
   </p:timing>
 </p:sld>
 </file>
 
-<file path=ppt/slides/slide17.xml><?xml version="1.0" encoding="utf-8"?>
+<file path=ppt/slides/slide16.xml><?xml version="1.0" encoding="utf-8"?>
 <p:sld xmlns:a="http://schemas.openxmlformats.org/drawingml/2006/main" xmlns:r="http://schemas.openxmlformats.org/officeDocument/2006/relationships" xmlns:p="http://schemas.openxmlformats.org/presentationml/2006/main">
   <p:cSld>
     <p:spTree>
@@ -7417,7 +4528,7 @@
   <p:timing>
     <p:tnLst>
       <p:par>
-        <p:cTn xmlns:p14="http://schemas.microsoft.com/office/powerpoint/2010/main" id="1" dur="indefinite" restart="never" nodeType="tmRoot"/>
+        <p:cTn id="1" dur="indefinite" restart="never" nodeType="tmRoot"/>
       </p:par>
     </p:tnLst>
   </p:timing>
@@ -7872,6 +4983,13 @@
   <p:clrMapOvr>
     <a:masterClrMapping/>
   </p:clrMapOvr>
+  <p:timing>
+    <p:tnLst>
+      <p:par>
+        <p:cTn id="1" dur="indefinite" restart="never" nodeType="tmRoot"/>
+      </p:par>
+    </p:tnLst>
+  </p:timing>
 </p:sld>
 </file>
 
@@ -7963,7 +5081,7 @@
   <p:timing>
     <p:tnLst>
       <p:par>
-        <p:cTn xmlns:p14="http://schemas.microsoft.com/office/powerpoint/2010/main" id="1" dur="indefinite" restart="never" nodeType="tmRoot"/>
+        <p:cTn id="1" dur="indefinite" restart="never" nodeType="tmRoot"/>
       </p:par>
     </p:tnLst>
   </p:timing>
@@ -8058,7 +5176,7 @@
   <p:timing>
     <p:tnLst>
       <p:par>
-        <p:cTn xmlns:p14="http://schemas.microsoft.com/office/powerpoint/2010/main" id="1" dur="indefinite" restart="never" nodeType="tmRoot"/>
+        <p:cTn id="1" dur="indefinite" restart="never" nodeType="tmRoot"/>
       </p:par>
     </p:tnLst>
   </p:timing>
@@ -8256,7 +5374,7 @@
   <p:timing>
     <p:tnLst>
       <p:par>
-        <p:cTn xmlns:p14="http://schemas.microsoft.com/office/powerpoint/2010/main" id="1" dur="indefinite" restart="never" nodeType="tmRoot"/>
+        <p:cTn id="1" dur="indefinite" restart="never" nodeType="tmRoot"/>
       </p:par>
     </p:tnLst>
   </p:timing>
@@ -8303,35 +5421,1022 @@
           </a:p>
         </p:txBody>
       </p:sp>
-      <p:graphicFrame>
-        <p:nvGraphicFramePr>
-          <p:cNvPr id="5" name="Content Placeholder 4"/>
-          <p:cNvGraphicFramePr>
-            <a:graphicFrameLocks noGrp="1"/>
-          </p:cNvGraphicFramePr>
-          <p:nvPr>
-            <p:ph idx="1"/>
-            <p:extLst>
-              <p:ext uri="{D42A27DB-BD31-4B8C-83A1-F6EECF244321}">
-                <p14:modId xmlns:p14="http://schemas.microsoft.com/office/powerpoint/2010/main" val="568913409"/>
-              </p:ext>
-            </p:extLst>
-          </p:nvPr>
-        </p:nvGraphicFramePr>
-        <p:xfrm>
-          <a:off x="2067983" y="1791758"/>
-          <a:ext cx="6830483" cy="4351338"/>
-        </p:xfrm>
-        <a:graphic>
-          <a:graphicData uri="http://schemas.openxmlformats.org/drawingml/2006/diagram">
-            <dgm:relIds xmlns:dgm="http://schemas.openxmlformats.org/drawingml/2006/diagram" xmlns:r="http://schemas.openxmlformats.org/officeDocument/2006/relationships" r:dm="rId2" r:lo="rId3" r:qs="rId4" r:cs="rId5"/>
-          </a:graphicData>
-        </a:graphic>
-      </p:graphicFrame>
+      <p:sp>
+        <p:nvSpPr>
+          <p:cNvPr id="4" name="Process 3"/>
+          <p:cNvSpPr/>
+          <p:nvPr/>
+        </p:nvSpPr>
+        <p:spPr>
+          <a:xfrm>
+            <a:off x="330706" y="1680185"/>
+            <a:ext cx="1481560" cy="1640495"/>
+          </a:xfrm>
+          <a:prstGeom prst="flowChartProcess">
+            <a:avLst/>
+          </a:prstGeom>
+        </p:spPr>
+        <p:style>
+          <a:lnRef idx="1">
+            <a:schemeClr val="accent1"/>
+          </a:lnRef>
+          <a:fillRef idx="3">
+            <a:schemeClr val="accent1"/>
+          </a:fillRef>
+          <a:effectRef idx="2">
+            <a:schemeClr val="accent1"/>
+          </a:effectRef>
+          <a:fontRef idx="minor">
+            <a:schemeClr val="lt1"/>
+          </a:fontRef>
+        </p:style>
+        <p:txBody>
+          <a:bodyPr rtlCol="0" anchor="ctr"/>
+          <a:lstStyle/>
+          <a:p>
+            <a:pPr algn="ctr"/>
+            <a:r>
+              <a:rPr lang="en-US" dirty="0" smtClean="0"/>
+              <a:t>Find Specific Value From a Given Stress Displacement Problem </a:t>
+            </a:r>
+            <a:endParaRPr lang="en-US" dirty="0"/>
+          </a:p>
+        </p:txBody>
+      </p:sp>
+      <p:sp>
+        <p:nvSpPr>
+          <p:cNvPr id="6" name="Decision 5"/>
+          <p:cNvSpPr/>
+          <p:nvPr/>
+        </p:nvSpPr>
+        <p:spPr>
+          <a:xfrm>
+            <a:off x="2367849" y="1666953"/>
+            <a:ext cx="2037146" cy="555651"/>
+          </a:xfrm>
+          <a:prstGeom prst="flowChartDecision">
+            <a:avLst/>
+          </a:prstGeom>
+        </p:spPr>
+        <p:style>
+          <a:lnRef idx="1">
+            <a:schemeClr val="accent1"/>
+          </a:lnRef>
+          <a:fillRef idx="3">
+            <a:schemeClr val="accent1"/>
+          </a:fillRef>
+          <a:effectRef idx="2">
+            <a:schemeClr val="accent1"/>
+          </a:effectRef>
+          <a:fontRef idx="minor">
+            <a:schemeClr val="lt1"/>
+          </a:fontRef>
+        </p:style>
+        <p:txBody>
+          <a:bodyPr rtlCol="0" anchor="ctr"/>
+          <a:lstStyle/>
+          <a:p>
+            <a:pPr algn="ctr"/>
+            <a:r>
+              <a:rPr lang="en-US" dirty="0" smtClean="0"/>
+              <a:t>Method</a:t>
+            </a:r>
+            <a:endParaRPr lang="en-US" dirty="0"/>
+          </a:p>
+        </p:txBody>
+      </p:sp>
+      <p:cxnSp>
+        <p:nvCxnSpPr>
+          <p:cNvPr id="8" name="Straight Arrow Connector 7"/>
+          <p:cNvCxnSpPr>
+            <a:stCxn id="4" idx="3"/>
+            <a:endCxn id="6" idx="1"/>
+          </p:cNvCxnSpPr>
+          <p:nvPr/>
+        </p:nvCxnSpPr>
+        <p:spPr>
+          <a:xfrm flipV="1">
+            <a:off x="1812266" y="1944779"/>
+            <a:ext cx="555583" cy="555654"/>
+          </a:xfrm>
+          <a:prstGeom prst="straightConnector1">
+            <a:avLst/>
+          </a:prstGeom>
+          <a:ln>
+            <a:tailEnd type="arrow"/>
+          </a:ln>
+        </p:spPr>
+        <p:style>
+          <a:lnRef idx="2">
+            <a:schemeClr val="accent1"/>
+          </a:lnRef>
+          <a:fillRef idx="0">
+            <a:schemeClr val="accent1"/>
+          </a:fillRef>
+          <a:effectRef idx="1">
+            <a:schemeClr val="accent1"/>
+          </a:effectRef>
+          <a:fontRef idx="minor">
+            <a:schemeClr val="tx1"/>
+          </a:fontRef>
+        </p:style>
+      </p:cxnSp>
+      <p:sp>
+        <p:nvSpPr>
+          <p:cNvPr id="16" name="Alternate Process 15"/>
+          <p:cNvSpPr/>
+          <p:nvPr/>
+        </p:nvSpPr>
+        <p:spPr>
+          <a:xfrm>
+            <a:off x="3082170" y="2659191"/>
+            <a:ext cx="1084713" cy="612648"/>
+          </a:xfrm>
+          <a:prstGeom prst="flowChartAlternateProcess">
+            <a:avLst/>
+          </a:prstGeom>
+        </p:spPr>
+        <p:style>
+          <a:lnRef idx="1">
+            <a:schemeClr val="accent1"/>
+          </a:lnRef>
+          <a:fillRef idx="3">
+            <a:schemeClr val="accent1"/>
+          </a:fillRef>
+          <a:effectRef idx="2">
+            <a:schemeClr val="accent1"/>
+          </a:effectRef>
+          <a:fontRef idx="minor">
+            <a:schemeClr val="lt1"/>
+          </a:fontRef>
+        </p:style>
+        <p:txBody>
+          <a:bodyPr rtlCol="0" anchor="ctr"/>
+          <a:lstStyle/>
+          <a:p>
+            <a:pPr algn="ctr"/>
+            <a:r>
+              <a:rPr lang="en-US" dirty="0" smtClean="0"/>
+              <a:t>Analytic Solution</a:t>
+            </a:r>
+          </a:p>
+        </p:txBody>
+      </p:sp>
+      <p:sp>
+        <p:nvSpPr>
+          <p:cNvPr id="17" name="Alternate Process 16"/>
+          <p:cNvSpPr/>
+          <p:nvPr/>
+        </p:nvSpPr>
+        <p:spPr>
+          <a:xfrm>
+            <a:off x="5357424" y="1799253"/>
+            <a:ext cx="1084713" cy="833479"/>
+          </a:xfrm>
+          <a:prstGeom prst="flowChartAlternateProcess">
+            <a:avLst/>
+          </a:prstGeom>
+        </p:spPr>
+        <p:style>
+          <a:lnRef idx="1">
+            <a:schemeClr val="accent1"/>
+          </a:lnRef>
+          <a:fillRef idx="3">
+            <a:schemeClr val="accent1"/>
+          </a:fillRef>
+          <a:effectRef idx="2">
+            <a:schemeClr val="accent1"/>
+          </a:effectRef>
+          <a:fontRef idx="minor">
+            <a:schemeClr val="lt1"/>
+          </a:fontRef>
+        </p:style>
+        <p:txBody>
+          <a:bodyPr rtlCol="0" anchor="ctr"/>
+          <a:lstStyle/>
+          <a:p>
+            <a:pPr algn="ctr"/>
+            <a:r>
+              <a:rPr lang="en-US" dirty="0" smtClean="0"/>
+              <a:t>Finite Element Solution</a:t>
+            </a:r>
+          </a:p>
+        </p:txBody>
+      </p:sp>
+      <p:cxnSp>
+        <p:nvCxnSpPr>
+          <p:cNvPr id="19" name="Elbow Connector 18"/>
+          <p:cNvCxnSpPr>
+            <a:stCxn id="6" idx="2"/>
+            <a:endCxn id="16" idx="1"/>
+          </p:cNvCxnSpPr>
+          <p:nvPr/>
+        </p:nvCxnSpPr>
+        <p:spPr>
+          <a:xfrm rot="5400000">
+            <a:off x="2862841" y="2441933"/>
+            <a:ext cx="742911" cy="304252"/>
+          </a:xfrm>
+          <a:prstGeom prst="bentConnector4">
+            <a:avLst>
+              <a:gd name="adj1" fmla="val 29383"/>
+              <a:gd name="adj2" fmla="val 175135"/>
+            </a:avLst>
+          </a:prstGeom>
+          <a:ln>
+            <a:tailEnd type="arrow"/>
+          </a:ln>
+        </p:spPr>
+        <p:style>
+          <a:lnRef idx="2">
+            <a:schemeClr val="accent1"/>
+          </a:lnRef>
+          <a:fillRef idx="0">
+            <a:schemeClr val="accent1"/>
+          </a:fillRef>
+          <a:effectRef idx="1">
+            <a:schemeClr val="accent1"/>
+          </a:effectRef>
+          <a:fontRef idx="minor">
+            <a:schemeClr val="tx1"/>
+          </a:fontRef>
+        </p:style>
+      </p:cxnSp>
+      <p:cxnSp>
+        <p:nvCxnSpPr>
+          <p:cNvPr id="25" name="Elbow Connector 24"/>
+          <p:cNvCxnSpPr>
+            <a:stCxn id="6" idx="3"/>
+            <a:endCxn id="17" idx="1"/>
+          </p:cNvCxnSpPr>
+          <p:nvPr/>
+        </p:nvCxnSpPr>
+        <p:spPr>
+          <a:xfrm>
+            <a:off x="4404995" y="1944779"/>
+            <a:ext cx="952429" cy="271214"/>
+          </a:xfrm>
+          <a:prstGeom prst="bentConnector3">
+            <a:avLst>
+              <a:gd name="adj1" fmla="val 50000"/>
+            </a:avLst>
+          </a:prstGeom>
+          <a:ln>
+            <a:tailEnd type="arrow"/>
+          </a:ln>
+        </p:spPr>
+        <p:style>
+          <a:lnRef idx="2">
+            <a:schemeClr val="accent1"/>
+          </a:lnRef>
+          <a:fillRef idx="0">
+            <a:schemeClr val="accent1"/>
+          </a:fillRef>
+          <a:effectRef idx="1">
+            <a:schemeClr val="accent1"/>
+          </a:effectRef>
+          <a:fontRef idx="minor">
+            <a:schemeClr val="tx1"/>
+          </a:fontRef>
+        </p:style>
+      </p:cxnSp>
+      <p:sp>
+        <p:nvSpPr>
+          <p:cNvPr id="30" name="Extract 29"/>
+          <p:cNvSpPr/>
+          <p:nvPr/>
+        </p:nvSpPr>
+        <p:spPr>
+          <a:xfrm>
+            <a:off x="2566272" y="3532359"/>
+            <a:ext cx="2037143" cy="1375899"/>
+          </a:xfrm>
+          <a:prstGeom prst="flowChartExtract">
+            <a:avLst/>
+          </a:prstGeom>
+        </p:spPr>
+        <p:style>
+          <a:lnRef idx="1">
+            <a:schemeClr val="accent1"/>
+          </a:lnRef>
+          <a:fillRef idx="3">
+            <a:schemeClr val="accent1"/>
+          </a:fillRef>
+          <a:effectRef idx="2">
+            <a:schemeClr val="accent1"/>
+          </a:effectRef>
+          <a:fontRef idx="minor">
+            <a:schemeClr val="lt1"/>
+          </a:fontRef>
+        </p:style>
+        <p:txBody>
+          <a:bodyPr rtlCol="0" anchor="ctr"/>
+          <a:lstStyle/>
+          <a:p>
+            <a:pPr algn="ctr"/>
+            <a:r>
+              <a:rPr lang="en-US" dirty="0" smtClean="0"/>
+              <a:t>Analytic Answer</a:t>
+            </a:r>
+            <a:endParaRPr lang="en-US" dirty="0"/>
+          </a:p>
+        </p:txBody>
+      </p:sp>
+      <p:cxnSp>
+        <p:nvCxnSpPr>
+          <p:cNvPr id="32" name="Elbow Connector 31"/>
+          <p:cNvCxnSpPr>
+            <a:stCxn id="16" idx="2"/>
+            <a:endCxn id="30" idx="1"/>
+          </p:cNvCxnSpPr>
+          <p:nvPr/>
+        </p:nvCxnSpPr>
+        <p:spPr>
+          <a:xfrm rot="5400000">
+            <a:off x="2875808" y="3471590"/>
+            <a:ext cx="948470" cy="548969"/>
+          </a:xfrm>
+          <a:prstGeom prst="bentConnector4">
+            <a:avLst>
+              <a:gd name="adj1" fmla="val 13734"/>
+              <a:gd name="adj2" fmla="val 141642"/>
+            </a:avLst>
+          </a:prstGeom>
+          <a:ln>
+            <a:tailEnd type="arrow"/>
+          </a:ln>
+        </p:spPr>
+        <p:style>
+          <a:lnRef idx="2">
+            <a:schemeClr val="accent1"/>
+          </a:lnRef>
+          <a:fillRef idx="0">
+            <a:schemeClr val="accent1"/>
+          </a:fillRef>
+          <a:effectRef idx="1">
+            <a:schemeClr val="accent1"/>
+          </a:effectRef>
+          <a:fontRef idx="minor">
+            <a:schemeClr val="tx1"/>
+          </a:fontRef>
+        </p:style>
+      </p:cxnSp>
+      <p:sp>
+        <p:nvSpPr>
+          <p:cNvPr id="36" name="Extract 35"/>
+          <p:cNvSpPr/>
+          <p:nvPr/>
+        </p:nvSpPr>
+        <p:spPr>
+          <a:xfrm>
+            <a:off x="5039949" y="3082546"/>
+            <a:ext cx="2037143" cy="1375899"/>
+          </a:xfrm>
+          <a:prstGeom prst="flowChartExtract">
+            <a:avLst/>
+          </a:prstGeom>
+        </p:spPr>
+        <p:style>
+          <a:lnRef idx="1">
+            <a:schemeClr val="accent1"/>
+          </a:lnRef>
+          <a:fillRef idx="3">
+            <a:schemeClr val="accent1"/>
+          </a:fillRef>
+          <a:effectRef idx="2">
+            <a:schemeClr val="accent1"/>
+          </a:effectRef>
+          <a:fontRef idx="minor">
+            <a:schemeClr val="lt1"/>
+          </a:fontRef>
+        </p:style>
+        <p:txBody>
+          <a:bodyPr rtlCol="0" anchor="ctr"/>
+          <a:lstStyle/>
+          <a:p>
+            <a:pPr algn="ctr"/>
+            <a:r>
+              <a:rPr lang="en-US" dirty="0" smtClean="0"/>
+              <a:t>FEA Answer</a:t>
+            </a:r>
+            <a:endParaRPr lang="en-US" dirty="0"/>
+          </a:p>
+        </p:txBody>
+      </p:sp>
+      <p:cxnSp>
+        <p:nvCxnSpPr>
+          <p:cNvPr id="38" name="Elbow Connector 37"/>
+          <p:cNvCxnSpPr>
+            <a:stCxn id="17" idx="2"/>
+            <a:endCxn id="36" idx="1"/>
+          </p:cNvCxnSpPr>
+          <p:nvPr/>
+        </p:nvCxnSpPr>
+        <p:spPr>
+          <a:xfrm rot="5400000">
+            <a:off x="5155626" y="3026341"/>
+            <a:ext cx="1137764" cy="350546"/>
+          </a:xfrm>
+          <a:prstGeom prst="bentConnector4">
+            <a:avLst>
+              <a:gd name="adj1" fmla="val 19767"/>
+              <a:gd name="adj2" fmla="val 165213"/>
+            </a:avLst>
+          </a:prstGeom>
+          <a:ln>
+            <a:tailEnd type="arrow"/>
+          </a:ln>
+        </p:spPr>
+        <p:style>
+          <a:lnRef idx="2">
+            <a:schemeClr val="accent1"/>
+          </a:lnRef>
+          <a:fillRef idx="0">
+            <a:schemeClr val="accent1"/>
+          </a:fillRef>
+          <a:effectRef idx="1">
+            <a:schemeClr val="accent1"/>
+          </a:effectRef>
+          <a:fontRef idx="minor">
+            <a:schemeClr val="tx1"/>
+          </a:fontRef>
+        </p:style>
+      </p:cxnSp>
+      <p:sp>
+        <p:nvSpPr>
+          <p:cNvPr id="59" name="Data 58"/>
+          <p:cNvSpPr/>
+          <p:nvPr/>
+        </p:nvSpPr>
+        <p:spPr>
+          <a:xfrm>
+            <a:off x="3836180" y="5318381"/>
+            <a:ext cx="1693211" cy="612648"/>
+          </a:xfrm>
+          <a:prstGeom prst="flowChartInputOutput">
+            <a:avLst/>
+          </a:prstGeom>
+        </p:spPr>
+        <p:style>
+          <a:lnRef idx="1">
+            <a:schemeClr val="accent1"/>
+          </a:lnRef>
+          <a:fillRef idx="3">
+            <a:schemeClr val="accent1"/>
+          </a:fillRef>
+          <a:effectRef idx="2">
+            <a:schemeClr val="accent1"/>
+          </a:effectRef>
+          <a:fontRef idx="minor">
+            <a:schemeClr val="lt1"/>
+          </a:fontRef>
+        </p:style>
+        <p:txBody>
+          <a:bodyPr rtlCol="0" anchor="ctr"/>
+          <a:lstStyle/>
+          <a:p>
+            <a:pPr algn="ctr"/>
+            <a:r>
+              <a:rPr lang="en-US" dirty="0" smtClean="0"/>
+              <a:t>Obtain Error</a:t>
+            </a:r>
+            <a:endParaRPr lang="en-US" dirty="0"/>
+          </a:p>
+        </p:txBody>
+      </p:sp>
+      <p:cxnSp>
+        <p:nvCxnSpPr>
+          <p:cNvPr id="61" name="Straight Arrow Connector 60"/>
+          <p:cNvCxnSpPr>
+            <a:stCxn id="30" idx="2"/>
+            <a:endCxn id="59" idx="1"/>
+          </p:cNvCxnSpPr>
+          <p:nvPr/>
+        </p:nvCxnSpPr>
+        <p:spPr>
+          <a:xfrm>
+            <a:off x="3584844" y="4908258"/>
+            <a:ext cx="1097942" cy="410123"/>
+          </a:xfrm>
+          <a:prstGeom prst="straightConnector1">
+            <a:avLst/>
+          </a:prstGeom>
+          <a:ln>
+            <a:tailEnd type="arrow"/>
+          </a:ln>
+        </p:spPr>
+        <p:style>
+          <a:lnRef idx="2">
+            <a:schemeClr val="accent1"/>
+          </a:lnRef>
+          <a:fillRef idx="0">
+            <a:schemeClr val="accent1"/>
+          </a:fillRef>
+          <a:effectRef idx="1">
+            <a:schemeClr val="accent1"/>
+          </a:effectRef>
+          <a:fontRef idx="minor">
+            <a:schemeClr val="tx1"/>
+          </a:fontRef>
+        </p:style>
+      </p:cxnSp>
+      <p:cxnSp>
+        <p:nvCxnSpPr>
+          <p:cNvPr id="64" name="Straight Arrow Connector 63"/>
+          <p:cNvCxnSpPr>
+            <a:stCxn id="36" idx="2"/>
+            <a:endCxn id="59" idx="0"/>
+          </p:cNvCxnSpPr>
+          <p:nvPr/>
+        </p:nvCxnSpPr>
+        <p:spPr>
+          <a:xfrm flipH="1">
+            <a:off x="4852107" y="4458445"/>
+            <a:ext cx="1206414" cy="859936"/>
+          </a:xfrm>
+          <a:prstGeom prst="straightConnector1">
+            <a:avLst/>
+          </a:prstGeom>
+          <a:ln>
+            <a:tailEnd type="arrow"/>
+          </a:ln>
+        </p:spPr>
+        <p:style>
+          <a:lnRef idx="2">
+            <a:schemeClr val="accent1"/>
+          </a:lnRef>
+          <a:fillRef idx="0">
+            <a:schemeClr val="accent1"/>
+          </a:fillRef>
+          <a:effectRef idx="1">
+            <a:schemeClr val="accent1"/>
+          </a:effectRef>
+          <a:fontRef idx="minor">
+            <a:schemeClr val="tx1"/>
+          </a:fontRef>
+        </p:style>
+      </p:cxnSp>
+      <p:sp>
+        <p:nvSpPr>
+          <p:cNvPr id="70" name="Alternate Process 69"/>
+          <p:cNvSpPr/>
+          <p:nvPr/>
+        </p:nvSpPr>
+        <p:spPr>
+          <a:xfrm>
+            <a:off x="7884013" y="3175153"/>
+            <a:ext cx="914400" cy="612648"/>
+          </a:xfrm>
+          <a:prstGeom prst="flowChartAlternateProcess">
+            <a:avLst/>
+          </a:prstGeom>
+        </p:spPr>
+        <p:style>
+          <a:lnRef idx="1">
+            <a:schemeClr val="accent1"/>
+          </a:lnRef>
+          <a:fillRef idx="3">
+            <a:schemeClr val="accent1"/>
+          </a:fillRef>
+          <a:effectRef idx="2">
+            <a:schemeClr val="accent1"/>
+          </a:effectRef>
+          <a:fontRef idx="minor">
+            <a:schemeClr val="lt1"/>
+          </a:fontRef>
+        </p:style>
+        <p:txBody>
+          <a:bodyPr rtlCol="0" anchor="ctr"/>
+          <a:lstStyle/>
+          <a:p>
+            <a:pPr algn="ctr"/>
+            <a:r>
+              <a:rPr lang="en-US" dirty="0" smtClean="0"/>
+              <a:t>Refine Mesh</a:t>
+            </a:r>
+            <a:endParaRPr lang="en-US" dirty="0"/>
+          </a:p>
+        </p:txBody>
+      </p:sp>
+      <p:sp>
+        <p:nvSpPr>
+          <p:cNvPr id="71" name="Snip Diagonal Corner Rectangle 70"/>
+          <p:cNvSpPr/>
+          <p:nvPr/>
+        </p:nvSpPr>
+        <p:spPr>
+          <a:xfrm>
+            <a:off x="3889094" y="6115588"/>
+            <a:ext cx="1602267" cy="353786"/>
+          </a:xfrm>
+          <a:prstGeom prst="snip2DiagRect">
+            <a:avLst/>
+          </a:prstGeom>
+        </p:spPr>
+        <p:style>
+          <a:lnRef idx="1">
+            <a:schemeClr val="accent1"/>
+          </a:lnRef>
+          <a:fillRef idx="3">
+            <a:schemeClr val="accent1"/>
+          </a:fillRef>
+          <a:effectRef idx="2">
+            <a:schemeClr val="accent1"/>
+          </a:effectRef>
+          <a:fontRef idx="minor">
+            <a:schemeClr val="lt1"/>
+          </a:fontRef>
+        </p:style>
+        <p:txBody>
+          <a:bodyPr rtlCol="0" anchor="ctr"/>
+          <a:lstStyle/>
+          <a:p>
+            <a:pPr algn="ctr"/>
+            <a:r>
+              <a:rPr lang="en-US" dirty="0" smtClean="0"/>
+              <a:t>Appropriate?</a:t>
+            </a:r>
+            <a:endParaRPr lang="en-US" dirty="0"/>
+          </a:p>
+        </p:txBody>
+      </p:sp>
+      <p:cxnSp>
+        <p:nvCxnSpPr>
+          <p:cNvPr id="73" name="Straight Arrow Connector 72"/>
+          <p:cNvCxnSpPr>
+            <a:stCxn id="59" idx="4"/>
+            <a:endCxn id="71" idx="3"/>
+          </p:cNvCxnSpPr>
+          <p:nvPr/>
+        </p:nvCxnSpPr>
+        <p:spPr>
+          <a:xfrm>
+            <a:off x="4682786" y="5931029"/>
+            <a:ext cx="7442" cy="184559"/>
+          </a:xfrm>
+          <a:prstGeom prst="straightConnector1">
+            <a:avLst/>
+          </a:prstGeom>
+          <a:ln>
+            <a:tailEnd type="arrow"/>
+          </a:ln>
+        </p:spPr>
+        <p:style>
+          <a:lnRef idx="2">
+            <a:schemeClr val="accent1"/>
+          </a:lnRef>
+          <a:fillRef idx="0">
+            <a:schemeClr val="accent1"/>
+          </a:fillRef>
+          <a:effectRef idx="1">
+            <a:schemeClr val="accent1"/>
+          </a:effectRef>
+          <a:fontRef idx="minor">
+            <a:schemeClr val="tx1"/>
+          </a:fontRef>
+        </p:style>
+      </p:cxnSp>
+      <p:sp>
+        <p:nvSpPr>
+          <p:cNvPr id="75" name="Decision 74"/>
+          <p:cNvSpPr/>
+          <p:nvPr/>
+        </p:nvSpPr>
+        <p:spPr>
+          <a:xfrm>
+            <a:off x="2156198" y="6098940"/>
+            <a:ext cx="1139280" cy="612648"/>
+          </a:xfrm>
+          <a:prstGeom prst="flowChartDecision">
+            <a:avLst/>
+          </a:prstGeom>
+        </p:spPr>
+        <p:style>
+          <a:lnRef idx="1">
+            <a:schemeClr val="accent1"/>
+          </a:lnRef>
+          <a:fillRef idx="3">
+            <a:schemeClr val="accent1"/>
+          </a:fillRef>
+          <a:effectRef idx="2">
+            <a:schemeClr val="accent1"/>
+          </a:effectRef>
+          <a:fontRef idx="minor">
+            <a:schemeClr val="lt1"/>
+          </a:fontRef>
+        </p:style>
+        <p:txBody>
+          <a:bodyPr rtlCol="0" anchor="ctr"/>
+          <a:lstStyle/>
+          <a:p>
+            <a:pPr algn="ctr"/>
+            <a:r>
+              <a:rPr lang="en-US" dirty="0" smtClean="0"/>
+              <a:t>Yes</a:t>
+            </a:r>
+            <a:endParaRPr lang="en-US" dirty="0"/>
+          </a:p>
+        </p:txBody>
+      </p:sp>
+      <p:cxnSp>
+        <p:nvCxnSpPr>
+          <p:cNvPr id="77" name="Straight Arrow Connector 76"/>
+          <p:cNvCxnSpPr>
+            <a:stCxn id="71" idx="2"/>
+            <a:endCxn id="75" idx="3"/>
+          </p:cNvCxnSpPr>
+          <p:nvPr/>
+        </p:nvCxnSpPr>
+        <p:spPr>
+          <a:xfrm flipH="1">
+            <a:off x="3295478" y="6292481"/>
+            <a:ext cx="593616" cy="112783"/>
+          </a:xfrm>
+          <a:prstGeom prst="straightConnector1">
+            <a:avLst/>
+          </a:prstGeom>
+          <a:ln>
+            <a:tailEnd type="arrow"/>
+          </a:ln>
+        </p:spPr>
+        <p:style>
+          <a:lnRef idx="2">
+            <a:schemeClr val="accent1"/>
+          </a:lnRef>
+          <a:fillRef idx="0">
+            <a:schemeClr val="accent1"/>
+          </a:fillRef>
+          <a:effectRef idx="1">
+            <a:schemeClr val="accent1"/>
+          </a:effectRef>
+          <a:fontRef idx="minor">
+            <a:schemeClr val="tx1"/>
+          </a:fontRef>
+        </p:style>
+      </p:cxnSp>
+      <p:sp>
+        <p:nvSpPr>
+          <p:cNvPr id="80" name="Terminator 79"/>
+          <p:cNvSpPr/>
+          <p:nvPr/>
+        </p:nvSpPr>
+        <p:spPr>
+          <a:xfrm>
+            <a:off x="489444" y="5119935"/>
+            <a:ext cx="1377387" cy="447279"/>
+          </a:xfrm>
+          <a:prstGeom prst="flowChartTerminator">
+            <a:avLst/>
+          </a:prstGeom>
+        </p:spPr>
+        <p:style>
+          <a:lnRef idx="1">
+            <a:schemeClr val="accent1"/>
+          </a:lnRef>
+          <a:fillRef idx="3">
+            <a:schemeClr val="accent1"/>
+          </a:fillRef>
+          <a:effectRef idx="2">
+            <a:schemeClr val="accent1"/>
+          </a:effectRef>
+          <a:fontRef idx="minor">
+            <a:schemeClr val="lt1"/>
+          </a:fontRef>
+        </p:style>
+        <p:txBody>
+          <a:bodyPr rtlCol="0" anchor="ctr"/>
+          <a:lstStyle/>
+          <a:p>
+            <a:pPr algn="ctr"/>
+            <a:r>
+              <a:rPr lang="en-US" dirty="0" smtClean="0"/>
+              <a:t>Converged</a:t>
+            </a:r>
+            <a:endParaRPr lang="en-US" dirty="0"/>
+          </a:p>
+        </p:txBody>
+      </p:sp>
+      <p:cxnSp>
+        <p:nvCxnSpPr>
+          <p:cNvPr id="82" name="Elbow Connector 81"/>
+          <p:cNvCxnSpPr>
+            <a:stCxn id="75" idx="1"/>
+            <a:endCxn id="80" idx="2"/>
+          </p:cNvCxnSpPr>
+          <p:nvPr/>
+        </p:nvCxnSpPr>
+        <p:spPr>
+          <a:xfrm rot="10800000">
+            <a:off x="1178138" y="5567214"/>
+            <a:ext cx="978060" cy="838050"/>
+          </a:xfrm>
+          <a:prstGeom prst="bentConnector2">
+            <a:avLst/>
+          </a:prstGeom>
+          <a:ln>
+            <a:tailEnd type="arrow"/>
+          </a:ln>
+        </p:spPr>
+        <p:style>
+          <a:lnRef idx="2">
+            <a:schemeClr val="accent1"/>
+          </a:lnRef>
+          <a:fillRef idx="0">
+            <a:schemeClr val="accent1"/>
+          </a:fillRef>
+          <a:effectRef idx="1">
+            <a:schemeClr val="accent1"/>
+          </a:effectRef>
+          <a:fontRef idx="minor">
+            <a:schemeClr val="tx1"/>
+          </a:fontRef>
+        </p:style>
+      </p:cxnSp>
+      <p:sp>
+        <p:nvSpPr>
+          <p:cNvPr id="86" name="Decision 85"/>
+          <p:cNvSpPr/>
+          <p:nvPr/>
+        </p:nvSpPr>
+        <p:spPr>
+          <a:xfrm>
+            <a:off x="5965922" y="6098939"/>
+            <a:ext cx="1139280" cy="612648"/>
+          </a:xfrm>
+          <a:prstGeom prst="flowChartDecision">
+            <a:avLst/>
+          </a:prstGeom>
+        </p:spPr>
+        <p:style>
+          <a:lnRef idx="1">
+            <a:schemeClr val="accent1"/>
+          </a:lnRef>
+          <a:fillRef idx="3">
+            <a:schemeClr val="accent1"/>
+          </a:fillRef>
+          <a:effectRef idx="2">
+            <a:schemeClr val="accent1"/>
+          </a:effectRef>
+          <a:fontRef idx="minor">
+            <a:schemeClr val="lt1"/>
+          </a:fontRef>
+        </p:style>
+        <p:txBody>
+          <a:bodyPr rtlCol="0" anchor="ctr"/>
+          <a:lstStyle/>
+          <a:p>
+            <a:pPr algn="ctr"/>
+            <a:r>
+              <a:rPr lang="en-US" dirty="0" smtClean="0"/>
+              <a:t>No</a:t>
+            </a:r>
+            <a:endParaRPr lang="en-US" dirty="0"/>
+          </a:p>
+        </p:txBody>
+      </p:sp>
+      <p:cxnSp>
+        <p:nvCxnSpPr>
+          <p:cNvPr id="88" name="Straight Arrow Connector 87"/>
+          <p:cNvCxnSpPr>
+            <a:stCxn id="71" idx="0"/>
+            <a:endCxn id="86" idx="1"/>
+          </p:cNvCxnSpPr>
+          <p:nvPr/>
+        </p:nvCxnSpPr>
+        <p:spPr>
+          <a:xfrm>
+            <a:off x="5491361" y="6292481"/>
+            <a:ext cx="474561" cy="112782"/>
+          </a:xfrm>
+          <a:prstGeom prst="straightConnector1">
+            <a:avLst/>
+          </a:prstGeom>
+          <a:ln>
+            <a:tailEnd type="arrow"/>
+          </a:ln>
+        </p:spPr>
+        <p:style>
+          <a:lnRef idx="2">
+            <a:schemeClr val="accent1"/>
+          </a:lnRef>
+          <a:fillRef idx="0">
+            <a:schemeClr val="accent1"/>
+          </a:fillRef>
+          <a:effectRef idx="1">
+            <a:schemeClr val="accent1"/>
+          </a:effectRef>
+          <a:fontRef idx="minor">
+            <a:schemeClr val="tx1"/>
+          </a:fontRef>
+        </p:style>
+      </p:cxnSp>
+      <p:cxnSp>
+        <p:nvCxnSpPr>
+          <p:cNvPr id="92" name="Elbow Connector 91"/>
+          <p:cNvCxnSpPr>
+            <a:stCxn id="86" idx="3"/>
+            <a:endCxn id="70" idx="2"/>
+          </p:cNvCxnSpPr>
+          <p:nvPr/>
+        </p:nvCxnSpPr>
+        <p:spPr>
+          <a:xfrm flipV="1">
+            <a:off x="7105202" y="3787801"/>
+            <a:ext cx="1236011" cy="2617462"/>
+          </a:xfrm>
+          <a:prstGeom prst="bentConnector2">
+            <a:avLst/>
+          </a:prstGeom>
+          <a:ln>
+            <a:tailEnd type="arrow"/>
+          </a:ln>
+        </p:spPr>
+        <p:style>
+          <a:lnRef idx="2">
+            <a:schemeClr val="accent1"/>
+          </a:lnRef>
+          <a:fillRef idx="0">
+            <a:schemeClr val="accent1"/>
+          </a:fillRef>
+          <a:effectRef idx="1">
+            <a:schemeClr val="accent1"/>
+          </a:effectRef>
+          <a:fontRef idx="minor">
+            <a:schemeClr val="tx1"/>
+          </a:fontRef>
+        </p:style>
+      </p:cxnSp>
+      <p:cxnSp>
+        <p:nvCxnSpPr>
+          <p:cNvPr id="95" name="Straight Connector 94"/>
+          <p:cNvCxnSpPr>
+            <a:stCxn id="70" idx="0"/>
+          </p:cNvCxnSpPr>
+          <p:nvPr/>
+        </p:nvCxnSpPr>
+        <p:spPr>
+          <a:xfrm flipH="1" flipV="1">
+            <a:off x="8333772" y="1468508"/>
+            <a:ext cx="7441" cy="1706645"/>
+          </a:xfrm>
+          <a:prstGeom prst="line">
+            <a:avLst/>
+          </a:prstGeom>
+        </p:spPr>
+        <p:style>
+          <a:lnRef idx="2">
+            <a:schemeClr val="accent1"/>
+          </a:lnRef>
+          <a:fillRef idx="0">
+            <a:schemeClr val="accent1"/>
+          </a:fillRef>
+          <a:effectRef idx="1">
+            <a:schemeClr val="accent1"/>
+          </a:effectRef>
+          <a:fontRef idx="minor">
+            <a:schemeClr val="tx1"/>
+          </a:fontRef>
+        </p:style>
+      </p:cxnSp>
+      <p:cxnSp>
+        <p:nvCxnSpPr>
+          <p:cNvPr id="97" name="Elbow Connector 96"/>
+          <p:cNvCxnSpPr>
+            <a:endCxn id="17" idx="0"/>
+          </p:cNvCxnSpPr>
+          <p:nvPr/>
+        </p:nvCxnSpPr>
+        <p:spPr>
+          <a:xfrm rot="10800000" flipV="1">
+            <a:off x="5899782" y="1468507"/>
+            <a:ext cx="2433991" cy="330745"/>
+          </a:xfrm>
+          <a:prstGeom prst="bentConnector2">
+            <a:avLst/>
+          </a:prstGeom>
+          <a:ln>
+            <a:tailEnd type="arrow"/>
+          </a:ln>
+        </p:spPr>
+        <p:style>
+          <a:lnRef idx="2">
+            <a:schemeClr val="accent1"/>
+          </a:lnRef>
+          <a:fillRef idx="0">
+            <a:schemeClr val="accent1"/>
+          </a:fillRef>
+          <a:effectRef idx="1">
+            <a:schemeClr val="accent1"/>
+          </a:effectRef>
+          <a:fontRef idx="minor">
+            <a:schemeClr val="tx1"/>
+          </a:fontRef>
+        </p:style>
+      </p:cxnSp>
     </p:spTree>
     <p:extLst>
       <p:ext uri="{BB962C8B-B14F-4D97-AF65-F5344CB8AC3E}">
-        <p14:creationId xmlns:p14="http://schemas.microsoft.com/office/powerpoint/2010/main" val="3822154801"/>
+        <p14:creationId xmlns:p14="http://schemas.microsoft.com/office/powerpoint/2010/main" val="1801579212"/>
       </p:ext>
     </p:extLst>
   </p:cSld>
@@ -8341,7 +6446,7 @@
   <p:timing>
     <p:tnLst>
       <p:par>
-        <p:cTn xmlns:p14="http://schemas.microsoft.com/office/powerpoint/2010/main" id="1" dur="indefinite" restart="never" nodeType="tmRoot"/>
+        <p:cTn id="1" dur="indefinite" restart="never" nodeType="tmRoot"/>
       </p:par>
     </p:tnLst>
   </p:timing>
@@ -8382,1028 +6487,112 @@
           <a:p>
             <a:r>
               <a:rPr lang="en-US" dirty="0" smtClean="0"/>
-              <a:t>Verification Testing Process</a:t>
+              <a:t>Problems with Analytical Solution:</a:t>
             </a:r>
             <a:endParaRPr lang="en-US" dirty="0"/>
           </a:p>
         </p:txBody>
       </p:sp>
-      <p:sp>
-        <p:nvSpPr>
-          <p:cNvPr id="4" name="Process 3"/>
-          <p:cNvSpPr/>
+      <p:pic>
+        <p:nvPicPr>
+          <p:cNvPr id="5" name="Picture 4"/>
+          <p:cNvPicPr>
+            <a:picLocks noChangeAspect="1"/>
+          </p:cNvPicPr>
           <p:nvPr/>
-        </p:nvSpPr>
-        <p:spPr>
-          <a:xfrm>
-            <a:off x="330706" y="1680185"/>
-            <a:ext cx="1481560" cy="1640495"/>
-          </a:xfrm>
-          <a:prstGeom prst="flowChartProcess">
-            <a:avLst/>
-          </a:prstGeom>
-        </p:spPr>
-        <p:style>
-          <a:lnRef idx="1">
-            <a:schemeClr val="accent1"/>
-          </a:lnRef>
-          <a:fillRef idx="3">
-            <a:schemeClr val="accent1"/>
-          </a:fillRef>
-          <a:effectRef idx="2">
-            <a:schemeClr val="accent1"/>
-          </a:effectRef>
-          <a:fontRef idx="minor">
-            <a:schemeClr val="lt1"/>
-          </a:fontRef>
-        </p:style>
-        <p:txBody>
-          <a:bodyPr rtlCol="0" anchor="ctr"/>
-          <a:lstStyle/>
-          <a:p>
-            <a:pPr algn="ctr"/>
-            <a:r>
-              <a:rPr lang="en-US" dirty="0" smtClean="0"/>
-              <a:t>Find Specific Value From a Given Stress Displacement Problem </a:t>
-            </a:r>
-            <a:endParaRPr lang="en-US" dirty="0"/>
-          </a:p>
-        </p:txBody>
-      </p:sp>
-      <p:sp>
-        <p:nvSpPr>
-          <p:cNvPr id="6" name="Decision 5"/>
-          <p:cNvSpPr/>
+        </p:nvPicPr>
+        <p:blipFill>
+          <a:blip r:embed="rId2"/>
+          <a:stretch>
+            <a:fillRect/>
+          </a:stretch>
+        </p:blipFill>
+        <p:spPr>
+          <a:xfrm>
+            <a:off x="1003301" y="1539724"/>
+            <a:ext cx="3568700" cy="2608549"/>
+          </a:xfrm>
+          <a:prstGeom prst="rect">
+            <a:avLst/>
+          </a:prstGeom>
+        </p:spPr>
+      </p:pic>
+      <p:pic>
+        <p:nvPicPr>
+          <p:cNvPr id="7" name="Picture 6"/>
+          <p:cNvPicPr>
+            <a:picLocks noChangeAspect="1"/>
+          </p:cNvPicPr>
           <p:nvPr/>
-        </p:nvSpPr>
-        <p:spPr>
-          <a:xfrm>
-            <a:off x="2367849" y="1666953"/>
-            <a:ext cx="2037146" cy="555651"/>
-          </a:xfrm>
-          <a:prstGeom prst="flowChartDecision">
-            <a:avLst/>
-          </a:prstGeom>
-        </p:spPr>
-        <p:style>
-          <a:lnRef idx="1">
-            <a:schemeClr val="accent1"/>
-          </a:lnRef>
-          <a:fillRef idx="3">
-            <a:schemeClr val="accent1"/>
-          </a:fillRef>
-          <a:effectRef idx="2">
-            <a:schemeClr val="accent1"/>
-          </a:effectRef>
-          <a:fontRef idx="minor">
-            <a:schemeClr val="lt1"/>
-          </a:fontRef>
-        </p:style>
-        <p:txBody>
-          <a:bodyPr rtlCol="0" anchor="ctr"/>
-          <a:lstStyle/>
-          <a:p>
-            <a:pPr algn="ctr"/>
-            <a:r>
-              <a:rPr lang="en-US" dirty="0" smtClean="0"/>
-              <a:t>Method</a:t>
-            </a:r>
-            <a:endParaRPr lang="en-US" dirty="0"/>
-          </a:p>
-        </p:txBody>
-      </p:sp>
-      <p:cxnSp>
-        <p:nvCxnSpPr>
-          <p:cNvPr id="8" name="Straight Arrow Connector 7"/>
-          <p:cNvCxnSpPr>
-            <a:stCxn id="4" idx="3"/>
-            <a:endCxn id="6" idx="1"/>
-          </p:cNvCxnSpPr>
+        </p:nvPicPr>
+        <p:blipFill>
+          <a:blip r:embed="rId3"/>
+          <a:stretch>
+            <a:fillRect/>
+          </a:stretch>
+        </p:blipFill>
+        <p:spPr>
+          <a:xfrm>
+            <a:off x="1003301" y="4166023"/>
+            <a:ext cx="3568698" cy="2576922"/>
+          </a:xfrm>
+          <a:prstGeom prst="rect">
+            <a:avLst/>
+          </a:prstGeom>
+        </p:spPr>
+      </p:pic>
+      <p:pic>
+        <p:nvPicPr>
+          <p:cNvPr id="10" name="Picture 9"/>
+          <p:cNvPicPr>
+            <a:picLocks noChangeAspect="1"/>
+          </p:cNvPicPr>
           <p:nvPr/>
-        </p:nvCxnSpPr>
-        <p:spPr>
-          <a:xfrm flipV="1">
-            <a:off x="1812266" y="1944779"/>
-            <a:ext cx="555583" cy="555654"/>
-          </a:xfrm>
-          <a:prstGeom prst="straightConnector1">
-            <a:avLst/>
-          </a:prstGeom>
-          <a:ln>
-            <a:tailEnd type="arrow"/>
-          </a:ln>
-        </p:spPr>
-        <p:style>
-          <a:lnRef idx="2">
-            <a:schemeClr val="accent1"/>
-          </a:lnRef>
-          <a:fillRef idx="0">
-            <a:schemeClr val="accent1"/>
-          </a:fillRef>
-          <a:effectRef idx="1">
-            <a:schemeClr val="accent1"/>
-          </a:effectRef>
-          <a:fontRef idx="minor">
-            <a:schemeClr val="tx1"/>
-          </a:fontRef>
-        </p:style>
-      </p:cxnSp>
-      <p:sp>
-        <p:nvSpPr>
-          <p:cNvPr id="16" name="Alternate Process 15"/>
-          <p:cNvSpPr/>
+        </p:nvPicPr>
+        <p:blipFill>
+          <a:blip r:embed="rId4"/>
+          <a:stretch>
+            <a:fillRect/>
+          </a:stretch>
+        </p:blipFill>
+        <p:spPr>
+          <a:xfrm>
+            <a:off x="4572000" y="1535537"/>
+            <a:ext cx="3803650" cy="2814521"/>
+          </a:xfrm>
+          <a:prstGeom prst="rect">
+            <a:avLst/>
+          </a:prstGeom>
+        </p:spPr>
+      </p:pic>
+      <p:pic>
+        <p:nvPicPr>
+          <p:cNvPr id="12" name="Picture 11"/>
+          <p:cNvPicPr>
+            <a:picLocks noChangeAspect="1"/>
+          </p:cNvPicPr>
           <p:nvPr/>
-        </p:nvSpPr>
-        <p:spPr>
-          <a:xfrm>
-            <a:off x="3082170" y="2659191"/>
-            <a:ext cx="1084713" cy="612648"/>
-          </a:xfrm>
-          <a:prstGeom prst="flowChartAlternateProcess">
-            <a:avLst/>
-          </a:prstGeom>
-        </p:spPr>
-        <p:style>
-          <a:lnRef idx="1">
-            <a:schemeClr val="accent1"/>
-          </a:lnRef>
-          <a:fillRef idx="3">
-            <a:schemeClr val="accent1"/>
-          </a:fillRef>
-          <a:effectRef idx="2">
-            <a:schemeClr val="accent1"/>
-          </a:effectRef>
-          <a:fontRef idx="minor">
-            <a:schemeClr val="lt1"/>
-          </a:fontRef>
-        </p:style>
-        <p:txBody>
-          <a:bodyPr rtlCol="0" anchor="ctr"/>
-          <a:lstStyle/>
-          <a:p>
-            <a:pPr algn="ctr"/>
-            <a:r>
-              <a:rPr lang="en-US" dirty="0" smtClean="0"/>
-              <a:t>Analytic Solution</a:t>
-            </a:r>
-          </a:p>
-        </p:txBody>
-      </p:sp>
-      <p:sp>
-        <p:nvSpPr>
-          <p:cNvPr id="17" name="Alternate Process 16"/>
-          <p:cNvSpPr/>
-          <p:nvPr/>
-        </p:nvSpPr>
-        <p:spPr>
-          <a:xfrm>
-            <a:off x="5357424" y="1799253"/>
-            <a:ext cx="1084713" cy="833479"/>
-          </a:xfrm>
-          <a:prstGeom prst="flowChartAlternateProcess">
-            <a:avLst/>
-          </a:prstGeom>
-        </p:spPr>
-        <p:style>
-          <a:lnRef idx="1">
-            <a:schemeClr val="accent1"/>
-          </a:lnRef>
-          <a:fillRef idx="3">
-            <a:schemeClr val="accent1"/>
-          </a:fillRef>
-          <a:effectRef idx="2">
-            <a:schemeClr val="accent1"/>
-          </a:effectRef>
-          <a:fontRef idx="minor">
-            <a:schemeClr val="lt1"/>
-          </a:fontRef>
-        </p:style>
-        <p:txBody>
-          <a:bodyPr rtlCol="0" anchor="ctr"/>
-          <a:lstStyle/>
-          <a:p>
-            <a:pPr algn="ctr"/>
-            <a:r>
-              <a:rPr lang="en-US" dirty="0" smtClean="0"/>
-              <a:t>Finite Element Solution</a:t>
-            </a:r>
-          </a:p>
-        </p:txBody>
-      </p:sp>
-      <p:cxnSp>
-        <p:nvCxnSpPr>
-          <p:cNvPr id="19" name="Elbow Connector 18"/>
-          <p:cNvCxnSpPr>
-            <a:stCxn id="6" idx="2"/>
-            <a:endCxn id="16" idx="1"/>
-          </p:cNvCxnSpPr>
-          <p:nvPr/>
-        </p:nvCxnSpPr>
-        <p:spPr>
-          <a:xfrm rot="5400000">
-            <a:off x="2862841" y="2441933"/>
-            <a:ext cx="742911" cy="304252"/>
-          </a:xfrm>
-          <a:prstGeom prst="bentConnector4">
-            <a:avLst>
-              <a:gd name="adj1" fmla="val 29383"/>
-              <a:gd name="adj2" fmla="val 175135"/>
-            </a:avLst>
-          </a:prstGeom>
-          <a:ln>
-            <a:tailEnd type="arrow"/>
-          </a:ln>
-        </p:spPr>
-        <p:style>
-          <a:lnRef idx="2">
-            <a:schemeClr val="accent1"/>
-          </a:lnRef>
-          <a:fillRef idx="0">
-            <a:schemeClr val="accent1"/>
-          </a:fillRef>
-          <a:effectRef idx="1">
-            <a:schemeClr val="accent1"/>
-          </a:effectRef>
-          <a:fontRef idx="minor">
-            <a:schemeClr val="tx1"/>
-          </a:fontRef>
-        </p:style>
-      </p:cxnSp>
-      <p:cxnSp>
-        <p:nvCxnSpPr>
-          <p:cNvPr id="25" name="Elbow Connector 24"/>
-          <p:cNvCxnSpPr>
-            <a:stCxn id="6" idx="3"/>
-            <a:endCxn id="17" idx="1"/>
-          </p:cNvCxnSpPr>
-          <p:nvPr/>
-        </p:nvCxnSpPr>
-        <p:spPr>
-          <a:xfrm>
-            <a:off x="4404995" y="1944779"/>
-            <a:ext cx="952429" cy="271214"/>
-          </a:xfrm>
-          <a:prstGeom prst="bentConnector3">
-            <a:avLst>
-              <a:gd name="adj1" fmla="val 50000"/>
-            </a:avLst>
-          </a:prstGeom>
-          <a:ln>
-            <a:tailEnd type="arrow"/>
-          </a:ln>
-        </p:spPr>
-        <p:style>
-          <a:lnRef idx="2">
-            <a:schemeClr val="accent1"/>
-          </a:lnRef>
-          <a:fillRef idx="0">
-            <a:schemeClr val="accent1"/>
-          </a:fillRef>
-          <a:effectRef idx="1">
-            <a:schemeClr val="accent1"/>
-          </a:effectRef>
-          <a:fontRef idx="minor">
-            <a:schemeClr val="tx1"/>
-          </a:fontRef>
-        </p:style>
-      </p:cxnSp>
-      <p:sp>
-        <p:nvSpPr>
-          <p:cNvPr id="30" name="Extract 29"/>
-          <p:cNvSpPr/>
-          <p:nvPr/>
-        </p:nvSpPr>
-        <p:spPr>
-          <a:xfrm>
-            <a:off x="2566272" y="3532359"/>
-            <a:ext cx="2037143" cy="1375899"/>
-          </a:xfrm>
-          <a:prstGeom prst="flowChartExtract">
-            <a:avLst/>
-          </a:prstGeom>
-        </p:spPr>
-        <p:style>
-          <a:lnRef idx="1">
-            <a:schemeClr val="accent1"/>
-          </a:lnRef>
-          <a:fillRef idx="3">
-            <a:schemeClr val="accent1"/>
-          </a:fillRef>
-          <a:effectRef idx="2">
-            <a:schemeClr val="accent1"/>
-          </a:effectRef>
-          <a:fontRef idx="minor">
-            <a:schemeClr val="lt1"/>
-          </a:fontRef>
-        </p:style>
-        <p:txBody>
-          <a:bodyPr rtlCol="0" anchor="ctr"/>
-          <a:lstStyle/>
-          <a:p>
-            <a:pPr algn="ctr"/>
-            <a:r>
-              <a:rPr lang="en-US" dirty="0" smtClean="0"/>
-              <a:t>Analytic Answer</a:t>
-            </a:r>
-            <a:endParaRPr lang="en-US" dirty="0"/>
-          </a:p>
-        </p:txBody>
-      </p:sp>
-      <p:cxnSp>
-        <p:nvCxnSpPr>
-          <p:cNvPr id="32" name="Elbow Connector 31"/>
-          <p:cNvCxnSpPr>
-            <a:stCxn id="16" idx="2"/>
-            <a:endCxn id="30" idx="1"/>
-          </p:cNvCxnSpPr>
-          <p:nvPr/>
-        </p:nvCxnSpPr>
-        <p:spPr>
-          <a:xfrm rot="5400000">
-            <a:off x="2875808" y="3471590"/>
-            <a:ext cx="948470" cy="548969"/>
-          </a:xfrm>
-          <a:prstGeom prst="bentConnector4">
-            <a:avLst>
-              <a:gd name="adj1" fmla="val 13734"/>
-              <a:gd name="adj2" fmla="val 141642"/>
-            </a:avLst>
-          </a:prstGeom>
-          <a:ln>
-            <a:tailEnd type="arrow"/>
-          </a:ln>
-        </p:spPr>
-        <p:style>
-          <a:lnRef idx="2">
-            <a:schemeClr val="accent1"/>
-          </a:lnRef>
-          <a:fillRef idx="0">
-            <a:schemeClr val="accent1"/>
-          </a:fillRef>
-          <a:effectRef idx="1">
-            <a:schemeClr val="accent1"/>
-          </a:effectRef>
-          <a:fontRef idx="minor">
-            <a:schemeClr val="tx1"/>
-          </a:fontRef>
-        </p:style>
-      </p:cxnSp>
-      <p:sp>
-        <p:nvSpPr>
-          <p:cNvPr id="36" name="Extract 35"/>
-          <p:cNvSpPr/>
-          <p:nvPr/>
-        </p:nvSpPr>
-        <p:spPr>
-          <a:xfrm>
-            <a:off x="5039949" y="3082546"/>
-            <a:ext cx="2037143" cy="1375899"/>
-          </a:xfrm>
-          <a:prstGeom prst="flowChartExtract">
-            <a:avLst/>
-          </a:prstGeom>
-        </p:spPr>
-        <p:style>
-          <a:lnRef idx="1">
-            <a:schemeClr val="accent1"/>
-          </a:lnRef>
-          <a:fillRef idx="3">
-            <a:schemeClr val="accent1"/>
-          </a:fillRef>
-          <a:effectRef idx="2">
-            <a:schemeClr val="accent1"/>
-          </a:effectRef>
-          <a:fontRef idx="minor">
-            <a:schemeClr val="lt1"/>
-          </a:fontRef>
-        </p:style>
-        <p:txBody>
-          <a:bodyPr rtlCol="0" anchor="ctr"/>
-          <a:lstStyle/>
-          <a:p>
-            <a:pPr algn="ctr"/>
-            <a:r>
-              <a:rPr lang="en-US" dirty="0" smtClean="0"/>
-              <a:t>FEA Answer</a:t>
-            </a:r>
-            <a:endParaRPr lang="en-US" dirty="0"/>
-          </a:p>
-        </p:txBody>
-      </p:sp>
-      <p:cxnSp>
-        <p:nvCxnSpPr>
-          <p:cNvPr id="38" name="Elbow Connector 37"/>
-          <p:cNvCxnSpPr>
-            <a:stCxn id="17" idx="2"/>
-            <a:endCxn id="36" idx="1"/>
-          </p:cNvCxnSpPr>
-          <p:nvPr/>
-        </p:nvCxnSpPr>
-        <p:spPr>
-          <a:xfrm rot="5400000">
-            <a:off x="5155626" y="3026341"/>
-            <a:ext cx="1137764" cy="350546"/>
-          </a:xfrm>
-          <a:prstGeom prst="bentConnector4">
-            <a:avLst>
-              <a:gd name="adj1" fmla="val 19767"/>
-              <a:gd name="adj2" fmla="val 165213"/>
-            </a:avLst>
-          </a:prstGeom>
-          <a:ln>
-            <a:tailEnd type="arrow"/>
-          </a:ln>
-        </p:spPr>
-        <p:style>
-          <a:lnRef idx="2">
-            <a:schemeClr val="accent1"/>
-          </a:lnRef>
-          <a:fillRef idx="0">
-            <a:schemeClr val="accent1"/>
-          </a:fillRef>
-          <a:effectRef idx="1">
-            <a:schemeClr val="accent1"/>
-          </a:effectRef>
-          <a:fontRef idx="minor">
-            <a:schemeClr val="tx1"/>
-          </a:fontRef>
-        </p:style>
-      </p:cxnSp>
-      <p:sp>
-        <p:nvSpPr>
-          <p:cNvPr id="59" name="Data 58"/>
-          <p:cNvSpPr/>
-          <p:nvPr/>
-        </p:nvSpPr>
-        <p:spPr>
-          <a:xfrm>
-            <a:off x="3836180" y="5318381"/>
-            <a:ext cx="1693211" cy="612648"/>
-          </a:xfrm>
-          <a:prstGeom prst="flowChartInputOutput">
-            <a:avLst/>
-          </a:prstGeom>
-        </p:spPr>
-        <p:style>
-          <a:lnRef idx="1">
-            <a:schemeClr val="accent1"/>
-          </a:lnRef>
-          <a:fillRef idx="3">
-            <a:schemeClr val="accent1"/>
-          </a:fillRef>
-          <a:effectRef idx="2">
-            <a:schemeClr val="accent1"/>
-          </a:effectRef>
-          <a:fontRef idx="minor">
-            <a:schemeClr val="lt1"/>
-          </a:fontRef>
-        </p:style>
-        <p:txBody>
-          <a:bodyPr rtlCol="0" anchor="ctr"/>
-          <a:lstStyle/>
-          <a:p>
-            <a:pPr algn="ctr"/>
-            <a:r>
-              <a:rPr lang="en-US" dirty="0" smtClean="0"/>
-              <a:t>Obtain Error</a:t>
-            </a:r>
-            <a:endParaRPr lang="en-US" dirty="0"/>
-          </a:p>
-        </p:txBody>
-      </p:sp>
-      <p:cxnSp>
-        <p:nvCxnSpPr>
-          <p:cNvPr id="61" name="Straight Arrow Connector 60"/>
-          <p:cNvCxnSpPr>
-            <a:stCxn id="30" idx="2"/>
-            <a:endCxn id="59" idx="1"/>
-          </p:cNvCxnSpPr>
-          <p:nvPr/>
-        </p:nvCxnSpPr>
-        <p:spPr>
-          <a:xfrm>
-            <a:off x="3584844" y="4908258"/>
-            <a:ext cx="1097942" cy="410123"/>
-          </a:xfrm>
-          <a:prstGeom prst="straightConnector1">
-            <a:avLst/>
-          </a:prstGeom>
-          <a:ln>
-            <a:tailEnd type="arrow"/>
-          </a:ln>
-        </p:spPr>
-        <p:style>
-          <a:lnRef idx="2">
-            <a:schemeClr val="accent1"/>
-          </a:lnRef>
-          <a:fillRef idx="0">
-            <a:schemeClr val="accent1"/>
-          </a:fillRef>
-          <a:effectRef idx="1">
-            <a:schemeClr val="accent1"/>
-          </a:effectRef>
-          <a:fontRef idx="minor">
-            <a:schemeClr val="tx1"/>
-          </a:fontRef>
-        </p:style>
-      </p:cxnSp>
-      <p:cxnSp>
-        <p:nvCxnSpPr>
-          <p:cNvPr id="64" name="Straight Arrow Connector 63"/>
-          <p:cNvCxnSpPr>
-            <a:stCxn id="36" idx="2"/>
-            <a:endCxn id="59" idx="0"/>
-          </p:cNvCxnSpPr>
-          <p:nvPr/>
-        </p:nvCxnSpPr>
-        <p:spPr>
-          <a:xfrm flipH="1">
-            <a:off x="4852107" y="4458445"/>
-            <a:ext cx="1206414" cy="859936"/>
-          </a:xfrm>
-          <a:prstGeom prst="straightConnector1">
-            <a:avLst/>
-          </a:prstGeom>
-          <a:ln>
-            <a:tailEnd type="arrow"/>
-          </a:ln>
-        </p:spPr>
-        <p:style>
-          <a:lnRef idx="2">
-            <a:schemeClr val="accent1"/>
-          </a:lnRef>
-          <a:fillRef idx="0">
-            <a:schemeClr val="accent1"/>
-          </a:fillRef>
-          <a:effectRef idx="1">
-            <a:schemeClr val="accent1"/>
-          </a:effectRef>
-          <a:fontRef idx="minor">
-            <a:schemeClr val="tx1"/>
-          </a:fontRef>
-        </p:style>
-      </p:cxnSp>
-      <p:sp>
-        <p:nvSpPr>
-          <p:cNvPr id="70" name="Alternate Process 69"/>
-          <p:cNvSpPr/>
-          <p:nvPr/>
-        </p:nvSpPr>
-        <p:spPr>
-          <a:xfrm>
-            <a:off x="7884013" y="3175153"/>
-            <a:ext cx="914400" cy="612648"/>
-          </a:xfrm>
-          <a:prstGeom prst="flowChartAlternateProcess">
-            <a:avLst/>
-          </a:prstGeom>
-        </p:spPr>
-        <p:style>
-          <a:lnRef idx="1">
-            <a:schemeClr val="accent1"/>
-          </a:lnRef>
-          <a:fillRef idx="3">
-            <a:schemeClr val="accent1"/>
-          </a:fillRef>
-          <a:effectRef idx="2">
-            <a:schemeClr val="accent1"/>
-          </a:effectRef>
-          <a:fontRef idx="minor">
-            <a:schemeClr val="lt1"/>
-          </a:fontRef>
-        </p:style>
-        <p:txBody>
-          <a:bodyPr rtlCol="0" anchor="ctr"/>
-          <a:lstStyle/>
-          <a:p>
-            <a:pPr algn="ctr"/>
-            <a:r>
-              <a:rPr lang="en-US" dirty="0" smtClean="0"/>
-              <a:t>Refine Mesh</a:t>
-            </a:r>
-            <a:endParaRPr lang="en-US" dirty="0"/>
-          </a:p>
-        </p:txBody>
-      </p:sp>
-      <p:sp>
-        <p:nvSpPr>
-          <p:cNvPr id="71" name="Snip Diagonal Corner Rectangle 70"/>
-          <p:cNvSpPr/>
-          <p:nvPr/>
-        </p:nvSpPr>
-        <p:spPr>
-          <a:xfrm>
-            <a:off x="3889094" y="6115588"/>
-            <a:ext cx="1602267" cy="353786"/>
-          </a:xfrm>
-          <a:prstGeom prst="snip2DiagRect">
-            <a:avLst/>
-          </a:prstGeom>
-        </p:spPr>
-        <p:style>
-          <a:lnRef idx="1">
-            <a:schemeClr val="accent1"/>
-          </a:lnRef>
-          <a:fillRef idx="3">
-            <a:schemeClr val="accent1"/>
-          </a:fillRef>
-          <a:effectRef idx="2">
-            <a:schemeClr val="accent1"/>
-          </a:effectRef>
-          <a:fontRef idx="minor">
-            <a:schemeClr val="lt1"/>
-          </a:fontRef>
-        </p:style>
-        <p:txBody>
-          <a:bodyPr rtlCol="0" anchor="ctr"/>
-          <a:lstStyle/>
-          <a:p>
-            <a:pPr algn="ctr"/>
-            <a:r>
-              <a:rPr lang="en-US" dirty="0" smtClean="0"/>
-              <a:t>Appropriate?</a:t>
-            </a:r>
-            <a:endParaRPr lang="en-US" dirty="0"/>
-          </a:p>
-        </p:txBody>
-      </p:sp>
-      <p:cxnSp>
-        <p:nvCxnSpPr>
-          <p:cNvPr id="73" name="Straight Arrow Connector 72"/>
-          <p:cNvCxnSpPr>
-            <a:stCxn id="59" idx="4"/>
-            <a:endCxn id="71" idx="3"/>
-          </p:cNvCxnSpPr>
-          <p:nvPr/>
-        </p:nvCxnSpPr>
-        <p:spPr>
-          <a:xfrm>
-            <a:off x="4682786" y="5931029"/>
-            <a:ext cx="7442" cy="184559"/>
-          </a:xfrm>
-          <a:prstGeom prst="straightConnector1">
-            <a:avLst/>
-          </a:prstGeom>
-          <a:ln>
-            <a:tailEnd type="arrow"/>
-          </a:ln>
-        </p:spPr>
-        <p:style>
-          <a:lnRef idx="2">
-            <a:schemeClr val="accent1"/>
-          </a:lnRef>
-          <a:fillRef idx="0">
-            <a:schemeClr val="accent1"/>
-          </a:fillRef>
-          <a:effectRef idx="1">
-            <a:schemeClr val="accent1"/>
-          </a:effectRef>
-          <a:fontRef idx="minor">
-            <a:schemeClr val="tx1"/>
-          </a:fontRef>
-        </p:style>
-      </p:cxnSp>
-      <p:sp>
-        <p:nvSpPr>
-          <p:cNvPr id="75" name="Decision 74"/>
-          <p:cNvSpPr/>
-          <p:nvPr/>
-        </p:nvSpPr>
-        <p:spPr>
-          <a:xfrm>
-            <a:off x="2156198" y="6098940"/>
-            <a:ext cx="1139280" cy="612648"/>
-          </a:xfrm>
-          <a:prstGeom prst="flowChartDecision">
-            <a:avLst/>
-          </a:prstGeom>
-        </p:spPr>
-        <p:style>
-          <a:lnRef idx="1">
-            <a:schemeClr val="accent1"/>
-          </a:lnRef>
-          <a:fillRef idx="3">
-            <a:schemeClr val="accent1"/>
-          </a:fillRef>
-          <a:effectRef idx="2">
-            <a:schemeClr val="accent1"/>
-          </a:effectRef>
-          <a:fontRef idx="minor">
-            <a:schemeClr val="lt1"/>
-          </a:fontRef>
-        </p:style>
-        <p:txBody>
-          <a:bodyPr rtlCol="0" anchor="ctr"/>
-          <a:lstStyle/>
-          <a:p>
-            <a:pPr algn="ctr"/>
-            <a:r>
-              <a:rPr lang="en-US" dirty="0" smtClean="0"/>
-              <a:t>Yes</a:t>
-            </a:r>
-            <a:endParaRPr lang="en-US" dirty="0"/>
-          </a:p>
-        </p:txBody>
-      </p:sp>
-      <p:cxnSp>
-        <p:nvCxnSpPr>
-          <p:cNvPr id="77" name="Straight Arrow Connector 76"/>
-          <p:cNvCxnSpPr>
-            <a:stCxn id="71" idx="2"/>
-            <a:endCxn id="75" idx="3"/>
-          </p:cNvCxnSpPr>
-          <p:nvPr/>
-        </p:nvCxnSpPr>
-        <p:spPr>
-          <a:xfrm flipH="1">
-            <a:off x="3295478" y="6292481"/>
-            <a:ext cx="593616" cy="112783"/>
-          </a:xfrm>
-          <a:prstGeom prst="straightConnector1">
-            <a:avLst/>
-          </a:prstGeom>
-          <a:ln>
-            <a:tailEnd type="arrow"/>
-          </a:ln>
-        </p:spPr>
-        <p:style>
-          <a:lnRef idx="2">
-            <a:schemeClr val="accent1"/>
-          </a:lnRef>
-          <a:fillRef idx="0">
-            <a:schemeClr val="accent1"/>
-          </a:fillRef>
-          <a:effectRef idx="1">
-            <a:schemeClr val="accent1"/>
-          </a:effectRef>
-          <a:fontRef idx="minor">
-            <a:schemeClr val="tx1"/>
-          </a:fontRef>
-        </p:style>
-      </p:cxnSp>
-      <p:sp>
-        <p:nvSpPr>
-          <p:cNvPr id="80" name="Terminator 79"/>
-          <p:cNvSpPr/>
-          <p:nvPr/>
-        </p:nvSpPr>
-        <p:spPr>
-          <a:xfrm>
-            <a:off x="489444" y="5119935"/>
-            <a:ext cx="1377387" cy="447279"/>
-          </a:xfrm>
-          <a:prstGeom prst="flowChartTerminator">
-            <a:avLst/>
-          </a:prstGeom>
-        </p:spPr>
-        <p:style>
-          <a:lnRef idx="1">
-            <a:schemeClr val="accent1"/>
-          </a:lnRef>
-          <a:fillRef idx="3">
-            <a:schemeClr val="accent1"/>
-          </a:fillRef>
-          <a:effectRef idx="2">
-            <a:schemeClr val="accent1"/>
-          </a:effectRef>
-          <a:fontRef idx="minor">
-            <a:schemeClr val="lt1"/>
-          </a:fontRef>
-        </p:style>
-        <p:txBody>
-          <a:bodyPr rtlCol="0" anchor="ctr"/>
-          <a:lstStyle/>
-          <a:p>
-            <a:pPr algn="ctr"/>
-            <a:r>
-              <a:rPr lang="en-US" dirty="0" smtClean="0"/>
-              <a:t>Converged</a:t>
-            </a:r>
-            <a:endParaRPr lang="en-US" dirty="0"/>
-          </a:p>
-        </p:txBody>
-      </p:sp>
-      <p:cxnSp>
-        <p:nvCxnSpPr>
-          <p:cNvPr id="82" name="Elbow Connector 81"/>
-          <p:cNvCxnSpPr>
-            <a:stCxn id="75" idx="1"/>
-            <a:endCxn id="80" idx="2"/>
-          </p:cNvCxnSpPr>
-          <p:nvPr/>
-        </p:nvCxnSpPr>
-        <p:spPr>
-          <a:xfrm rot="10800000">
-            <a:off x="1178138" y="5567214"/>
-            <a:ext cx="978060" cy="838050"/>
-          </a:xfrm>
-          <a:prstGeom prst="bentConnector2">
-            <a:avLst/>
-          </a:prstGeom>
-          <a:ln>
-            <a:tailEnd type="arrow"/>
-          </a:ln>
-        </p:spPr>
-        <p:style>
-          <a:lnRef idx="2">
-            <a:schemeClr val="accent1"/>
-          </a:lnRef>
-          <a:fillRef idx="0">
-            <a:schemeClr val="accent1"/>
-          </a:fillRef>
-          <a:effectRef idx="1">
-            <a:schemeClr val="accent1"/>
-          </a:effectRef>
-          <a:fontRef idx="minor">
-            <a:schemeClr val="tx1"/>
-          </a:fontRef>
-        </p:style>
-      </p:cxnSp>
-      <p:sp>
-        <p:nvSpPr>
-          <p:cNvPr id="86" name="Decision 85"/>
-          <p:cNvSpPr/>
-          <p:nvPr/>
-        </p:nvSpPr>
-        <p:spPr>
-          <a:xfrm>
-            <a:off x="5965922" y="6098939"/>
-            <a:ext cx="1139280" cy="612648"/>
-          </a:xfrm>
-          <a:prstGeom prst="flowChartDecision">
-            <a:avLst/>
-          </a:prstGeom>
-        </p:spPr>
-        <p:style>
-          <a:lnRef idx="1">
-            <a:schemeClr val="accent1"/>
-          </a:lnRef>
-          <a:fillRef idx="3">
-            <a:schemeClr val="accent1"/>
-          </a:fillRef>
-          <a:effectRef idx="2">
-            <a:schemeClr val="accent1"/>
-          </a:effectRef>
-          <a:fontRef idx="minor">
-            <a:schemeClr val="lt1"/>
-          </a:fontRef>
-        </p:style>
-        <p:txBody>
-          <a:bodyPr rtlCol="0" anchor="ctr"/>
-          <a:lstStyle/>
-          <a:p>
-            <a:pPr algn="ctr"/>
-            <a:r>
-              <a:rPr lang="en-US" dirty="0" smtClean="0"/>
-              <a:t>No</a:t>
-            </a:r>
-            <a:endParaRPr lang="en-US" dirty="0"/>
-          </a:p>
-        </p:txBody>
-      </p:sp>
-      <p:cxnSp>
-        <p:nvCxnSpPr>
-          <p:cNvPr id="88" name="Straight Arrow Connector 87"/>
-          <p:cNvCxnSpPr>
-            <a:stCxn id="71" idx="0"/>
-            <a:endCxn id="86" idx="1"/>
-          </p:cNvCxnSpPr>
-          <p:nvPr/>
-        </p:nvCxnSpPr>
-        <p:spPr>
-          <a:xfrm>
-            <a:off x="5491361" y="6292481"/>
-            <a:ext cx="474561" cy="112782"/>
-          </a:xfrm>
-          <a:prstGeom prst="straightConnector1">
-            <a:avLst/>
-          </a:prstGeom>
-          <a:ln>
-            <a:tailEnd type="arrow"/>
-          </a:ln>
-        </p:spPr>
-        <p:style>
-          <a:lnRef idx="2">
-            <a:schemeClr val="accent1"/>
-          </a:lnRef>
-          <a:fillRef idx="0">
-            <a:schemeClr val="accent1"/>
-          </a:fillRef>
-          <a:effectRef idx="1">
-            <a:schemeClr val="accent1"/>
-          </a:effectRef>
-          <a:fontRef idx="minor">
-            <a:schemeClr val="tx1"/>
-          </a:fontRef>
-        </p:style>
-      </p:cxnSp>
-      <p:cxnSp>
-        <p:nvCxnSpPr>
-          <p:cNvPr id="92" name="Elbow Connector 91"/>
-          <p:cNvCxnSpPr>
-            <a:stCxn id="86" idx="3"/>
-            <a:endCxn id="70" idx="2"/>
-          </p:cNvCxnSpPr>
-          <p:nvPr/>
-        </p:nvCxnSpPr>
-        <p:spPr>
-          <a:xfrm flipV="1">
-            <a:off x="7105202" y="3787801"/>
-            <a:ext cx="1236011" cy="2617462"/>
-          </a:xfrm>
-          <a:prstGeom prst="bentConnector2">
-            <a:avLst/>
-          </a:prstGeom>
-          <a:ln>
-            <a:tailEnd type="arrow"/>
-          </a:ln>
-        </p:spPr>
-        <p:style>
-          <a:lnRef idx="2">
-            <a:schemeClr val="accent1"/>
-          </a:lnRef>
-          <a:fillRef idx="0">
-            <a:schemeClr val="accent1"/>
-          </a:fillRef>
-          <a:effectRef idx="1">
-            <a:schemeClr val="accent1"/>
-          </a:effectRef>
-          <a:fontRef idx="minor">
-            <a:schemeClr val="tx1"/>
-          </a:fontRef>
-        </p:style>
-      </p:cxnSp>
-      <p:cxnSp>
-        <p:nvCxnSpPr>
-          <p:cNvPr id="95" name="Straight Connector 94"/>
-          <p:cNvCxnSpPr>
-            <a:stCxn id="70" idx="0"/>
-          </p:cNvCxnSpPr>
-          <p:nvPr/>
-        </p:nvCxnSpPr>
-        <p:spPr>
-          <a:xfrm flipH="1" flipV="1">
-            <a:off x="8333772" y="1468508"/>
-            <a:ext cx="7441" cy="1706645"/>
-          </a:xfrm>
-          <a:prstGeom prst="line">
-            <a:avLst/>
-          </a:prstGeom>
-        </p:spPr>
-        <p:style>
-          <a:lnRef idx="2">
-            <a:schemeClr val="accent1"/>
-          </a:lnRef>
-          <a:fillRef idx="0">
-            <a:schemeClr val="accent1"/>
-          </a:fillRef>
-          <a:effectRef idx="1">
-            <a:schemeClr val="accent1"/>
-          </a:effectRef>
-          <a:fontRef idx="minor">
-            <a:schemeClr val="tx1"/>
-          </a:fontRef>
-        </p:style>
-      </p:cxnSp>
-      <p:cxnSp>
-        <p:nvCxnSpPr>
-          <p:cNvPr id="97" name="Elbow Connector 96"/>
-          <p:cNvCxnSpPr>
-            <a:endCxn id="17" idx="0"/>
-          </p:cNvCxnSpPr>
-          <p:nvPr/>
-        </p:nvCxnSpPr>
-        <p:spPr>
-          <a:xfrm rot="10800000" flipV="1">
-            <a:off x="5899782" y="1468507"/>
-            <a:ext cx="2433991" cy="330745"/>
-          </a:xfrm>
-          <a:prstGeom prst="bentConnector2">
-            <a:avLst/>
-          </a:prstGeom>
-          <a:ln>
-            <a:tailEnd type="arrow"/>
-          </a:ln>
-        </p:spPr>
-        <p:style>
-          <a:lnRef idx="2">
-            <a:schemeClr val="accent1"/>
-          </a:lnRef>
-          <a:fillRef idx="0">
-            <a:schemeClr val="accent1"/>
-          </a:fillRef>
-          <a:effectRef idx="1">
-            <a:schemeClr val="accent1"/>
-          </a:effectRef>
-          <a:fontRef idx="minor">
-            <a:schemeClr val="tx1"/>
-          </a:fontRef>
-        </p:style>
-      </p:cxnSp>
+        </p:nvPicPr>
+        <p:blipFill>
+          <a:blip r:embed="rId5"/>
+          <a:stretch>
+            <a:fillRect/>
+          </a:stretch>
+        </p:blipFill>
+        <p:spPr>
+          <a:xfrm>
+            <a:off x="4660899" y="4093522"/>
+            <a:ext cx="3623359" cy="2708892"/>
+          </a:xfrm>
+          <a:prstGeom prst="rect">
+            <a:avLst/>
+          </a:prstGeom>
+        </p:spPr>
+      </p:pic>
     </p:spTree>
     <p:extLst>
       <p:ext uri="{BB962C8B-B14F-4D97-AF65-F5344CB8AC3E}">
-        <p14:creationId xmlns:p14="http://schemas.microsoft.com/office/powerpoint/2010/main" val="1801579212"/>
+        <p14:creationId xmlns:p14="http://schemas.microsoft.com/office/powerpoint/2010/main" val="2403032361"/>
       </p:ext>
     </p:extLst>
   </p:cSld>
@@ -9413,7 +6602,7 @@
   <p:timing>
     <p:tnLst>
       <p:par>
-        <p:cTn xmlns:p14="http://schemas.microsoft.com/office/powerpoint/2010/main" id="1" dur="indefinite" restart="never" nodeType="tmRoot"/>
+        <p:cTn id="1" dur="indefinite" restart="never" nodeType="tmRoot"/>
       </p:par>
     </p:tnLst>
   </p:timing>
@@ -9675,7 +6864,7 @@
   <a:extraClrSchemeLst/>
   <a:extLst>
     <a:ext uri="{05A4C25C-085E-4340-85A3-A5531E510DB2}">
-      <thm15:themeFamily xmlns:thm15="http://schemas.microsoft.com/office/thememl/2012/main" xmlns="" name="Office Theme" id="{62F939B6-93AF-4DB8-9C6B-D6C7DFDC589F}" vid="{4A3C46E8-61CC-4603-A589-7422A47A8E4A}"/>
+      <thm15:themeFamily xmlns:thm15="http://schemas.microsoft.com/office/thememl/2012/main" name="Office Theme" id="{62F939B6-93AF-4DB8-9C6B-D6C7DFDC589F}" vid="{4A3C46E8-61CC-4603-A589-7422A47A8E4A}"/>
     </a:ext>
   </a:extLst>
 </a:theme>
